--- a/Projekt_bemutatás.pptx
+++ b/Projekt_bemutatás.pptx
@@ -1,21 +1,18 @@
 
 <file path=ppt/presentation.xml><?xml version="1.0" encoding="utf-8"?>
-<p:presentation xmlns:a="http://schemas.openxmlformats.org/drawingml/2006/main" xmlns:r="http://schemas.openxmlformats.org/officeDocument/2006/relationships" xmlns:p="http://schemas.openxmlformats.org/presentationml/2006/main" xmlns:m="http://schemas.openxmlformats.org/officeDocument/2006/math" xmlns:w="http://schemas.openxmlformats.org/wordprocessingml/2006/main" saveSubsetFonts="1">
+<p:presentation xmlns:a="http://schemas.openxmlformats.org/drawingml/2006/main" xmlns:r="http://schemas.openxmlformats.org/officeDocument/2006/relationships" xmlns:p="http://schemas.openxmlformats.org/presentationml/2006/main" saveSubsetFonts="1">
   <p:sldMasterIdLst>
     <p:sldMasterId id="2147483648" r:id="rId1"/>
   </p:sldMasterIdLst>
   <p:sldIdLst>
-    <p:sldId id="256" r:id="rId3"/>
-    <p:sldId id="257" r:id="rId4"/>
-    <p:sldId id="258" r:id="rId5"/>
-    <p:sldId id="259" r:id="rId6"/>
-    <p:sldId id="260" r:id="rId7"/>
-    <p:sldId id="261" r:id="rId8"/>
-    <p:sldId id="262" r:id="rId9"/>
-    <p:sldId id="263" r:id="rId10"/>
-    <p:sldId id="264" r:id="rId11"/>
-    <p:sldId id="265" r:id="rId12"/>
-    <p:sldId id="266" r:id="rId13"/>
+    <p:sldId id="256" r:id="rId2"/>
+    <p:sldId id="260" r:id="rId3"/>
+    <p:sldId id="263" r:id="rId4"/>
+    <p:sldId id="259" r:id="rId5"/>
+    <p:sldId id="258" r:id="rId6"/>
+    <p:sldId id="262" r:id="rId7"/>
+    <p:sldId id="264" r:id="rId8"/>
+    <p:sldId id="266" r:id="rId9"/>
   </p:sldIdLst>
   <p:sldSz cx="12192000" cy="6858000"/>
   <p:notesSz cx="12192000" cy="6858000"/>
@@ -114,11 +111,27 @@
       </a:defRPr>
     </a:lvl9pPr>
   </p:defaultTextStyle>
+  <p:extLst>
+    <p:ext uri="{EFAFB233-063F-42B5-8137-9DF3F51BA10A}">
+      <p15:sldGuideLst xmlns:p15="http://schemas.microsoft.com/office/powerpoint/2012/main">
+        <p15:guide id="1" pos="3840">
+          <p15:clr>
+            <a:srgbClr val="A4A3A4"/>
+          </p15:clr>
+        </p15:guide>
+        <p15:guide id="2" orient="horz" pos="2160">
+          <p15:clr>
+            <a:srgbClr val="A4A3A4"/>
+          </p15:clr>
+        </p15:guide>
+      </p15:sldGuideLst>
+    </p:ext>
+  </p:extLst>
 </p:presentation>
 </file>
 
 <file path=ppt/slideLayouts/slideLayout1.xml><?xml version="1.0" encoding="utf-8"?>
-<p:sldLayout xmlns:a="http://schemas.openxmlformats.org/drawingml/2006/main" xmlns:r="http://schemas.openxmlformats.org/officeDocument/2006/relationships" xmlns:p="http://schemas.openxmlformats.org/presentationml/2006/main" xmlns:m="http://schemas.openxmlformats.org/officeDocument/2006/math" xmlns:w="http://schemas.openxmlformats.org/wordprocessingml/2006/main" matchingName="" preserve="0" showMasterPhAnim="0" type="title" userDrawn="1">
+<p:sldLayout xmlns:a="http://schemas.openxmlformats.org/drawingml/2006/main" xmlns:r="http://schemas.openxmlformats.org/officeDocument/2006/relationships" xmlns:p="http://schemas.openxmlformats.org/presentationml/2006/main" showMasterPhAnim="0" type="title" userDrawn="1">
   <p:cSld name="Title Slide">
     <p:spTree>
       <p:nvGrpSpPr>
@@ -165,7 +178,6 @@
               <a:rPr/>
               <a:t>Образец заголовка</a:t>
             </a:r>
-            <a:endParaRPr/>
           </a:p>
         </p:txBody>
       </p:sp>
@@ -287,7 +299,6 @@
               <a:rPr/>
               <a:t>Образец подзаголовка</a:t>
             </a:r>
-            <a:endParaRPr/>
           </a:p>
         </p:txBody>
       </p:sp>
@@ -310,8 +321,8 @@
               <a:defRPr/>
             </a:pPr>
             <a:fld id="{86EB4D43-F783-4E09-8208-6AA351DBC29B}" type="datetimeFigureOut">
-              <a:rPr/>
-              <a:t/>
+              <a:rPr lang="hu-HU"/>
+              <a:t>2023. 10. 12.</a:t>
             </a:fld>
             <a:endParaRPr/>
           </a:p>
@@ -359,7 +370,7 @@
             </a:pPr>
             <a:fld id="{F8E3F0E9-0FC2-4DDE-87CF-3BA6A04EA4CC}" type="slidenum">
               <a:rPr/>
-              <a:t/>
+              <a:t>‹#›</a:t>
             </a:fld>
             <a:endParaRPr/>
           </a:p>
@@ -374,7 +385,7 @@
 </file>
 
 <file path=ppt/slideLayouts/slideLayout10.xml><?xml version="1.0" encoding="utf-8"?>
-<p:sldLayout xmlns:a="http://schemas.openxmlformats.org/drawingml/2006/main" xmlns:r="http://schemas.openxmlformats.org/officeDocument/2006/relationships" xmlns:p="http://schemas.openxmlformats.org/presentationml/2006/main" xmlns:m="http://schemas.openxmlformats.org/officeDocument/2006/math" xmlns:w="http://schemas.openxmlformats.org/wordprocessingml/2006/main" matchingName="" preserve="0" showMasterPhAnim="0" type="vertTx" userDrawn="1">
+<p:sldLayout xmlns:a="http://schemas.openxmlformats.org/drawingml/2006/main" xmlns:r="http://schemas.openxmlformats.org/officeDocument/2006/relationships" xmlns:p="http://schemas.openxmlformats.org/presentationml/2006/main" showMasterPhAnim="0" type="vertTx" userDrawn="1">
   <p:cSld name="Title and Vertical Text">
     <p:spTree>
       <p:nvGrpSpPr>
@@ -412,7 +423,6 @@
               <a:rPr/>
               <a:t>Образец заголовка</a:t>
             </a:r>
-            <a:endParaRPr/>
           </a:p>
         </p:txBody>
       </p:sp>
@@ -438,7 +448,6 @@
               <a:rPr/>
               <a:t>Образец текста</a:t>
             </a:r>
-            <a:endParaRPr/>
           </a:p>
           <a:p>
             <a:pPr lvl="1">
@@ -448,7 +457,6 @@
               <a:rPr/>
               <a:t>Второй уровень</a:t>
             </a:r>
-            <a:endParaRPr/>
           </a:p>
           <a:p>
             <a:pPr lvl="2">
@@ -458,7 +466,6 @@
               <a:rPr/>
               <a:t>Третий уровень</a:t>
             </a:r>
-            <a:endParaRPr/>
           </a:p>
           <a:p>
             <a:pPr lvl="3">
@@ -468,7 +475,6 @@
               <a:rPr/>
               <a:t>Четвертый уровень</a:t>
             </a:r>
-            <a:endParaRPr/>
           </a:p>
           <a:p>
             <a:pPr lvl="4">
@@ -478,7 +484,6 @@
               <a:rPr/>
               <a:t>Пятый уровень</a:t>
             </a:r>
-            <a:endParaRPr/>
           </a:p>
         </p:txBody>
       </p:sp>
@@ -501,8 +506,8 @@
               <a:defRPr/>
             </a:pPr>
             <a:fld id="{86EB4D43-F783-4E09-8208-6AA351DBC29B}" type="datetimeFigureOut">
-              <a:rPr/>
-              <a:t/>
+              <a:rPr lang="hu-HU"/>
+              <a:t>2023. 10. 12.</a:t>
             </a:fld>
             <a:endParaRPr/>
           </a:p>
@@ -550,7 +555,7 @@
             </a:pPr>
             <a:fld id="{F8E3F0E9-0FC2-4DDE-87CF-3BA6A04EA4CC}" type="slidenum">
               <a:rPr/>
-              <a:t/>
+              <a:t>‹#›</a:t>
             </a:fld>
             <a:endParaRPr/>
           </a:p>
@@ -565,7 +570,7 @@
 </file>
 
 <file path=ppt/slideLayouts/slideLayout11.xml><?xml version="1.0" encoding="utf-8"?>
-<p:sldLayout xmlns:a="http://schemas.openxmlformats.org/drawingml/2006/main" xmlns:r="http://schemas.openxmlformats.org/officeDocument/2006/relationships" xmlns:p="http://schemas.openxmlformats.org/presentationml/2006/main" xmlns:m="http://schemas.openxmlformats.org/officeDocument/2006/math" xmlns:w="http://schemas.openxmlformats.org/wordprocessingml/2006/main" matchingName="" preserve="0" showMasterPhAnim="0" type="vertTitleAndTx" userDrawn="1">
+<p:sldLayout xmlns:a="http://schemas.openxmlformats.org/drawingml/2006/main" xmlns:r="http://schemas.openxmlformats.org/officeDocument/2006/relationships" xmlns:p="http://schemas.openxmlformats.org/presentationml/2006/main" showMasterPhAnim="0" type="vertTitleAndTx" userDrawn="1">
   <p:cSld name="Vertical Title and Text">
     <p:spTree>
       <p:nvGrpSpPr>
@@ -612,7 +617,6 @@
               <a:rPr/>
               <a:t>Образец заголовка</a:t>
             </a:r>
-            <a:endParaRPr/>
           </a:p>
         </p:txBody>
       </p:sp>
@@ -643,7 +647,6 @@
               <a:rPr/>
               <a:t>Образец текста</a:t>
             </a:r>
-            <a:endParaRPr/>
           </a:p>
           <a:p>
             <a:pPr lvl="1">
@@ -653,7 +656,6 @@
               <a:rPr/>
               <a:t>Второй уровень</a:t>
             </a:r>
-            <a:endParaRPr/>
           </a:p>
           <a:p>
             <a:pPr lvl="2">
@@ -663,7 +665,6 @@
               <a:rPr/>
               <a:t>Третий уровень</a:t>
             </a:r>
-            <a:endParaRPr/>
           </a:p>
           <a:p>
             <a:pPr lvl="3">
@@ -673,7 +674,6 @@
               <a:rPr/>
               <a:t>Четвертый уровень</a:t>
             </a:r>
-            <a:endParaRPr/>
           </a:p>
           <a:p>
             <a:pPr lvl="4">
@@ -683,7 +683,6 @@
               <a:rPr/>
               <a:t>Пятый уровень</a:t>
             </a:r>
-            <a:endParaRPr/>
           </a:p>
         </p:txBody>
       </p:sp>
@@ -706,8 +705,8 @@
               <a:defRPr/>
             </a:pPr>
             <a:fld id="{86EB4D43-F783-4E09-8208-6AA351DBC29B}" type="datetimeFigureOut">
-              <a:rPr/>
-              <a:t/>
+              <a:rPr lang="hu-HU"/>
+              <a:t>2023. 10. 12.</a:t>
             </a:fld>
             <a:endParaRPr/>
           </a:p>
@@ -755,7 +754,7 @@
             </a:pPr>
             <a:fld id="{F8E3F0E9-0FC2-4DDE-87CF-3BA6A04EA4CC}" type="slidenum">
               <a:rPr/>
-              <a:t/>
+              <a:t>‹#›</a:t>
             </a:fld>
             <a:endParaRPr/>
           </a:p>
@@ -770,7 +769,7 @@
 </file>
 
 <file path=ppt/slideLayouts/slideLayout2.xml><?xml version="1.0" encoding="utf-8"?>
-<p:sldLayout xmlns:a="http://schemas.openxmlformats.org/drawingml/2006/main" xmlns:r="http://schemas.openxmlformats.org/officeDocument/2006/relationships" xmlns:p="http://schemas.openxmlformats.org/presentationml/2006/main" xmlns:m="http://schemas.openxmlformats.org/officeDocument/2006/math" xmlns:w="http://schemas.openxmlformats.org/wordprocessingml/2006/main" matchingName="" preserve="0" showMasterPhAnim="0" type="obj" userDrawn="1">
+<p:sldLayout xmlns:a="http://schemas.openxmlformats.org/drawingml/2006/main" xmlns:r="http://schemas.openxmlformats.org/officeDocument/2006/relationships" xmlns:p="http://schemas.openxmlformats.org/presentationml/2006/main" showMasterPhAnim="0" type="obj" userDrawn="1">
   <p:cSld name="Title and Content">
     <p:spTree>
       <p:nvGrpSpPr>
@@ -808,7 +807,6 @@
               <a:rPr/>
               <a:t>Образец заголовка</a:t>
             </a:r>
-            <a:endParaRPr/>
           </a:p>
         </p:txBody>
       </p:sp>
@@ -834,7 +832,6 @@
               <a:rPr/>
               <a:t>Образец текста</a:t>
             </a:r>
-            <a:endParaRPr/>
           </a:p>
           <a:p>
             <a:pPr lvl="1">
@@ -844,7 +841,6 @@
               <a:rPr/>
               <a:t>Второй уровень</a:t>
             </a:r>
-            <a:endParaRPr/>
           </a:p>
           <a:p>
             <a:pPr lvl="2">
@@ -854,7 +850,6 @@
               <a:rPr/>
               <a:t>Третий уровень</a:t>
             </a:r>
-            <a:endParaRPr/>
           </a:p>
           <a:p>
             <a:pPr lvl="3">
@@ -864,7 +859,6 @@
               <a:rPr/>
               <a:t>Четвертый уровень</a:t>
             </a:r>
-            <a:endParaRPr/>
           </a:p>
           <a:p>
             <a:pPr lvl="4">
@@ -874,7 +868,6 @@
               <a:rPr/>
               <a:t>Пятый уровень</a:t>
             </a:r>
-            <a:endParaRPr/>
           </a:p>
         </p:txBody>
       </p:sp>
@@ -897,8 +890,8 @@
               <a:defRPr/>
             </a:pPr>
             <a:fld id="{86EB4D43-F783-4E09-8208-6AA351DBC29B}" type="datetimeFigureOut">
-              <a:rPr/>
-              <a:t/>
+              <a:rPr lang="hu-HU"/>
+              <a:t>2023. 10. 12.</a:t>
             </a:fld>
             <a:endParaRPr/>
           </a:p>
@@ -946,7 +939,7 @@
             </a:pPr>
             <a:fld id="{F8E3F0E9-0FC2-4DDE-87CF-3BA6A04EA4CC}" type="slidenum">
               <a:rPr/>
-              <a:t/>
+              <a:t>‹#›</a:t>
             </a:fld>
             <a:endParaRPr/>
           </a:p>
@@ -961,7 +954,7 @@
 </file>
 
 <file path=ppt/slideLayouts/slideLayout3.xml><?xml version="1.0" encoding="utf-8"?>
-<p:sldLayout xmlns:a="http://schemas.openxmlformats.org/drawingml/2006/main" xmlns:r="http://schemas.openxmlformats.org/officeDocument/2006/relationships" xmlns:p="http://schemas.openxmlformats.org/presentationml/2006/main" xmlns:m="http://schemas.openxmlformats.org/officeDocument/2006/math" xmlns:w="http://schemas.openxmlformats.org/wordprocessingml/2006/main" matchingName="" preserve="0" showMasterPhAnim="0" type="secHead" userDrawn="1">
+<p:sldLayout xmlns:a="http://schemas.openxmlformats.org/drawingml/2006/main" xmlns:r="http://schemas.openxmlformats.org/officeDocument/2006/relationships" xmlns:p="http://schemas.openxmlformats.org/presentationml/2006/main" showMasterPhAnim="0" type="secHead" userDrawn="1">
   <p:cSld name="Section Header">
     <p:spTree>
       <p:nvGrpSpPr>
@@ -1008,7 +1001,6 @@
               <a:rPr/>
               <a:t>Образец заголовка</a:t>
             </a:r>
-            <a:endParaRPr/>
           </a:p>
         </p:txBody>
       </p:sp>
@@ -1130,7 +1122,6 @@
               <a:rPr/>
               <a:t>Образец текста</a:t>
             </a:r>
-            <a:endParaRPr/>
           </a:p>
         </p:txBody>
       </p:sp>
@@ -1153,8 +1144,8 @@
               <a:defRPr/>
             </a:pPr>
             <a:fld id="{86EB4D43-F783-4E09-8208-6AA351DBC29B}" type="datetimeFigureOut">
-              <a:rPr/>
-              <a:t/>
+              <a:rPr lang="hu-HU"/>
+              <a:t>2023. 10. 12.</a:t>
             </a:fld>
             <a:endParaRPr/>
           </a:p>
@@ -1202,7 +1193,7 @@
             </a:pPr>
             <a:fld id="{F8E3F0E9-0FC2-4DDE-87CF-3BA6A04EA4CC}" type="slidenum">
               <a:rPr/>
-              <a:t/>
+              <a:t>‹#›</a:t>
             </a:fld>
             <a:endParaRPr/>
           </a:p>
@@ -1217,7 +1208,7 @@
 </file>
 
 <file path=ppt/slideLayouts/slideLayout4.xml><?xml version="1.0" encoding="utf-8"?>
-<p:sldLayout xmlns:a="http://schemas.openxmlformats.org/drawingml/2006/main" xmlns:r="http://schemas.openxmlformats.org/officeDocument/2006/relationships" xmlns:p="http://schemas.openxmlformats.org/presentationml/2006/main" xmlns:m="http://schemas.openxmlformats.org/officeDocument/2006/math" xmlns:w="http://schemas.openxmlformats.org/wordprocessingml/2006/main" matchingName="" preserve="0" showMasterPhAnim="0" type="twoObj" userDrawn="1">
+<p:sldLayout xmlns:a="http://schemas.openxmlformats.org/drawingml/2006/main" xmlns:r="http://schemas.openxmlformats.org/officeDocument/2006/relationships" xmlns:p="http://schemas.openxmlformats.org/presentationml/2006/main" showMasterPhAnim="0" type="twoObj" userDrawn="1">
   <p:cSld name="Two Content">
     <p:spTree>
       <p:nvGrpSpPr>
@@ -1255,7 +1246,6 @@
               <a:rPr/>
               <a:t>Образец заголовка</a:t>
             </a:r>
-            <a:endParaRPr/>
           </a:p>
         </p:txBody>
       </p:sp>
@@ -1314,7 +1304,6 @@
               <a:rPr/>
               <a:t>Образец текста</a:t>
             </a:r>
-            <a:endParaRPr/>
           </a:p>
           <a:p>
             <a:pPr lvl="1">
@@ -1324,7 +1313,6 @@
               <a:rPr/>
               <a:t>Второй уровень</a:t>
             </a:r>
-            <a:endParaRPr/>
           </a:p>
           <a:p>
             <a:pPr lvl="2">
@@ -1334,7 +1322,6 @@
               <a:rPr/>
               <a:t>Третий уровень</a:t>
             </a:r>
-            <a:endParaRPr/>
           </a:p>
           <a:p>
             <a:pPr lvl="3">
@@ -1344,7 +1331,6 @@
               <a:rPr/>
               <a:t>Четвертый уровень</a:t>
             </a:r>
-            <a:endParaRPr/>
           </a:p>
           <a:p>
             <a:pPr lvl="4">
@@ -1354,7 +1340,6 @@
               <a:rPr/>
               <a:t>Пятый уровень</a:t>
             </a:r>
-            <a:endParaRPr/>
           </a:p>
         </p:txBody>
       </p:sp>
@@ -1413,7 +1398,6 @@
               <a:rPr/>
               <a:t>Образец текста</a:t>
             </a:r>
-            <a:endParaRPr/>
           </a:p>
           <a:p>
             <a:pPr lvl="1">
@@ -1423,7 +1407,6 @@
               <a:rPr/>
               <a:t>Второй уровень</a:t>
             </a:r>
-            <a:endParaRPr/>
           </a:p>
           <a:p>
             <a:pPr lvl="2">
@@ -1433,7 +1416,6 @@
               <a:rPr/>
               <a:t>Третий уровень</a:t>
             </a:r>
-            <a:endParaRPr/>
           </a:p>
           <a:p>
             <a:pPr lvl="3">
@@ -1443,7 +1425,6 @@
               <a:rPr/>
               <a:t>Четвертый уровень</a:t>
             </a:r>
-            <a:endParaRPr/>
           </a:p>
           <a:p>
             <a:pPr lvl="4">
@@ -1453,7 +1434,6 @@
               <a:rPr/>
               <a:t>Пятый уровень</a:t>
             </a:r>
-            <a:endParaRPr/>
           </a:p>
         </p:txBody>
       </p:sp>
@@ -1476,8 +1456,8 @@
               <a:defRPr/>
             </a:pPr>
             <a:fld id="{86EB4D43-F783-4E09-8208-6AA351DBC29B}" type="datetimeFigureOut">
-              <a:rPr/>
-              <a:t/>
+              <a:rPr lang="hu-HU"/>
+              <a:t>2023. 10. 12.</a:t>
             </a:fld>
             <a:endParaRPr/>
           </a:p>
@@ -1525,7 +1505,7 @@
             </a:pPr>
             <a:fld id="{F8E3F0E9-0FC2-4DDE-87CF-3BA6A04EA4CC}" type="slidenum">
               <a:rPr/>
-              <a:t/>
+              <a:t>‹#›</a:t>
             </a:fld>
             <a:endParaRPr/>
           </a:p>
@@ -1540,7 +1520,7 @@
 </file>
 
 <file path=ppt/slideLayouts/slideLayout5.xml><?xml version="1.0" encoding="utf-8"?>
-<p:sldLayout xmlns:a="http://schemas.openxmlformats.org/drawingml/2006/main" xmlns:r="http://schemas.openxmlformats.org/officeDocument/2006/relationships" xmlns:p="http://schemas.openxmlformats.org/presentationml/2006/main" xmlns:m="http://schemas.openxmlformats.org/officeDocument/2006/math" xmlns:w="http://schemas.openxmlformats.org/wordprocessingml/2006/main" matchingName="" preserve="0" showMasterPhAnim="0" type="twoTxTwoObj" userDrawn="1">
+<p:sldLayout xmlns:a="http://schemas.openxmlformats.org/drawingml/2006/main" xmlns:r="http://schemas.openxmlformats.org/officeDocument/2006/relationships" xmlns:p="http://schemas.openxmlformats.org/presentationml/2006/main" showMasterPhAnim="0" type="twoTxTwoObj" userDrawn="1">
   <p:cSld name="Comparison">
     <p:spTree>
       <p:nvGrpSpPr>
@@ -1582,7 +1562,6 @@
               <a:rPr/>
               <a:t>Образец заголовка</a:t>
             </a:r>
-            <a:endParaRPr/>
           </a:p>
         </p:txBody>
       </p:sp>
@@ -1650,7 +1629,6 @@
               <a:rPr/>
               <a:t>Образец текста</a:t>
             </a:r>
-            <a:endParaRPr/>
           </a:p>
         </p:txBody>
       </p:sp>
@@ -1709,7 +1687,6 @@
               <a:rPr/>
               <a:t>Образец текста</a:t>
             </a:r>
-            <a:endParaRPr/>
           </a:p>
           <a:p>
             <a:pPr lvl="1">
@@ -1719,7 +1696,6 @@
               <a:rPr/>
               <a:t>Второй уровень</a:t>
             </a:r>
-            <a:endParaRPr/>
           </a:p>
           <a:p>
             <a:pPr lvl="2">
@@ -1729,7 +1705,6 @@
               <a:rPr/>
               <a:t>Третий уровень</a:t>
             </a:r>
-            <a:endParaRPr/>
           </a:p>
           <a:p>
             <a:pPr lvl="3">
@@ -1739,7 +1714,6 @@
               <a:rPr/>
               <a:t>Четвертый уровень</a:t>
             </a:r>
-            <a:endParaRPr/>
           </a:p>
           <a:p>
             <a:pPr lvl="4">
@@ -1749,7 +1723,6 @@
               <a:rPr/>
               <a:t>Пятый уровень</a:t>
             </a:r>
-            <a:endParaRPr/>
           </a:p>
         </p:txBody>
       </p:sp>
@@ -1817,7 +1790,6 @@
               <a:rPr/>
               <a:t>Образец текста</a:t>
             </a:r>
-            <a:endParaRPr/>
           </a:p>
         </p:txBody>
       </p:sp>
@@ -1876,7 +1848,6 @@
               <a:rPr/>
               <a:t>Образец текста</a:t>
             </a:r>
-            <a:endParaRPr/>
           </a:p>
           <a:p>
             <a:pPr lvl="1">
@@ -1886,7 +1857,6 @@
               <a:rPr/>
               <a:t>Второй уровень</a:t>
             </a:r>
-            <a:endParaRPr/>
           </a:p>
           <a:p>
             <a:pPr lvl="2">
@@ -1896,7 +1866,6 @@
               <a:rPr/>
               <a:t>Третий уровень</a:t>
             </a:r>
-            <a:endParaRPr/>
           </a:p>
           <a:p>
             <a:pPr lvl="3">
@@ -1906,7 +1875,6 @@
               <a:rPr/>
               <a:t>Четвертый уровень</a:t>
             </a:r>
-            <a:endParaRPr/>
           </a:p>
           <a:p>
             <a:pPr lvl="4">
@@ -1916,7 +1884,6 @@
               <a:rPr/>
               <a:t>Пятый уровень</a:t>
             </a:r>
-            <a:endParaRPr/>
           </a:p>
         </p:txBody>
       </p:sp>
@@ -1939,8 +1906,8 @@
               <a:defRPr/>
             </a:pPr>
             <a:fld id="{86EB4D43-F783-4E09-8208-6AA351DBC29B}" type="datetimeFigureOut">
-              <a:rPr/>
-              <a:t/>
+              <a:rPr lang="hu-HU"/>
+              <a:t>2023. 10. 12.</a:t>
             </a:fld>
             <a:endParaRPr/>
           </a:p>
@@ -1988,7 +1955,7 @@
             </a:pPr>
             <a:fld id="{F8E3F0E9-0FC2-4DDE-87CF-3BA6A04EA4CC}" type="slidenum">
               <a:rPr/>
-              <a:t/>
+              <a:t>‹#›</a:t>
             </a:fld>
             <a:endParaRPr/>
           </a:p>
@@ -2003,7 +1970,7 @@
 </file>
 
 <file path=ppt/slideLayouts/slideLayout6.xml><?xml version="1.0" encoding="utf-8"?>
-<p:sldLayout xmlns:a="http://schemas.openxmlformats.org/drawingml/2006/main" xmlns:r="http://schemas.openxmlformats.org/officeDocument/2006/relationships" xmlns:p="http://schemas.openxmlformats.org/presentationml/2006/main" xmlns:m="http://schemas.openxmlformats.org/officeDocument/2006/math" xmlns:w="http://schemas.openxmlformats.org/wordprocessingml/2006/main" matchingName="" preserve="0" showMasterPhAnim="0" type="titleOnly" userDrawn="1">
+<p:sldLayout xmlns:a="http://schemas.openxmlformats.org/drawingml/2006/main" xmlns:r="http://schemas.openxmlformats.org/officeDocument/2006/relationships" xmlns:p="http://schemas.openxmlformats.org/presentationml/2006/main" showMasterPhAnim="0" type="titleOnly" userDrawn="1">
   <p:cSld name="Title Only">
     <p:spTree>
       <p:nvGrpSpPr>
@@ -2041,7 +2008,6 @@
               <a:rPr/>
               <a:t>Образец заголовка</a:t>
             </a:r>
-            <a:endParaRPr/>
           </a:p>
         </p:txBody>
       </p:sp>
@@ -2064,8 +2030,8 @@
               <a:defRPr/>
             </a:pPr>
             <a:fld id="{86EB4D43-F783-4E09-8208-6AA351DBC29B}" type="datetimeFigureOut">
-              <a:rPr/>
-              <a:t/>
+              <a:rPr lang="hu-HU"/>
+              <a:t>2023. 10. 12.</a:t>
             </a:fld>
             <a:endParaRPr/>
           </a:p>
@@ -2113,7 +2079,7 @@
             </a:pPr>
             <a:fld id="{F8E3F0E9-0FC2-4DDE-87CF-3BA6A04EA4CC}" type="slidenum">
               <a:rPr/>
-              <a:t/>
+              <a:t>‹#›</a:t>
             </a:fld>
             <a:endParaRPr/>
           </a:p>
@@ -2128,7 +2094,7 @@
 </file>
 
 <file path=ppt/slideLayouts/slideLayout7.xml><?xml version="1.0" encoding="utf-8"?>
-<p:sldLayout xmlns:a="http://schemas.openxmlformats.org/drawingml/2006/main" xmlns:r="http://schemas.openxmlformats.org/officeDocument/2006/relationships" xmlns:p="http://schemas.openxmlformats.org/presentationml/2006/main" xmlns:m="http://schemas.openxmlformats.org/officeDocument/2006/math" xmlns:w="http://schemas.openxmlformats.org/wordprocessingml/2006/main" matchingName="" preserve="0" showMasterPhAnim="0" type="blank" userDrawn="1">
+<p:sldLayout xmlns:a="http://schemas.openxmlformats.org/drawingml/2006/main" xmlns:r="http://schemas.openxmlformats.org/officeDocument/2006/relationships" xmlns:p="http://schemas.openxmlformats.org/presentationml/2006/main" showMasterPhAnim="0" type="blank" userDrawn="1">
   <p:cSld name="Blank">
     <p:spTree>
       <p:nvGrpSpPr>
@@ -2163,8 +2129,8 @@
               <a:defRPr/>
             </a:pPr>
             <a:fld id="{86EB4D43-F783-4E09-8208-6AA351DBC29B}" type="datetimeFigureOut">
-              <a:rPr/>
-              <a:t/>
+              <a:rPr lang="hu-HU"/>
+              <a:t>2023. 10. 12.</a:t>
             </a:fld>
             <a:endParaRPr/>
           </a:p>
@@ -2212,7 +2178,7 @@
             </a:pPr>
             <a:fld id="{F8E3F0E9-0FC2-4DDE-87CF-3BA6A04EA4CC}" type="slidenum">
               <a:rPr/>
-              <a:t/>
+              <a:t>‹#›</a:t>
             </a:fld>
             <a:endParaRPr/>
           </a:p>
@@ -2227,7 +2193,7 @@
 </file>
 
 <file path=ppt/slideLayouts/slideLayout8.xml><?xml version="1.0" encoding="utf-8"?>
-<p:sldLayout xmlns:a="http://schemas.openxmlformats.org/drawingml/2006/main" xmlns:r="http://schemas.openxmlformats.org/officeDocument/2006/relationships" xmlns:p="http://schemas.openxmlformats.org/presentationml/2006/main" xmlns:m="http://schemas.openxmlformats.org/officeDocument/2006/math" xmlns:w="http://schemas.openxmlformats.org/wordprocessingml/2006/main" matchingName="" preserve="0" showMasterPhAnim="0" type="objTx" userDrawn="1">
+<p:sldLayout xmlns:a="http://schemas.openxmlformats.org/drawingml/2006/main" xmlns:r="http://schemas.openxmlformats.org/officeDocument/2006/relationships" xmlns:p="http://schemas.openxmlformats.org/presentationml/2006/main" showMasterPhAnim="0" type="objTx" userDrawn="1">
   <p:cSld name="Content with Caption">
     <p:spTree>
       <p:nvGrpSpPr>
@@ -2274,7 +2240,6 @@
               <a:rPr/>
               <a:t>Образец заголовка</a:t>
             </a:r>
-            <a:endParaRPr/>
           </a:p>
         </p:txBody>
       </p:sp>
@@ -2333,7 +2298,6 @@
               <a:rPr/>
               <a:t>Образец текста</a:t>
             </a:r>
-            <a:endParaRPr/>
           </a:p>
           <a:p>
             <a:pPr lvl="1">
@@ -2343,7 +2307,6 @@
               <a:rPr/>
               <a:t>Второй уровень</a:t>
             </a:r>
-            <a:endParaRPr/>
           </a:p>
           <a:p>
             <a:pPr lvl="2">
@@ -2353,7 +2316,6 @@
               <a:rPr/>
               <a:t>Третий уровень</a:t>
             </a:r>
-            <a:endParaRPr/>
           </a:p>
           <a:p>
             <a:pPr lvl="3">
@@ -2363,7 +2325,6 @@
               <a:rPr/>
               <a:t>Четвертый уровень</a:t>
             </a:r>
-            <a:endParaRPr/>
           </a:p>
           <a:p>
             <a:pPr lvl="4">
@@ -2373,7 +2334,6 @@
               <a:rPr/>
               <a:t>Пятый уровень</a:t>
             </a:r>
-            <a:endParaRPr/>
           </a:p>
         </p:txBody>
       </p:sp>
@@ -2441,7 +2401,6 @@
               <a:rPr/>
               <a:t>Образец текста</a:t>
             </a:r>
-            <a:endParaRPr/>
           </a:p>
         </p:txBody>
       </p:sp>
@@ -2464,8 +2423,8 @@
               <a:defRPr/>
             </a:pPr>
             <a:fld id="{86EB4D43-F783-4E09-8208-6AA351DBC29B}" type="datetimeFigureOut">
-              <a:rPr/>
-              <a:t/>
+              <a:rPr lang="hu-HU"/>
+              <a:t>2023. 10. 12.</a:t>
             </a:fld>
             <a:endParaRPr/>
           </a:p>
@@ -2513,7 +2472,7 @@
             </a:pPr>
             <a:fld id="{F8E3F0E9-0FC2-4DDE-87CF-3BA6A04EA4CC}" type="slidenum">
               <a:rPr/>
-              <a:t/>
+              <a:t>‹#›</a:t>
             </a:fld>
             <a:endParaRPr/>
           </a:p>
@@ -2528,7 +2487,7 @@
 </file>
 
 <file path=ppt/slideLayouts/slideLayout9.xml><?xml version="1.0" encoding="utf-8"?>
-<p:sldLayout xmlns:a="http://schemas.openxmlformats.org/drawingml/2006/main" xmlns:r="http://schemas.openxmlformats.org/officeDocument/2006/relationships" xmlns:p="http://schemas.openxmlformats.org/presentationml/2006/main" xmlns:m="http://schemas.openxmlformats.org/officeDocument/2006/math" xmlns:w="http://schemas.openxmlformats.org/wordprocessingml/2006/main" matchingName="" preserve="0" showMasterPhAnim="0" type="picTx" userDrawn="1">
+<p:sldLayout xmlns:a="http://schemas.openxmlformats.org/drawingml/2006/main" xmlns:r="http://schemas.openxmlformats.org/officeDocument/2006/relationships" xmlns:p="http://schemas.openxmlformats.org/presentationml/2006/main" showMasterPhAnim="0" type="picTx" userDrawn="1">
   <p:cSld name="Picture with Caption">
     <p:spTree>
       <p:nvGrpSpPr>
@@ -2575,7 +2534,6 @@
               <a:rPr/>
               <a:t>Образец заголовка</a:t>
             </a:r>
-            <a:endParaRPr/>
           </a:p>
         </p:txBody>
       </p:sp>
@@ -2707,7 +2665,6 @@
               <a:rPr/>
               <a:t>Образец текста</a:t>
             </a:r>
-            <a:endParaRPr/>
           </a:p>
         </p:txBody>
       </p:sp>
@@ -2730,8 +2687,8 @@
               <a:defRPr/>
             </a:pPr>
             <a:fld id="{86EB4D43-F783-4E09-8208-6AA351DBC29B}" type="datetimeFigureOut">
-              <a:rPr/>
-              <a:t/>
+              <a:rPr lang="hu-HU"/>
+              <a:t>2023. 10. 12.</a:t>
             </a:fld>
             <a:endParaRPr/>
           </a:p>
@@ -2779,7 +2736,7 @@
             </a:pPr>
             <a:fld id="{F8E3F0E9-0FC2-4DDE-87CF-3BA6A04EA4CC}" type="slidenum">
               <a:rPr/>
-              <a:t/>
+              <a:t>‹#›</a:t>
             </a:fld>
             <a:endParaRPr/>
           </a:p>
@@ -2794,8 +2751,8 @@
 </file>
 
 <file path=ppt/slideMasters/slideMaster1.xml><?xml version="1.0" encoding="utf-8"?>
-<p:sldMaster xmlns:a="http://schemas.openxmlformats.org/drawingml/2006/main" xmlns:r="http://schemas.openxmlformats.org/officeDocument/2006/relationships" xmlns:p="http://schemas.openxmlformats.org/presentationml/2006/main" xmlns:m="http://schemas.openxmlformats.org/officeDocument/2006/math" xmlns:w="http://schemas.openxmlformats.org/wordprocessingml/2006/main" preserve="0">
-  <p:cSld name="">
+<p:sldMaster xmlns:a="http://schemas.openxmlformats.org/drawingml/2006/main" xmlns:r="http://schemas.openxmlformats.org/officeDocument/2006/relationships" xmlns:p="http://schemas.openxmlformats.org/presentationml/2006/main">
+  <p:cSld>
     <p:bg>
       <p:bgRef idx="1001">
         <a:schemeClr val="bg1"/>
@@ -2847,7 +2804,6 @@
               <a:rPr/>
               <a:t>Образец текста</a:t>
             </a:r>
-            <a:endParaRPr/>
           </a:p>
           <a:p>
             <a:pPr lvl="1">
@@ -2857,7 +2813,6 @@
               <a:rPr/>
               <a:t>Второй уровень</a:t>
             </a:r>
-            <a:endParaRPr/>
           </a:p>
           <a:p>
             <a:pPr lvl="2">
@@ -2867,7 +2822,6 @@
               <a:rPr/>
               <a:t>Третий уровень</a:t>
             </a:r>
-            <a:endParaRPr/>
           </a:p>
           <a:p>
             <a:pPr lvl="3">
@@ -2877,7 +2831,6 @@
               <a:rPr/>
               <a:t>Четвертый уровень</a:t>
             </a:r>
-            <a:endParaRPr/>
           </a:p>
           <a:p>
             <a:pPr lvl="4">
@@ -2887,7 +2840,6 @@
               <a:rPr/>
               <a:t>Пятый уровень</a:t>
             </a:r>
-            <a:endParaRPr/>
           </a:p>
         </p:txBody>
       </p:sp>
@@ -2895,7 +2847,7 @@
         <p:nvSpPr>
           <p:cNvPr id="46" name="Shape 1058"/>
           <p:cNvSpPr>
-            <a:spLocks noChangeArrowheads="1" noGrp="1"/>
+            <a:spLocks noGrp="1" noChangeArrowheads="1"/>
           </p:cNvSpPr>
           <p:nvPr userDrawn="1"/>
         </p:nvSpPr>
@@ -2911,7 +2863,7 @@
             <a:cxnLst/>
             <a:rect l="l" t="t" r="r" b="b"/>
             <a:pathLst>
-              <a:path w="43200" h="43200" fill="norm" stroke="0" extrusionOk="0">
+              <a:path w="43200" h="43200" stroke="0" extrusionOk="0">
                 <a:moveTo>
                   <a:pt x="6343" y="6641"/>
                 </a:moveTo>
@@ -2972,7 +2924,7 @@
         <p:nvSpPr>
           <p:cNvPr id="47" name="Shape 1059"/>
           <p:cNvSpPr>
-            <a:spLocks noChangeArrowheads="1" noGrp="1"/>
+            <a:spLocks noGrp="1" noChangeArrowheads="1"/>
           </p:cNvSpPr>
           <p:nvPr userDrawn="1"/>
         </p:nvSpPr>
@@ -2987,7 +2939,7 @@
         <p:nvSpPr>
           <p:cNvPr id="48" name="Shape 1060"/>
           <p:cNvSpPr>
-            <a:spLocks noChangeArrowheads="1" noGrp="1"/>
+            <a:spLocks noGrp="1" noChangeArrowheads="1"/>
           </p:cNvSpPr>
           <p:nvPr userDrawn="1"/>
         </p:nvSpPr>
@@ -3003,7 +2955,7 @@
             <a:cxnLst/>
             <a:rect l="l" t="t" r="r" b="b"/>
             <a:pathLst>
-              <a:path w="43200" h="43200" fill="norm" stroke="0" extrusionOk="0">
+              <a:path w="43200" h="43200" stroke="0" extrusionOk="0">
                 <a:moveTo>
                   <a:pt x="22361" y="36777"/>
                 </a:moveTo>
@@ -3084,7 +3036,7 @@
         <p:nvSpPr>
           <p:cNvPr id="49" name="Shape 1061"/>
           <p:cNvSpPr>
-            <a:spLocks noChangeArrowheads="1" noGrp="1"/>
+            <a:spLocks noGrp="1" noChangeArrowheads="1"/>
           </p:cNvSpPr>
           <p:nvPr userDrawn="1"/>
         </p:nvSpPr>
@@ -3100,7 +3052,7 @@
             <a:cxnLst/>
             <a:rect l="l" t="t" r="r" b="b"/>
             <a:pathLst>
-              <a:path w="43200" h="43200" fill="norm" stroke="0" extrusionOk="0">
+              <a:path w="43200" h="43200" stroke="0" extrusionOk="0">
                 <a:moveTo>
                   <a:pt x="22276" y="37156"/>
                 </a:moveTo>
@@ -3181,7 +3133,7 @@
         <p:nvSpPr>
           <p:cNvPr id="50" name="Shape 1062"/>
           <p:cNvSpPr>
-            <a:spLocks noChangeArrowheads="1" noGrp="1"/>
+            <a:spLocks noGrp="1" noChangeArrowheads="1"/>
           </p:cNvSpPr>
           <p:nvPr userDrawn="1"/>
         </p:nvSpPr>
@@ -3197,7 +3149,7 @@
             <a:cxnLst/>
             <a:rect l="l" t="t" r="r" b="b"/>
             <a:pathLst>
-              <a:path w="43200" h="43200" fill="norm" stroke="0" extrusionOk="0">
+              <a:path w="43200" h="43200" stroke="0" extrusionOk="0">
                 <a:moveTo>
                   <a:pt x="22192" y="37535"/>
                 </a:moveTo>
@@ -3278,7 +3230,7 @@
         <p:nvSpPr>
           <p:cNvPr id="51" name="Shape 1063"/>
           <p:cNvSpPr>
-            <a:spLocks noChangeArrowheads="1" noGrp="1"/>
+            <a:spLocks noGrp="1" noChangeArrowheads="1"/>
           </p:cNvSpPr>
           <p:nvPr userDrawn="1"/>
         </p:nvSpPr>
@@ -3294,7 +3246,7 @@
             <a:cxnLst/>
             <a:rect l="l" t="t" r="r" b="b"/>
             <a:pathLst>
-              <a:path w="43200" h="43200" fill="norm" stroke="0" extrusionOk="0">
+              <a:path w="43200" h="43200" stroke="0" extrusionOk="0">
                 <a:moveTo>
                   <a:pt x="22107" y="37914"/>
                 </a:moveTo>
@@ -3375,7 +3327,7 @@
         <p:nvSpPr>
           <p:cNvPr id="52" name="Shape 1064"/>
           <p:cNvSpPr>
-            <a:spLocks noChangeArrowheads="1" noGrp="1"/>
+            <a:spLocks noGrp="1" noChangeArrowheads="1"/>
           </p:cNvSpPr>
           <p:nvPr userDrawn="1"/>
         </p:nvSpPr>
@@ -3391,7 +3343,7 @@
             <a:cxnLst/>
             <a:rect l="l" t="t" r="r" b="b"/>
             <a:pathLst>
-              <a:path w="43200" h="43200" fill="norm" stroke="0" extrusionOk="0">
+              <a:path w="43200" h="43200" stroke="0" extrusionOk="0">
                 <a:moveTo>
                   <a:pt x="22022" y="38293"/>
                 </a:moveTo>
@@ -3472,7 +3424,7 @@
         <p:nvSpPr>
           <p:cNvPr id="53" name="Shape 1065"/>
           <p:cNvSpPr>
-            <a:spLocks noChangeArrowheads="1" noGrp="1"/>
+            <a:spLocks noGrp="1" noChangeArrowheads="1"/>
           </p:cNvSpPr>
           <p:nvPr userDrawn="1"/>
         </p:nvSpPr>
@@ -3488,7 +3440,7 @@
             <a:cxnLst/>
             <a:rect l="l" t="t" r="r" b="b"/>
             <a:pathLst>
-              <a:path w="43200" h="43200" fill="norm" stroke="0" extrusionOk="0">
+              <a:path w="43200" h="43200" stroke="0" extrusionOk="0">
                 <a:moveTo>
                   <a:pt x="21937" y="38673"/>
                 </a:moveTo>
@@ -3569,7 +3521,7 @@
         <p:nvSpPr>
           <p:cNvPr id="54" name="Shape 1066"/>
           <p:cNvSpPr>
-            <a:spLocks noChangeArrowheads="1" noGrp="1"/>
+            <a:spLocks noGrp="1" noChangeArrowheads="1"/>
           </p:cNvSpPr>
           <p:nvPr userDrawn="1"/>
         </p:nvSpPr>
@@ -3585,7 +3537,7 @@
             <a:cxnLst/>
             <a:rect l="l" t="t" r="r" b="b"/>
             <a:pathLst>
-              <a:path w="43200" h="43200" fill="norm" stroke="0" extrusionOk="0">
+              <a:path w="43200" h="43200" stroke="0" extrusionOk="0">
                 <a:moveTo>
                   <a:pt x="21853" y="39052"/>
                 </a:moveTo>
@@ -3666,7 +3618,7 @@
         <p:nvSpPr>
           <p:cNvPr id="55" name="Shape 1067"/>
           <p:cNvSpPr>
-            <a:spLocks noChangeArrowheads="1" noGrp="1"/>
+            <a:spLocks noGrp="1" noChangeArrowheads="1"/>
           </p:cNvSpPr>
           <p:nvPr userDrawn="1"/>
         </p:nvSpPr>
@@ -3682,7 +3634,7 @@
             <a:cxnLst/>
             <a:rect l="l" t="t" r="r" b="b"/>
             <a:pathLst>
-              <a:path w="43200" h="43200" fill="norm" stroke="0" extrusionOk="0">
+              <a:path w="43200" h="43200" stroke="0" extrusionOk="0">
                 <a:moveTo>
                   <a:pt x="21768" y="39431"/>
                 </a:moveTo>
@@ -3763,7 +3715,7 @@
         <p:nvSpPr>
           <p:cNvPr id="56" name="Shape 1068"/>
           <p:cNvSpPr>
-            <a:spLocks noChangeArrowheads="1" noGrp="1"/>
+            <a:spLocks noGrp="1" noChangeArrowheads="1"/>
           </p:cNvSpPr>
           <p:nvPr userDrawn="1"/>
         </p:nvSpPr>
@@ -3779,7 +3731,7 @@
             <a:cxnLst/>
             <a:rect l="l" t="t" r="r" b="b"/>
             <a:pathLst>
-              <a:path w="43200" h="43200" fill="norm" stroke="0" extrusionOk="0">
+              <a:path w="43200" h="43200" stroke="0" extrusionOk="0">
                 <a:moveTo>
                   <a:pt x="21683" y="39810"/>
                 </a:moveTo>
@@ -3860,7 +3812,7 @@
         <p:nvSpPr>
           <p:cNvPr id="57" name="Shape 1069"/>
           <p:cNvSpPr>
-            <a:spLocks noChangeArrowheads="1" noGrp="1"/>
+            <a:spLocks noGrp="1" noChangeArrowheads="1"/>
           </p:cNvSpPr>
           <p:nvPr userDrawn="1"/>
         </p:nvSpPr>
@@ -3876,7 +3828,7 @@
             <a:cxnLst/>
             <a:rect l="l" t="t" r="r" b="b"/>
             <a:pathLst>
-              <a:path w="43200" h="43200" fill="norm" stroke="0" extrusionOk="0">
+              <a:path w="43200" h="43200" stroke="0" extrusionOk="0">
                 <a:moveTo>
                   <a:pt x="21599" y="40189"/>
                 </a:moveTo>
@@ -3957,7 +3909,7 @@
         <p:nvSpPr>
           <p:cNvPr id="58" name="Shape 1070"/>
           <p:cNvSpPr>
-            <a:spLocks noChangeArrowheads="1" noGrp="1"/>
+            <a:spLocks noGrp="1" noChangeArrowheads="1"/>
           </p:cNvSpPr>
           <p:nvPr userDrawn="1"/>
         </p:nvSpPr>
@@ -3973,7 +3925,7 @@
             <a:cxnLst/>
             <a:rect l="l" t="t" r="r" b="b"/>
             <a:pathLst>
-              <a:path w="43200" h="43200" fill="norm" stroke="0" extrusionOk="0">
+              <a:path w="43200" h="43200" stroke="0" extrusionOk="0">
                 <a:moveTo>
                   <a:pt x="21514" y="40568"/>
                 </a:moveTo>
@@ -4080,7 +4032,6 @@
               <a:rPr/>
               <a:t>Образец заголовка</a:t>
             </a:r>
-            <a:endParaRPr/>
           </a:p>
         </p:txBody>
       </p:sp>
@@ -4126,7 +4077,7 @@
             </a:r>
             <a:fld id="{F8E3F0E9-0FC2-4DDE-87CF-3BA6A04EA4CC}" type="slidenum">
               <a:rPr/>
-              <a:t/>
+              <a:t>‹#›</a:t>
             </a:fld>
             <a:endParaRPr/>
           </a:p>
@@ -4169,8 +4120,8 @@
               <a:defRPr/>
             </a:pPr>
             <a:fld id="{86EB4D43-F783-4E09-8208-6AA351DBC29B}" type="datetimeFigureOut">
-              <a:rPr/>
-              <a:t/>
+              <a:rPr lang="hu-HU"/>
+              <a:t>2023. 10. 12.</a:t>
             </a:fld>
             <a:endParaRPr/>
           </a:p>
@@ -4486,8 +4437,8 @@
 </file>
 
 <file path=ppt/slides/slide1.xml><?xml version="1.0" encoding="utf-8"?>
-<p:sld xmlns:a="http://schemas.openxmlformats.org/drawingml/2006/main" xmlns:r="http://schemas.openxmlformats.org/officeDocument/2006/relationships" xmlns:p="http://schemas.openxmlformats.org/presentationml/2006/main" xmlns:m="http://schemas.openxmlformats.org/officeDocument/2006/math" xmlns:w="http://schemas.openxmlformats.org/wordprocessingml/2006/main" showMasterPhAnim="0" show="1">
-  <p:cSld name="">
+<p:sld xmlns:a="http://schemas.openxmlformats.org/drawingml/2006/main" xmlns:r="http://schemas.openxmlformats.org/officeDocument/2006/relationships" xmlns:p="http://schemas.openxmlformats.org/presentationml/2006/main" showMasterPhAnim="0">
+  <p:cSld>
     <p:spTree>
       <p:nvGrpSpPr>
         <p:cNvPr id="1" name=""/>
@@ -4514,7 +4465,7 @@
         </p:nvSpPr>
         <p:spPr bwMode="auto">
           <a:xfrm>
-            <a:off x="960637" y="2130425"/>
+            <a:off x="914400" y="1769940"/>
             <a:ext cx="10363199" cy="1470025"/>
           </a:xfrm>
         </p:spPr>
@@ -4526,14 +4477,243 @@
               <a:defRPr/>
             </a:pPr>
             <a:r>
-              <a:rPr lang="hu-HU" sz="7200">
-                <a:latin typeface="Times New Roman"/>
-                <a:ea typeface="Times New Roman"/>
-                <a:cs typeface="Times New Roman"/>
-              </a:rPr>
-              <a:t>Projekt Bemutatás</a:t>
-            </a:r>
-            <a:endParaRPr lang="en-US"/>
+              <a:rPr lang="hu-HU" sz="7200" dirty="0" smtClean="0">
+                <a:latin typeface="Times New Roman"/>
+                <a:ea typeface="Times New Roman"/>
+                <a:cs typeface="Times New Roman"/>
+              </a:rPr>
+              <a:t>Webshop projekt</a:t>
+            </a:r>
+            <a:endParaRPr lang="en-US" dirty="0"/>
+          </a:p>
+        </p:txBody>
+      </p:sp>
+      <p:sp>
+        <p:nvSpPr>
+          <p:cNvPr id="5" name="Alcím 4"/>
+          <p:cNvSpPr>
+            <a:spLocks noGrp="1"/>
+          </p:cNvSpPr>
+          <p:nvPr>
+            <p:ph type="subTitle" idx="1"/>
+          </p:nvPr>
+        </p:nvSpPr>
+        <p:spPr>
+          <a:xfrm>
+            <a:off x="1641229" y="3600450"/>
+            <a:ext cx="9636370" cy="1815612"/>
+          </a:xfrm>
+        </p:spPr>
+        <p:txBody>
+          <a:bodyPr numCol="2" spcCol="1080000">
+            <a:normAutofit fontScale="92500"/>
+          </a:bodyPr>
+          <a:lstStyle/>
+          <a:p>
+            <a:pPr algn="l">
+              <a:defRPr/>
+            </a:pPr>
+            <a:r>
+              <a:rPr lang="hu-HU" sz="2200" b="1" dirty="0">
+                <a:solidFill>
+                  <a:srgbClr val="000000"/>
+                </a:solidFill>
+                <a:latin typeface="Times New Roman"/>
+                <a:ea typeface="Times New Roman"/>
+                <a:cs typeface="Times New Roman"/>
+              </a:rPr>
+              <a:t>Fekete István</a:t>
+            </a:r>
+            <a:endParaRPr lang="hu-HU" sz="2200" b="1" dirty="0">
+              <a:latin typeface="Times New Roman"/>
+              <a:cs typeface="Times New Roman"/>
+            </a:endParaRPr>
+          </a:p>
+          <a:p>
+            <a:pPr algn="l">
+              <a:defRPr/>
+            </a:pPr>
+            <a:r>
+              <a:rPr lang="hu-HU" sz="2200" b="1" dirty="0" err="1">
+                <a:solidFill>
+                  <a:srgbClr val="000000"/>
+                </a:solidFill>
+                <a:latin typeface="Times New Roman"/>
+                <a:ea typeface="Times New Roman"/>
+                <a:cs typeface="Times New Roman"/>
+              </a:rPr>
+              <a:t>Kacziba</a:t>
+            </a:r>
+            <a:r>
+              <a:rPr lang="hu-HU" sz="2200" b="1" dirty="0">
+                <a:solidFill>
+                  <a:srgbClr val="000000"/>
+                </a:solidFill>
+                <a:latin typeface="Times New Roman"/>
+                <a:ea typeface="Times New Roman"/>
+                <a:cs typeface="Times New Roman"/>
+              </a:rPr>
+              <a:t> Zsolt</a:t>
+            </a:r>
+            <a:endParaRPr lang="hu-HU" sz="2200" b="1" dirty="0">
+              <a:latin typeface="Times New Roman"/>
+              <a:cs typeface="Times New Roman"/>
+            </a:endParaRPr>
+          </a:p>
+          <a:p>
+            <a:pPr algn="l">
+              <a:defRPr/>
+            </a:pPr>
+            <a:r>
+              <a:rPr lang="hu-HU" sz="2200" b="1" dirty="0">
+                <a:solidFill>
+                  <a:srgbClr val="000000"/>
+                </a:solidFill>
+                <a:latin typeface="Times New Roman"/>
+                <a:ea typeface="Times New Roman"/>
+                <a:cs typeface="Times New Roman"/>
+              </a:rPr>
+              <a:t>Kovács-Bodó Csenge </a:t>
+            </a:r>
+            <a:r>
+              <a:rPr lang="hu-HU" sz="2200" b="1" dirty="0" smtClean="0">
+                <a:solidFill>
+                  <a:srgbClr val="000000"/>
+                </a:solidFill>
+                <a:latin typeface="Times New Roman"/>
+                <a:ea typeface="Times New Roman"/>
+                <a:cs typeface="Times New Roman"/>
+              </a:rPr>
+              <a:t>(</a:t>
+            </a:r>
+            <a:r>
+              <a:rPr lang="hu-HU" sz="2200" b="1" dirty="0">
+                <a:solidFill>
+                  <a:srgbClr val="000000"/>
+                </a:solidFill>
+                <a:latin typeface="Times New Roman"/>
+                <a:ea typeface="Times New Roman"/>
+                <a:cs typeface="Times New Roman"/>
+              </a:rPr>
+              <a:t>Rendelkezik szakmai tapasztalattal)</a:t>
+            </a:r>
+            <a:endParaRPr lang="hu-HU" sz="2200" b="1" dirty="0">
+              <a:latin typeface="Times New Roman"/>
+              <a:cs typeface="Times New Roman"/>
+            </a:endParaRPr>
+          </a:p>
+          <a:p>
+            <a:pPr algn="l">
+              <a:defRPr/>
+            </a:pPr>
+            <a:r>
+              <a:rPr lang="hu-HU" sz="2200" b="1" dirty="0">
+                <a:solidFill>
+                  <a:srgbClr val="000000"/>
+                </a:solidFill>
+                <a:latin typeface="Times New Roman"/>
+                <a:ea typeface="Times New Roman"/>
+                <a:cs typeface="Times New Roman"/>
+              </a:rPr>
+              <a:t>Kurunczi Nándor (Project Manager)</a:t>
+            </a:r>
+            <a:endParaRPr lang="hu-HU" sz="2200" b="1" dirty="0">
+              <a:latin typeface="Times New Roman"/>
+              <a:cs typeface="Times New Roman"/>
+            </a:endParaRPr>
+          </a:p>
+          <a:p>
+            <a:pPr algn="l">
+              <a:defRPr/>
+            </a:pPr>
+            <a:r>
+              <a:rPr lang="hu-HU" sz="2200" b="1" dirty="0">
+                <a:solidFill>
+                  <a:srgbClr val="000000"/>
+                </a:solidFill>
+                <a:latin typeface="Times New Roman"/>
+                <a:ea typeface="Times New Roman"/>
+                <a:cs typeface="Times New Roman"/>
+              </a:rPr>
+              <a:t>Szilágyi Martin György</a:t>
+            </a:r>
+            <a:endParaRPr lang="hu-HU" sz="2200" b="1" dirty="0">
+              <a:latin typeface="Times New Roman"/>
+              <a:cs typeface="Times New Roman"/>
+            </a:endParaRPr>
+          </a:p>
+          <a:p>
+            <a:pPr algn="l">
+              <a:defRPr/>
+            </a:pPr>
+            <a:r>
+              <a:rPr lang="hu-HU" sz="2200" b="1" dirty="0" err="1">
+                <a:solidFill>
+                  <a:srgbClr val="000000"/>
+                </a:solidFill>
+                <a:latin typeface="Times New Roman"/>
+                <a:ea typeface="Times New Roman"/>
+                <a:cs typeface="Times New Roman"/>
+              </a:rPr>
+              <a:t>Mackovic</a:t>
+            </a:r>
+            <a:r>
+              <a:rPr lang="hu-HU" sz="2200" b="1" dirty="0">
+                <a:solidFill>
+                  <a:srgbClr val="000000"/>
+                </a:solidFill>
+                <a:latin typeface="Times New Roman"/>
+                <a:ea typeface="Times New Roman"/>
+                <a:cs typeface="Times New Roman"/>
+              </a:rPr>
+              <a:t> Márk</a:t>
+            </a:r>
+            <a:endParaRPr lang="hu-HU" sz="2200" b="1" dirty="0">
+              <a:latin typeface="Times New Roman"/>
+              <a:cs typeface="Times New Roman"/>
+            </a:endParaRPr>
+          </a:p>
+          <a:p>
+            <a:pPr algn="l">
+              <a:defRPr/>
+            </a:pPr>
+            <a:r>
+              <a:rPr lang="hu-HU" sz="2200" b="1" dirty="0">
+                <a:solidFill>
+                  <a:srgbClr val="000000"/>
+                </a:solidFill>
+                <a:latin typeface="Times New Roman"/>
+                <a:ea typeface="Times New Roman"/>
+                <a:cs typeface="Times New Roman"/>
+              </a:rPr>
+              <a:t>Márton István</a:t>
+            </a:r>
+          </a:p>
+          <a:p>
+            <a:pPr algn="l">
+              <a:defRPr/>
+            </a:pPr>
+            <a:r>
+              <a:rPr lang="hu-HU" sz="2200" b="1" dirty="0">
+                <a:solidFill>
+                  <a:srgbClr val="000000"/>
+                </a:solidFill>
+                <a:latin typeface="Times New Roman"/>
+                <a:ea typeface="Times New Roman"/>
+                <a:cs typeface="Times New Roman"/>
+              </a:rPr>
+              <a:t>Varga András Bendegúz</a:t>
+            </a:r>
+            <a:endParaRPr lang="hu-HU" sz="2200" dirty="0">
+              <a:solidFill>
+                <a:srgbClr val="000000"/>
+              </a:solidFill>
+              <a:latin typeface="Times New Roman"/>
+              <a:cs typeface="Times New Roman"/>
+            </a:endParaRPr>
+          </a:p>
+          <a:p>
+            <a:endParaRPr lang="hu-HU" dirty="0"/>
           </a:p>
         </p:txBody>
       </p:sp>
@@ -4542,20 +4722,27 @@
   <p:clrMapOvr>
     <a:masterClrMapping/>
   </p:clrMapOvr>
-  <mc:AlternateContent xmlns:mc="http://schemas.openxmlformats.org/markup-compatibility/2006">
-    <mc:Choice xmlns:p14="http://schemas.microsoft.com/office/powerpoint/2010/main" Requires="p14">
-      <p:transition p14:dur="2000" advClick="1"/>
+  <mc:AlternateContent xmlns:mc="http://schemas.openxmlformats.org/markup-compatibility/2006" xmlns:p14="http://schemas.microsoft.com/office/powerpoint/2010/main">
+    <mc:Choice Requires="p14">
+      <p:transition spd="slow" p14:dur="2000"/>
     </mc:Choice>
-    <mc:Fallback>
+    <mc:Fallback xmlns:w="http://schemas.openxmlformats.org/wordprocessingml/2006/main" xmlns:m="http://schemas.openxmlformats.org/officeDocument/2006/math" xmlns="">
       <p:transition advClick="1"/>
     </mc:Fallback>
   </mc:AlternateContent>
+  <p:timing>
+    <p:tnLst>
+      <p:par>
+        <p:cTn id="1" dur="indefinite" restart="never" nodeType="tmRoot"/>
+      </p:par>
+    </p:tnLst>
+  </p:timing>
 </p:sld>
 </file>
 
-<file path=ppt/slides/slide10.xml><?xml version="1.0" encoding="utf-8"?>
-<p:sld xmlns:a="http://schemas.openxmlformats.org/drawingml/2006/main" xmlns:r="http://schemas.openxmlformats.org/officeDocument/2006/relationships" xmlns:p="http://schemas.openxmlformats.org/presentationml/2006/main" xmlns:m="http://schemas.openxmlformats.org/officeDocument/2006/math" xmlns:w="http://schemas.openxmlformats.org/wordprocessingml/2006/main" showMasterPhAnim="0" show="1">
-  <p:cSld name="">
+<file path=ppt/slides/slide2.xml><?xml version="1.0" encoding="utf-8"?>
+<p:sld xmlns:a="http://schemas.openxmlformats.org/drawingml/2006/main" xmlns:r="http://schemas.openxmlformats.org/officeDocument/2006/relationships" xmlns:p="http://schemas.openxmlformats.org/presentationml/2006/main" showMasterPhAnim="0">
+  <p:cSld>
     <p:spTree>
       <p:nvGrpSpPr>
         <p:cNvPr id="1" name=""/>
@@ -4572,7 +4759,7 @@
       </p:grpSpPr>
       <p:sp>
         <p:nvSpPr>
-          <p:cNvPr id="1982601996" name="Заголовок 1"/>
+          <p:cNvPr id="913695997" name="Заголовок 1"/>
           <p:cNvSpPr>
             <a:spLocks noGrp="1"/>
           </p:cNvSpPr>
@@ -4594,7 +4781,7 @@
                 <a:ea typeface="Times New Roman"/>
                 <a:cs typeface="Times New Roman"/>
               </a:rPr>
-              <a:t>Határidők</a:t>
+              <a:t>A projekt célja</a:t>
             </a:r>
             <a:endParaRPr>
               <a:latin typeface="Times New Roman"/>
@@ -4603,467 +4790,31 @@
           </a:p>
         </p:txBody>
       </p:sp>
-      <p:graphicFrame>
-        <p:nvGraphicFramePr>
-          <p:cNvPr id="660818404" name=""/>
-          <p:cNvGraphicFramePr>
-            <a:graphicFrameLocks xmlns:a="http://schemas.openxmlformats.org/drawingml/2006/main"/>
-          </p:cNvGraphicFramePr>
+      <p:sp>
+        <p:nvSpPr>
+          <p:cNvPr id="1853196396" name="Объект 2"/>
+          <p:cNvSpPr>
+            <a:spLocks noGrp="1"/>
+          </p:cNvSpPr>
           <p:nvPr>
             <p:ph idx="1"/>
           </p:nvPr>
-        </p:nvGraphicFramePr>
-        <p:xfrm>
-          <a:off x="1362694" y="1937121"/>
-          <a:ext cx="10440509" cy="2085339"/>
-        </p:xfrm>
-        <a:graphic>
-          <a:graphicData uri="http://schemas.openxmlformats.org/drawingml/2006/table">
-            <a:tbl>
-              <a:tblPr firstRow="1" firstCol="0" lastRow="0" lastCol="0" bandRow="1" bandCol="0">
-                <a:tableStyleId>{D7AC3CCA-C797-4891-BE02-D94E43425B78}</a:tableStyleId>
-              </a:tblPr>
-              <a:tblGrid>
-                <a:gridCol w="1800000"/>
-                <a:gridCol w="6840000"/>
-                <a:gridCol w="1787809"/>
-              </a:tblGrid>
-              <a:tr h="365760">
-                <a:tc>
-                  <a:txBody>
-                    <a:bodyPr/>
-                    <a:p>
-                      <a:pPr algn="ctr">
-                        <a:defRPr/>
-                      </a:pPr>
-                      <a:r>
-                        <a:rPr sz="2600" b="1" i="0" u="none">
-                          <a:solidFill>
-                            <a:srgbClr val="000000"/>
-                          </a:solidFill>
-                          <a:latin typeface="Times New Roman"/>
-                          <a:ea typeface="Times New Roman"/>
-                          <a:cs typeface="Times New Roman"/>
-                        </a:rPr>
-                        <a:t>Szállítandó</a:t>
-                      </a:r>
-                      <a:endParaRPr sz="2600" b="1">
-                        <a:latin typeface="Times New Roman"/>
-                        <a:cs typeface="Times New Roman"/>
-                      </a:endParaRPr>
-                    </a:p>
-                  </a:txBody>
-                  <a:tcPr anchor="ctr"/>
-                </a:tc>
-                <a:tc>
-                  <a:txBody>
-                    <a:bodyPr/>
-                    <a:p>
-                      <a:pPr algn="ctr">
-                        <a:defRPr/>
-                      </a:pPr>
-                      <a:r>
-                        <a:rPr lang="hu-HU" sz="2600" b="1">
-                          <a:latin typeface="Times New Roman"/>
-                          <a:ea typeface="Times New Roman"/>
-                          <a:cs typeface="Times New Roman"/>
-                        </a:rPr>
-                        <a:t>Megnevezés</a:t>
-                      </a:r>
-                      <a:endParaRPr sz="2600" b="1">
-                        <a:latin typeface="Times New Roman"/>
-                        <a:cs typeface="Times New Roman"/>
-                      </a:endParaRPr>
-                    </a:p>
-                  </a:txBody>
-                  <a:tcPr anchor="ctr"/>
-                </a:tc>
-                <a:tc>
-                  <a:txBody>
-                    <a:bodyPr/>
-                    <a:p>
-                      <a:pPr algn="ctr">
-                        <a:defRPr/>
-                      </a:pPr>
-                      <a:r>
-                        <a:rPr sz="2600" b="1" i="0" u="none">
-                          <a:solidFill>
-                            <a:srgbClr val="000000"/>
-                          </a:solidFill>
-                          <a:latin typeface="Times New Roman"/>
-                          <a:ea typeface="Times New Roman"/>
-                          <a:cs typeface="Times New Roman"/>
-                        </a:rPr>
-                        <a:t>Határideje</a:t>
-                      </a:r>
-                      <a:endParaRPr sz="2600" b="1">
-                        <a:latin typeface="Times New Roman"/>
-                        <a:cs typeface="Times New Roman"/>
-                      </a:endParaRPr>
-                    </a:p>
-                  </a:txBody>
-                  <a:tcPr anchor="ctr">
-                    <a:lnB w="12699" algn="ctr">
-                      <a:solidFill>
-                        <a:srgbClr val="000000"/>
-                      </a:solidFill>
-                    </a:lnB>
-                  </a:tcPr>
-                </a:tc>
-              </a:tr>
-              <a:tr h="365760">
-                <a:tc>
-                  <a:txBody>
-                    <a:bodyPr/>
-                    <a:p>
-                      <a:pPr>
-                        <a:defRPr/>
-                      </a:pPr>
-                      <a:r>
-                        <a:rPr sz="2000" b="0" i="0" u="none">
-                          <a:solidFill>
-                            <a:srgbClr val="000000"/>
-                          </a:solidFill>
-                          <a:latin typeface="Times New Roman"/>
-                          <a:ea typeface="Times New Roman"/>
-                          <a:cs typeface="Times New Roman"/>
-                        </a:rPr>
-                        <a:t>D1</a:t>
-                      </a:r>
-                      <a:endParaRPr sz="2000">
-                        <a:latin typeface="Times New Roman"/>
-                        <a:cs typeface="Times New Roman"/>
-                      </a:endParaRPr>
-                    </a:p>
-                  </a:txBody>
-                  <a:tcPr/>
-                </a:tc>
-                <a:tc>
-                  <a:txBody>
-                    <a:bodyPr/>
-                    <a:p>
-                      <a:pPr>
-                        <a:defRPr/>
-                      </a:pPr>
-                      <a:r>
-                        <a:rPr sz="2000" b="0" i="0" u="none">
-                          <a:solidFill>
-                            <a:srgbClr val="000000"/>
-                          </a:solidFill>
-                          <a:latin typeface="Times New Roman"/>
-                          <a:ea typeface="Times New Roman"/>
-                          <a:cs typeface="Times New Roman"/>
-                        </a:rPr>
-                        <a:t>Projektterv, Gantt diagram, egyéni jelentés</a:t>
-                      </a:r>
-                      <a:endParaRPr sz="2000">
-                        <a:latin typeface="Times New Roman"/>
-                        <a:cs typeface="Times New Roman"/>
-                      </a:endParaRPr>
-                    </a:p>
-                  </a:txBody>
-                  <a:tcPr/>
-                </a:tc>
-                <a:tc>
-                  <a:txBody>
-                    <a:bodyPr/>
-                    <a:p>
-                      <a:pPr algn="ctr">
-                        <a:defRPr/>
-                      </a:pPr>
-                      <a:r>
-                        <a:rPr sz="2000" b="0" i="0" u="none">
-                          <a:solidFill>
-                            <a:srgbClr val="000000"/>
-                          </a:solidFill>
-                          <a:latin typeface="Times New Roman"/>
-                          <a:ea typeface="Times New Roman"/>
-                          <a:cs typeface="Times New Roman"/>
-                        </a:rPr>
-                        <a:t>2023-10-11</a:t>
-                      </a:r>
-                      <a:endParaRPr sz="2000">
-                        <a:latin typeface="Times New Roman"/>
-                        <a:cs typeface="Times New Roman"/>
-                      </a:endParaRPr>
-                    </a:p>
-                  </a:txBody>
-                  <a:tcPr>
-                    <a:lnT w="12699" algn="ctr">
-                      <a:solidFill>
-                        <a:srgbClr val="000000"/>
-                      </a:solidFill>
-                    </a:lnT>
-                  </a:tcPr>
-                </a:tc>
-              </a:tr>
-              <a:tr h="365760">
-                <a:tc>
-                  <a:txBody>
-                    <a:bodyPr/>
-                    <a:p>
-                      <a:pPr>
-                        <a:defRPr/>
-                      </a:pPr>
-                      <a:r>
-                        <a:rPr lang="hu-HU" sz="2000">
-                          <a:latin typeface="Times New Roman"/>
-                          <a:ea typeface="Times New Roman"/>
-                          <a:cs typeface="Times New Roman"/>
-                        </a:rPr>
-                        <a:t>D2</a:t>
-                      </a:r>
-                      <a:endParaRPr sz="2000">
-                        <a:latin typeface="Times New Roman"/>
-                        <a:cs typeface="Times New Roman"/>
-                      </a:endParaRPr>
-                    </a:p>
-                  </a:txBody>
-                  <a:tcPr/>
-                </a:tc>
-                <a:tc>
-                  <a:txBody>
-                    <a:bodyPr/>
-                    <a:p>
-                      <a:pPr>
-                        <a:defRPr/>
-                      </a:pPr>
-                      <a:r>
-                        <a:rPr sz="2000" b="0" i="0" u="none">
-                          <a:solidFill>
-                            <a:srgbClr val="000000"/>
-                          </a:solidFill>
-                          <a:latin typeface="Times New Roman"/>
-                          <a:ea typeface="Times New Roman"/>
-                          <a:cs typeface="Times New Roman"/>
-                        </a:rPr>
-                        <a:t>UML, adatbázistervek, képernyőtervek, egyéni jelentés</a:t>
-                      </a:r>
-                      <a:endParaRPr sz="2000">
-                        <a:latin typeface="Times New Roman"/>
-                        <a:cs typeface="Times New Roman"/>
-                      </a:endParaRPr>
-                    </a:p>
-                  </a:txBody>
-                  <a:tcPr/>
-                </a:tc>
-                <a:tc>
-                  <a:txBody>
-                    <a:bodyPr/>
-                    <a:p>
-                      <a:pPr algn="ctr">
-                        <a:defRPr/>
-                      </a:pPr>
-                      <a:r>
-                        <a:rPr sz="2000" b="0" i="0" u="none">
-                          <a:solidFill>
-                            <a:srgbClr val="000000"/>
-                          </a:solidFill>
-                          <a:latin typeface="Times New Roman"/>
-                          <a:ea typeface="Times New Roman"/>
-                          <a:cs typeface="Times New Roman"/>
-                        </a:rPr>
-                        <a:t>2023-10-25</a:t>
-                      </a:r>
-                      <a:endParaRPr sz="2000">
-                        <a:latin typeface="Times New Roman"/>
-                        <a:cs typeface="Times New Roman"/>
-                      </a:endParaRPr>
-                    </a:p>
-                  </a:txBody>
-                  <a:tcPr/>
-                </a:tc>
-              </a:tr>
-              <a:tr h="365760">
-                <a:tc>
-                  <a:txBody>
-                    <a:bodyPr/>
-                    <a:p>
-                      <a:pPr>
-                        <a:defRPr/>
-                      </a:pPr>
-                      <a:r>
-                        <a:rPr sz="2000" b="0" i="0" u="none">
-                          <a:solidFill>
-                            <a:srgbClr val="000000"/>
-                          </a:solidFill>
-                          <a:latin typeface="Times New Roman"/>
-                          <a:ea typeface="Times New Roman"/>
-                          <a:cs typeface="Times New Roman"/>
-                        </a:rPr>
-                        <a:t>P1+D3</a:t>
-                      </a:r>
-                      <a:endParaRPr sz="2000">
-                        <a:latin typeface="Times New Roman"/>
-                        <a:cs typeface="Times New Roman"/>
-                      </a:endParaRPr>
-                    </a:p>
-                  </a:txBody>
-                  <a:tcPr/>
-                </a:tc>
-                <a:tc>
-                  <a:txBody>
-                    <a:bodyPr/>
-                    <a:p>
-                      <a:pPr>
-                        <a:defRPr/>
-                      </a:pPr>
-                      <a:r>
-                        <a:rPr sz="2000" b="0" i="0" u="none">
-                          <a:solidFill>
-                            <a:srgbClr val="000000"/>
-                          </a:solidFill>
-                          <a:latin typeface="Times New Roman"/>
-                          <a:ea typeface="Times New Roman"/>
-                          <a:cs typeface="Times New Roman"/>
-                        </a:rPr>
-                        <a:t>Prototípus I. és tesztelési dokumentáció </a:t>
-                      </a:r>
-                      <a:endParaRPr sz="2000">
-                        <a:latin typeface="Times New Roman"/>
-                        <a:cs typeface="Times New Roman"/>
-                      </a:endParaRPr>
-                    </a:p>
-                  </a:txBody>
-                  <a:tcPr/>
-                </a:tc>
-                <a:tc>
-                  <a:txBody>
-                    <a:bodyPr/>
-                    <a:p>
-                      <a:pPr algn="ctr">
-                        <a:defRPr/>
-                      </a:pPr>
-                      <a:r>
-                        <a:rPr sz="2000" b="0" i="0" u="none">
-                          <a:solidFill>
-                            <a:srgbClr val="000000"/>
-                          </a:solidFill>
-                          <a:latin typeface="Times New Roman"/>
-                          <a:ea typeface="Times New Roman"/>
-                          <a:cs typeface="Times New Roman"/>
-                        </a:rPr>
-                        <a:t>2023-11-15</a:t>
-                      </a:r>
-                      <a:endParaRPr sz="2000">
-                        <a:latin typeface="Times New Roman"/>
-                        <a:cs typeface="Times New Roman"/>
-                      </a:endParaRPr>
-                    </a:p>
-                  </a:txBody>
-                  <a:tcPr/>
-                </a:tc>
-              </a:tr>
-              <a:tr h="365760">
-                <a:tc>
-                  <a:txBody>
-                    <a:bodyPr/>
-                    <a:p>
-                      <a:pPr>
-                        <a:defRPr/>
-                      </a:pPr>
-                      <a:r>
-                        <a:rPr sz="2000" b="0" i="0" u="none">
-                          <a:solidFill>
-                            <a:srgbClr val="000000"/>
-                          </a:solidFill>
-                          <a:latin typeface="Times New Roman"/>
-                          <a:ea typeface="Times New Roman"/>
-                          <a:cs typeface="Times New Roman"/>
-                        </a:rPr>
-                        <a:t>P2+D4</a:t>
-                      </a:r>
-                      <a:endParaRPr sz="2000">
-                        <a:latin typeface="Times New Roman"/>
-                        <a:cs typeface="Times New Roman"/>
-                      </a:endParaRPr>
-                    </a:p>
-                  </a:txBody>
-                  <a:tcPr/>
-                </a:tc>
-                <a:tc>
-                  <a:txBody>
-                    <a:bodyPr/>
-                    <a:p>
-                      <a:pPr>
-                        <a:defRPr/>
-                      </a:pPr>
-                      <a:r>
-                        <a:rPr sz="2000" b="0" i="0" u="none">
-                          <a:solidFill>
-                            <a:srgbClr val="000000"/>
-                          </a:solidFill>
-                          <a:latin typeface="Times New Roman"/>
-                          <a:ea typeface="Times New Roman"/>
-                          <a:cs typeface="Times New Roman"/>
-                        </a:rPr>
-                        <a:t>Prototípus II. és frissített tesztelési dokumentáció, egyéni jelentés</a:t>
-                      </a:r>
-                      <a:endParaRPr sz="2000">
-                        <a:latin typeface="Times New Roman"/>
-                        <a:cs typeface="Times New Roman"/>
-                      </a:endParaRPr>
-                    </a:p>
-                  </a:txBody>
-                  <a:tcPr/>
-                </a:tc>
-                <a:tc>
-                  <a:txBody>
-                    <a:bodyPr/>
-                    <a:p>
-                      <a:pPr algn="ctr">
-                        <a:defRPr/>
-                      </a:pPr>
-                      <a:r>
-                        <a:rPr sz="2000" b="0" i="0" u="none">
-                          <a:solidFill>
-                            <a:srgbClr val="000000"/>
-                          </a:solidFill>
-                          <a:latin typeface="Times New Roman"/>
-                          <a:ea typeface="Times New Roman"/>
-                          <a:cs typeface="Times New Roman"/>
-                        </a:rPr>
-                        <a:t>2023-12-06</a:t>
-                      </a:r>
-                      <a:endParaRPr sz="2000">
-                        <a:latin typeface="Times New Roman"/>
-                        <a:cs typeface="Times New Roman"/>
-                      </a:endParaRPr>
-                    </a:p>
-                  </a:txBody>
-                  <a:tcPr/>
-                </a:tc>
-              </a:tr>
-            </a:tbl>
-          </a:graphicData>
-        </a:graphic>
-      </p:graphicFrame>
-      <p:sp>
-        <p:nvSpPr>
-          <p:cNvPr id="274161922" name=""/>
-          <p:cNvSpPr txBox="1"/>
-          <p:nvPr/>
         </p:nvSpPr>
         <p:spPr bwMode="auto">
-          <a:xfrm flipH="0" flipV="0">
-            <a:off x="2155631" y="4626365"/>
-            <a:ext cx="8234299" cy="488039"/>
+          <a:xfrm>
+            <a:off x="1583498" y="1747791"/>
+            <a:ext cx="9998901" cy="4378372"/>
           </a:xfrm>
-          <a:prstGeom prst="rect">
-            <a:avLst/>
-          </a:prstGeom>
-          <a:noFill/>
         </p:spPr>
         <p:txBody>
-          <a:bodyPr vertOverflow="overflow" horzOverflow="overflow" vert="horz" wrap="square" lIns="91440" tIns="45720" rIns="91440" bIns="45720" numCol="1" spcCol="0" rtlCol="0" fromWordArt="0" anchor="ctr" anchorCtr="0" forceAA="0" upright="0" compatLnSpc="0">
-            <a:spAutoFit/>
-          </a:bodyPr>
-          <a:p>
-            <a:pPr algn="ctr">
-              <a:defRPr/>
-            </a:pPr>
-            <a:r>
-              <a:rPr lang="hu-HU" sz="2600" b="1" i="0" u="none">
+          <a:bodyPr/>
+          <a:lstStyle/>
+          <a:p>
+            <a:pPr>
+              <a:defRPr/>
+            </a:pPr>
+            <a:r>
+              <a:rPr sz="2400" b="1" i="0" u="none">
                 <a:solidFill>
                   <a:srgbClr val="000000"/>
                 </a:solidFill>
@@ -5071,10 +4822,21 @@
                 <a:ea typeface="Times New Roman"/>
                 <a:cs typeface="Times New Roman"/>
               </a:rPr>
-              <a:t>(</a:t>
-            </a:r>
-            <a:r>
-              <a:rPr sz="2600" b="1" i="0" u="none">
+              <a:t>Az áruvásárlás élményének javítása és a felhasználók számára kényelmes megoldások biztosítása a fő célunk ebben a projektben. </a:t>
+            </a:r>
+          </a:p>
+          <a:p>
+            <a:pPr>
+              <a:defRPr/>
+            </a:pPr>
+            <a:endParaRPr/>
+          </a:p>
+          <a:p>
+            <a:pPr>
+              <a:defRPr/>
+            </a:pPr>
+            <a:r>
+              <a:rPr sz="2400" b="1" i="0" u="none">
                 <a:solidFill>
                   <a:srgbClr val="000000"/>
                 </a:solidFill>
@@ -5082,10 +4844,28 @@
                 <a:ea typeface="Times New Roman"/>
                 <a:cs typeface="Times New Roman"/>
               </a:rPr>
-              <a:t>D - dokumentáció, P - prototípus</a:t>
-            </a:r>
-            <a:r>
-              <a:rPr lang="hu-HU" sz="2600" b="1" i="0" u="none">
+              <a:t>Webshopunk lehetővé teszi a vásárlók számára, hogy gyorsan és egyszerűen böngésszenek, vásároljanak, értékeljenek termékeket, valamint saját áruikat is feltehessék az oldalra. </a:t>
+            </a:r>
+          </a:p>
+          <a:p>
+            <a:pPr>
+              <a:defRPr/>
+            </a:pPr>
+            <a:endParaRPr sz="2400" b="1" i="0" u="none">
+              <a:solidFill>
+                <a:srgbClr val="000000"/>
+              </a:solidFill>
+              <a:latin typeface="Times New Roman"/>
+              <a:ea typeface="Times New Roman"/>
+              <a:cs typeface="Times New Roman"/>
+            </a:endParaRPr>
+          </a:p>
+          <a:p>
+            <a:pPr>
+              <a:defRPr/>
+            </a:pPr>
+            <a:r>
+              <a:rPr sz="2400" b="1" i="0" u="none">
                 <a:solidFill>
                   <a:srgbClr val="000000"/>
                 </a:solidFill>
@@ -5093,9 +4873,15 @@
                 <a:ea typeface="Times New Roman"/>
                 <a:cs typeface="Times New Roman"/>
               </a:rPr>
-              <a:t>)</a:t>
-            </a:r>
-            <a:endParaRPr/>
+              <a:t>Egy felhasználóbarát felülettel és rugalmas funkciókkal segítünk megteremteni a zökkenőmentes online vásárlási élményt.</a:t>
+            </a:r>
+            <a:endParaRPr sz="1800" b="1" i="0" u="none">
+              <a:solidFill>
+                <a:srgbClr val="000000"/>
+              </a:solidFill>
+              <a:latin typeface="Times New Roman"/>
+              <a:cs typeface="Times New Roman"/>
+            </a:endParaRPr>
           </a:p>
         </p:txBody>
       </p:sp>
@@ -5104,20 +4890,27 @@
   <p:clrMapOvr>
     <a:masterClrMapping/>
   </p:clrMapOvr>
-  <mc:AlternateContent xmlns:mc="http://schemas.openxmlformats.org/markup-compatibility/2006">
-    <mc:Choice xmlns:p14="http://schemas.microsoft.com/office/powerpoint/2010/main" Requires="p14">
-      <p:transition p14:dur="2000" advClick="1"/>
+  <mc:AlternateContent xmlns:mc="http://schemas.openxmlformats.org/markup-compatibility/2006" xmlns:p14="http://schemas.microsoft.com/office/powerpoint/2010/main">
+    <mc:Choice Requires="p14">
+      <p:transition spd="slow" p14:dur="2000"/>
     </mc:Choice>
-    <mc:Fallback>
+    <mc:Fallback xmlns:w="http://schemas.openxmlformats.org/wordprocessingml/2006/main" xmlns:m="http://schemas.openxmlformats.org/officeDocument/2006/math" xmlns="">
       <p:transition advClick="1"/>
     </mc:Fallback>
   </mc:AlternateContent>
+  <p:timing>
+    <p:tnLst>
+      <p:par>
+        <p:cTn id="1" dur="indefinite" restart="never" nodeType="tmRoot"/>
+      </p:par>
+    </p:tnLst>
+  </p:timing>
 </p:sld>
 </file>
 
-<file path=ppt/slides/slide11.xml><?xml version="1.0" encoding="utf-8"?>
-<p:sld xmlns:a="http://schemas.openxmlformats.org/drawingml/2006/main" xmlns:r="http://schemas.openxmlformats.org/officeDocument/2006/relationships" xmlns:p="http://schemas.openxmlformats.org/presentationml/2006/main" xmlns:m="http://schemas.openxmlformats.org/officeDocument/2006/math" xmlns:w="http://schemas.openxmlformats.org/wordprocessingml/2006/main" showMasterPhAnim="0" show="1">
-  <p:cSld name="">
+<file path=ppt/slides/slide3.xml><?xml version="1.0" encoding="utf-8"?>
+<p:sld xmlns:a="http://schemas.openxmlformats.org/drawingml/2006/main" xmlns:r="http://schemas.openxmlformats.org/officeDocument/2006/relationships" xmlns:p="http://schemas.openxmlformats.org/presentationml/2006/main" showMasterPhAnim="0">
+  <p:cSld>
     <p:spTree>
       <p:nvGrpSpPr>
         <p:cNvPr id="1" name=""/>
@@ -5134,38 +4927,259 @@
       </p:grpSpPr>
       <p:sp>
         <p:nvSpPr>
-          <p:cNvPr id="1387648079" name="Заголовок 1"/>
-          <p:cNvSpPr>
-            <a:spLocks noGrp="1"/>
-          </p:cNvSpPr>
-          <p:nvPr>
-            <p:ph type="ctrTitle"/>
+          <p:cNvPr id="226733519" name="Заголовок 1"/>
+          <p:cNvSpPr>
+            <a:spLocks noGrp="1"/>
+          </p:cNvSpPr>
+          <p:nvPr>
+            <p:ph type="title"/>
+          </p:nvPr>
+        </p:nvSpPr>
+        <p:spPr bwMode="auto"/>
+        <p:txBody>
+          <a:bodyPr/>
+          <a:lstStyle/>
+          <a:p>
+            <a:pPr>
+              <a:defRPr/>
+            </a:pPr>
+            <a:r>
+              <a:rPr lang="hu-HU">
+                <a:latin typeface="Times New Roman"/>
+                <a:ea typeface="Times New Roman"/>
+                <a:cs typeface="Times New Roman"/>
+              </a:rPr>
+              <a:t>Funkciók</a:t>
+            </a:r>
+            <a:endParaRPr>
+              <a:latin typeface="Times New Roman"/>
+              <a:cs typeface="Times New Roman"/>
+            </a:endParaRPr>
+          </a:p>
+        </p:txBody>
+      </p:sp>
+      <p:sp>
+        <p:nvSpPr>
+          <p:cNvPr id="541469064" name="Объект 2"/>
+          <p:cNvSpPr>
+            <a:spLocks noGrp="1"/>
+          </p:cNvSpPr>
+          <p:nvPr>
+            <p:ph idx="1"/>
           </p:nvPr>
         </p:nvSpPr>
         <p:spPr bwMode="auto">
           <a:xfrm>
-            <a:off x="914400" y="2130425"/>
-            <a:ext cx="10363199" cy="1470025"/>
+            <a:off x="1583498" y="1646067"/>
+            <a:ext cx="9998901" cy="4480095"/>
           </a:xfrm>
         </p:spPr>
         <p:txBody>
-          <a:bodyPr/>
-          <a:lstStyle>
-            <a:lvl1pPr algn="ctr">
-              <a:defRPr b="1"/>
-            </a:lvl1pPr>
-          </a:lstStyle>
-          <a:p>
-            <a:pPr>
-              <a:defRPr/>
-            </a:pPr>
-            <a:r>
-              <a:rPr lang="hu-HU" sz="7200">
-                <a:latin typeface="Times New Roman"/>
-                <a:ea typeface="Times New Roman"/>
-                <a:cs typeface="Times New Roman"/>
-              </a:rPr>
-              <a:t>Köszönjük a figyelmet!</a:t>
+          <a:bodyPr vertOverflow="overflow" horzOverflow="overflow" vert="horz" wrap="square" lIns="91440" tIns="45720" rIns="91440" bIns="45720" numCol="1" spcCol="0" rtlCol="0" fromWordArt="0" anchor="t" anchorCtr="0" forceAA="0" compatLnSpc="0">
+            <a:normAutofit lnSpcReduction="13000"/>
+          </a:bodyPr>
+          <a:lstStyle/>
+          <a:p>
+            <a:pPr>
+              <a:lnSpc>
+                <a:spcPct val="150000"/>
+              </a:lnSpc>
+              <a:defRPr/>
+            </a:pPr>
+            <a:r>
+              <a:rPr sz="2400" b="1" i="0" u="none">
+                <a:solidFill>
+                  <a:srgbClr val="000000"/>
+                </a:solidFill>
+                <a:latin typeface="Times New Roman"/>
+                <a:ea typeface="Times New Roman"/>
+                <a:cs typeface="Times New Roman"/>
+              </a:rPr>
+              <a:t>Felhasználók kezelése (admin, vevő, kosár, személyes adatok) (CRUD)</a:t>
+            </a:r>
+            <a:endParaRPr sz="2400" b="1">
+              <a:latin typeface="Times New Roman"/>
+              <a:cs typeface="Times New Roman"/>
+            </a:endParaRPr>
+          </a:p>
+          <a:p>
+            <a:pPr>
+              <a:lnSpc>
+                <a:spcPct val="150000"/>
+              </a:lnSpc>
+              <a:defRPr/>
+            </a:pPr>
+            <a:r>
+              <a:rPr sz="2400" b="1" i="0" u="none">
+                <a:solidFill>
+                  <a:srgbClr val="000000"/>
+                </a:solidFill>
+                <a:latin typeface="Times New Roman"/>
+                <a:ea typeface="Times New Roman"/>
+                <a:cs typeface="Times New Roman"/>
+              </a:rPr>
+              <a:t>Felhasználói munkamenet megvalósítása több jogosultsági szinttel </a:t>
+            </a:r>
+            <a:endParaRPr sz="2400" b="1">
+              <a:latin typeface="Times New Roman"/>
+              <a:cs typeface="Times New Roman"/>
+            </a:endParaRPr>
+          </a:p>
+          <a:p>
+            <a:pPr>
+              <a:lnSpc>
+                <a:spcPct val="150000"/>
+              </a:lnSpc>
+              <a:defRPr/>
+            </a:pPr>
+            <a:r>
+              <a:rPr sz="2400" b="1" i="0" u="none">
+                <a:solidFill>
+                  <a:srgbClr val="000000"/>
+                </a:solidFill>
+                <a:latin typeface="Times New Roman"/>
+                <a:ea typeface="Times New Roman"/>
+                <a:cs typeface="Times New Roman"/>
+              </a:rPr>
+              <a:t>A termékek csoportosítása (CRUD)</a:t>
+            </a:r>
+            <a:endParaRPr sz="2400" b="1">
+              <a:latin typeface="Times New Roman"/>
+              <a:cs typeface="Times New Roman"/>
+            </a:endParaRPr>
+          </a:p>
+          <a:p>
+            <a:pPr>
+              <a:lnSpc>
+                <a:spcPct val="150000"/>
+              </a:lnSpc>
+              <a:defRPr/>
+            </a:pPr>
+            <a:r>
+              <a:rPr sz="2400" b="1" i="0" u="none">
+                <a:solidFill>
+                  <a:srgbClr val="000000"/>
+                </a:solidFill>
+                <a:latin typeface="Times New Roman"/>
+                <a:ea typeface="Times New Roman"/>
+                <a:cs typeface="Times New Roman"/>
+              </a:rPr>
+              <a:t>Árukészletek kezelése (CRUD)</a:t>
+            </a:r>
+            <a:endParaRPr sz="2400" b="1">
+              <a:latin typeface="Times New Roman"/>
+              <a:cs typeface="Times New Roman"/>
+            </a:endParaRPr>
+          </a:p>
+          <a:p>
+            <a:pPr>
+              <a:lnSpc>
+                <a:spcPct val="150000"/>
+              </a:lnSpc>
+              <a:defRPr/>
+            </a:pPr>
+            <a:r>
+              <a:rPr sz="2400" b="1" i="0" u="none">
+                <a:solidFill>
+                  <a:srgbClr val="000000"/>
+                </a:solidFill>
+                <a:latin typeface="Times New Roman"/>
+                <a:ea typeface="Times New Roman"/>
+                <a:cs typeface="Times New Roman"/>
+              </a:rPr>
+              <a:t>Szállítási és fizetési funkciók. (CRUD)</a:t>
+            </a:r>
+            <a:endParaRPr sz="2400" b="1">
+              <a:latin typeface="Times New Roman"/>
+              <a:cs typeface="Times New Roman"/>
+            </a:endParaRPr>
+          </a:p>
+          <a:p>
+            <a:pPr>
+              <a:lnSpc>
+                <a:spcPct val="150000"/>
+              </a:lnSpc>
+              <a:defRPr/>
+            </a:pPr>
+            <a:r>
+              <a:rPr sz="2400" b="1" i="0" u="none">
+                <a:solidFill>
+                  <a:srgbClr val="000000"/>
+                </a:solidFill>
+                <a:latin typeface="Times New Roman"/>
+                <a:ea typeface="Times New Roman"/>
+                <a:cs typeface="Times New Roman"/>
+              </a:rPr>
+              <a:t>Előző vásárlások megtekintése</a:t>
+            </a:r>
+            <a:endParaRPr sz="2400" b="1">
+              <a:latin typeface="Times New Roman"/>
+              <a:cs typeface="Times New Roman"/>
+            </a:endParaRPr>
+          </a:p>
+          <a:p>
+            <a:pPr>
+              <a:lnSpc>
+                <a:spcPct val="150000"/>
+              </a:lnSpc>
+              <a:defRPr/>
+            </a:pPr>
+            <a:r>
+              <a:rPr sz="2400" b="1" i="0" u="none">
+                <a:solidFill>
+                  <a:srgbClr val="000000"/>
+                </a:solidFill>
+                <a:latin typeface="Times New Roman"/>
+                <a:ea typeface="Times New Roman"/>
+                <a:cs typeface="Times New Roman"/>
+              </a:rPr>
+              <a:t>Termékek értékelésének kezelése (CRUD)</a:t>
+            </a:r>
+            <a:endParaRPr sz="2400" b="1">
+              <a:latin typeface="Times New Roman"/>
+              <a:cs typeface="Times New Roman"/>
+            </a:endParaRPr>
+          </a:p>
+          <a:p>
+            <a:pPr>
+              <a:lnSpc>
+                <a:spcPct val="150000"/>
+              </a:lnSpc>
+              <a:defRPr/>
+            </a:pPr>
+            <a:r>
+              <a:rPr sz="2400" b="1" i="0" u="none">
+                <a:solidFill>
+                  <a:srgbClr val="000000"/>
+                </a:solidFill>
+                <a:latin typeface="Times New Roman"/>
+                <a:ea typeface="Times New Roman"/>
+                <a:cs typeface="Times New Roman"/>
+              </a:rPr>
+              <a:t>Tagek alapú keresés</a:t>
+            </a:r>
+            <a:endParaRPr sz="2400" b="1">
+              <a:latin typeface="Times New Roman"/>
+              <a:cs typeface="Times New Roman"/>
+            </a:endParaRPr>
+          </a:p>
+          <a:p>
+            <a:pPr>
+              <a:lnSpc>
+                <a:spcPct val="150000"/>
+              </a:lnSpc>
+              <a:defRPr/>
+            </a:pPr>
+            <a:r>
+              <a:rPr sz="2400" b="1" i="0" u="none">
+                <a:solidFill>
+                  <a:srgbClr val="000000"/>
+                </a:solidFill>
+                <a:latin typeface="Times New Roman"/>
+                <a:ea typeface="Times New Roman"/>
+                <a:cs typeface="Times New Roman"/>
+              </a:rPr>
+              <a:t>Eladó termékeinek kezelése (CRUD)</a:t>
             </a:r>
             <a:endParaRPr/>
           </a:p>
@@ -5176,20 +5190,27 @@
   <p:clrMapOvr>
     <a:masterClrMapping/>
   </p:clrMapOvr>
-  <mc:AlternateContent xmlns:mc="http://schemas.openxmlformats.org/markup-compatibility/2006">
-    <mc:Choice xmlns:p14="http://schemas.microsoft.com/office/powerpoint/2010/main" Requires="p14">
-      <p:transition p14:dur="2000" advClick="1"/>
+  <mc:AlternateContent xmlns:mc="http://schemas.openxmlformats.org/markup-compatibility/2006" xmlns:p14="http://schemas.microsoft.com/office/powerpoint/2010/main">
+    <mc:Choice Requires="p14">
+      <p:transition spd="slow" p14:dur="2000"/>
     </mc:Choice>
-    <mc:Fallback>
+    <mc:Fallback xmlns:w="http://schemas.openxmlformats.org/wordprocessingml/2006/main" xmlns:m="http://schemas.openxmlformats.org/officeDocument/2006/math" xmlns="">
       <p:transition advClick="1"/>
     </mc:Fallback>
   </mc:AlternateContent>
+  <p:timing>
+    <p:tnLst>
+      <p:par>
+        <p:cTn id="1" dur="indefinite" restart="never" nodeType="tmRoot"/>
+      </p:par>
+    </p:tnLst>
+  </p:timing>
 </p:sld>
 </file>
 
-<file path=ppt/slides/slide2.xml><?xml version="1.0" encoding="utf-8"?>
-<p:sld xmlns:a="http://schemas.openxmlformats.org/drawingml/2006/main" xmlns:r="http://schemas.openxmlformats.org/officeDocument/2006/relationships" xmlns:p="http://schemas.openxmlformats.org/presentationml/2006/main" xmlns:m="http://schemas.openxmlformats.org/officeDocument/2006/math" xmlns:w="http://schemas.openxmlformats.org/wordprocessingml/2006/main" showMasterPhAnim="0" show="1">
-  <p:cSld name="">
+<file path=ppt/slides/slide4.xml><?xml version="1.0" encoding="utf-8"?>
+<p:sld xmlns:a="http://schemas.openxmlformats.org/drawingml/2006/main" xmlns:r="http://schemas.openxmlformats.org/officeDocument/2006/relationships" xmlns:p="http://schemas.openxmlformats.org/presentationml/2006/main" showMasterPhAnim="0">
+  <p:cSld>
     <p:spTree>
       <p:nvGrpSpPr>
         <p:cNvPr id="1" name=""/>
@@ -5206,7 +5227,7 @@
       </p:grpSpPr>
       <p:sp>
         <p:nvSpPr>
-          <p:cNvPr id="1381370557" name="Заголовок 1"/>
+          <p:cNvPr id="1080442358" name="Заголовок 1"/>
           <p:cNvSpPr>
             <a:spLocks noGrp="1"/>
           </p:cNvSpPr>
@@ -5223,12 +5244,26 @@
               <a:defRPr/>
             </a:pPr>
             <a:r>
-              <a:rPr lang="hu-HU">
-                <a:latin typeface="Times New Roman"/>
-                <a:ea typeface="Times New Roman"/>
-                <a:cs typeface="Times New Roman"/>
-              </a:rPr>
-              <a:t>Csapattagok</a:t>
+              <a:rPr lang="hu-HU" sz="4400" b="1" i="0" u="none" strike="noStrike" cap="none" spc="0">
+                <a:solidFill>
+                  <a:schemeClr val="tx1"/>
+                </a:solidFill>
+                <a:latin typeface="Times New Roman"/>
+                <a:ea typeface="Times New Roman"/>
+                <a:cs typeface="Times New Roman"/>
+              </a:rPr>
+              <a:t>M</a:t>
+            </a:r>
+            <a:r>
+              <a:rPr lang="en-US" sz="4400" b="1" i="0" u="none" strike="noStrike" cap="none" spc="0">
+                <a:solidFill>
+                  <a:schemeClr val="tx1"/>
+                </a:solidFill>
+                <a:latin typeface="Times New Roman"/>
+                <a:ea typeface="Times New Roman"/>
+                <a:cs typeface="Times New Roman"/>
+              </a:rPr>
+              <a:t>unkakörnyezet</a:t>
             </a:r>
             <a:endParaRPr>
               <a:latin typeface="Times New Roman"/>
@@ -5239,7 +5274,7 @@
       </p:sp>
       <p:sp>
         <p:nvSpPr>
-          <p:cNvPr id="985461153" name="Объект 2"/>
+          <p:cNvPr id="774931942" name="Объект 2"/>
           <p:cNvSpPr>
             <a:spLocks noGrp="1"/>
           </p:cNvSpPr>
@@ -5248,9 +5283,9 @@
           </p:nvPr>
         </p:nvSpPr>
         <p:spPr bwMode="auto">
-          <a:xfrm flipH="0" flipV="0">
-            <a:off x="1583498" y="1840266"/>
-            <a:ext cx="9998901" cy="4285896"/>
+          <a:xfrm>
+            <a:off x="1583498" y="2228664"/>
+            <a:ext cx="9998901" cy="3897498"/>
           </a:xfrm>
         </p:spPr>
         <p:txBody>
@@ -5261,7 +5296,50 @@
               <a:defRPr/>
             </a:pPr>
             <a:r>
-              <a:rPr sz="2800" b="1" i="0" u="none">
+              <a:rPr lang="hu-HU" sz="2400" b="1" dirty="0">
+                <a:latin typeface="Times New Roman"/>
+                <a:ea typeface="Times New Roman"/>
+                <a:cs typeface="Times New Roman"/>
+              </a:rPr>
+              <a:t>Összesen 4db asztali számítógép és </a:t>
+            </a:r>
+            <a:r>
+              <a:rPr lang="hu-HU" sz="2400" b="1" dirty="0" smtClean="0">
+                <a:latin typeface="Times New Roman"/>
+                <a:ea typeface="Times New Roman"/>
+                <a:cs typeface="Times New Roman"/>
+              </a:rPr>
+              <a:t>4db </a:t>
+            </a:r>
+            <a:r>
+              <a:rPr lang="hu-HU" sz="2400" b="1" dirty="0">
+                <a:latin typeface="Times New Roman"/>
+                <a:ea typeface="Times New Roman"/>
+                <a:cs typeface="Times New Roman"/>
+              </a:rPr>
+              <a:t>laptop áll rendelkezésünkre</a:t>
+            </a:r>
+          </a:p>
+          <a:p>
+            <a:pPr>
+              <a:defRPr/>
+            </a:pPr>
+            <a:endParaRPr dirty="0"/>
+          </a:p>
+          <a:p>
+            <a:pPr lvl="0">
+              <a:defRPr/>
+            </a:pPr>
+            <a:r>
+              <a:rPr lang="hu-HU" sz="2400" b="1" dirty="0">
+                <a:latin typeface="Times New Roman"/>
+                <a:ea typeface="Times New Roman"/>
+                <a:cs typeface="Times New Roman"/>
+              </a:rPr>
+              <a:t>A projekt megvalósításához a következő </a:t>
+            </a:r>
+            <a:r>
+              <a:rPr sz="2400" b="1" i="0" u="none" dirty="0" err="1">
                 <a:solidFill>
                   <a:srgbClr val="000000"/>
                 </a:solidFill>
@@ -5269,19 +5347,121 @@
                 <a:ea typeface="Times New Roman"/>
                 <a:cs typeface="Times New Roman"/>
               </a:rPr>
-              <a:t>Fekete István</a:t>
-            </a:r>
-            <a:endParaRPr sz="2800" b="1">
+              <a:t>technológiákat</a:t>
+            </a:r>
+            <a:r>
+              <a:rPr sz="2400" b="1" i="0" u="none" dirty="0">
+                <a:solidFill>
+                  <a:srgbClr val="000000"/>
+                </a:solidFill>
+                <a:latin typeface="Times New Roman"/>
+                <a:ea typeface="Times New Roman"/>
+                <a:cs typeface="Times New Roman"/>
+              </a:rPr>
+              <a:t>/</a:t>
+            </a:r>
+            <a:r>
+              <a:rPr sz="2400" b="1" i="0" u="none" dirty="0" err="1">
+                <a:solidFill>
+                  <a:srgbClr val="000000"/>
+                </a:solidFill>
+                <a:latin typeface="Times New Roman"/>
+                <a:ea typeface="Times New Roman"/>
+                <a:cs typeface="Times New Roman"/>
+              </a:rPr>
+              <a:t>szoftvereket</a:t>
+            </a:r>
+            <a:r>
+              <a:rPr lang="hu-HU" sz="2400" b="1" dirty="0">
+                <a:latin typeface="Times New Roman"/>
+                <a:ea typeface="Times New Roman"/>
+                <a:cs typeface="Times New Roman"/>
+              </a:rPr>
+              <a:t> fogjuk alkalmazni:</a:t>
+            </a:r>
+            <a:endParaRPr dirty="0"/>
+          </a:p>
+          <a:p>
+            <a:pPr lvl="1">
+              <a:defRPr/>
+            </a:pPr>
+            <a:r>
+              <a:rPr sz="2200" b="0" i="0" u="none" dirty="0">
+                <a:solidFill>
+                  <a:srgbClr val="000000"/>
+                </a:solidFill>
+                <a:latin typeface="Times New Roman"/>
+                <a:ea typeface="Times New Roman"/>
+                <a:cs typeface="Times New Roman"/>
+              </a:rPr>
+              <a:t>Google Firebase </a:t>
+            </a:r>
+            <a:r>
+              <a:rPr sz="2200" b="0" i="0" u="none" dirty="0" err="1">
+                <a:solidFill>
+                  <a:srgbClr val="000000"/>
+                </a:solidFill>
+                <a:latin typeface="Times New Roman"/>
+                <a:ea typeface="Times New Roman"/>
+                <a:cs typeface="Times New Roman"/>
+              </a:rPr>
+              <a:t>az</a:t>
+            </a:r>
+            <a:r>
+              <a:rPr sz="2200" b="0" i="0" u="none" dirty="0">
+                <a:solidFill>
+                  <a:srgbClr val="000000"/>
+                </a:solidFill>
+                <a:latin typeface="Times New Roman"/>
+                <a:ea typeface="Times New Roman"/>
+                <a:cs typeface="Times New Roman"/>
+              </a:rPr>
+              <a:t> </a:t>
+            </a:r>
+            <a:r>
+              <a:rPr sz="2200" b="0" i="0" u="none" dirty="0" err="1">
+                <a:solidFill>
+                  <a:srgbClr val="000000"/>
+                </a:solidFill>
+                <a:latin typeface="Times New Roman"/>
+                <a:ea typeface="Times New Roman"/>
+                <a:cs typeface="Times New Roman"/>
+              </a:rPr>
+              <a:t>alkalmazás</a:t>
+            </a:r>
+            <a:r>
+              <a:rPr sz="2200" b="0" i="0" u="none" dirty="0">
+                <a:solidFill>
+                  <a:srgbClr val="000000"/>
+                </a:solidFill>
+                <a:latin typeface="Times New Roman"/>
+                <a:ea typeface="Times New Roman"/>
+                <a:cs typeface="Times New Roman"/>
+              </a:rPr>
+              <a:t> </a:t>
+            </a:r>
+            <a:r>
+              <a:rPr sz="2200" b="0" i="0" u="none" dirty="0" err="1">
+                <a:solidFill>
+                  <a:srgbClr val="000000"/>
+                </a:solidFill>
+                <a:latin typeface="Times New Roman"/>
+                <a:ea typeface="Times New Roman"/>
+                <a:cs typeface="Times New Roman"/>
+              </a:rPr>
+              <a:t>üzemeltetésére</a:t>
+            </a:r>
+            <a:endParaRPr sz="15000" dirty="0">
               <a:latin typeface="Times New Roman"/>
               <a:cs typeface="Times New Roman"/>
             </a:endParaRPr>
           </a:p>
           <a:p>
-            <a:pPr>
-              <a:defRPr/>
-            </a:pPr>
-            <a:r>
-              <a:rPr sz="2800" b="1" i="0" u="none">
+            <a:pPr lvl="1">
+              <a:defRPr/>
+            </a:pPr>
+            <a:r>
+              <a:rPr sz="2200" b="0" i="0" u="none" dirty="0">
                 <a:solidFill>
                   <a:srgbClr val="000000"/>
                 </a:solidFill>
@@ -5289,19 +5469,30 @@
                 <a:ea typeface="Times New Roman"/>
                 <a:cs typeface="Times New Roman"/>
               </a:rPr>
-              <a:t>Kacziba Zsolt</a:t>
-            </a:r>
-            <a:endParaRPr sz="2800" b="1">
+              <a:t>Node.js </a:t>
+            </a:r>
+            <a:r>
+              <a:rPr sz="2200" b="0" i="0" u="none" dirty="0" err="1">
+                <a:solidFill>
+                  <a:srgbClr val="000000"/>
+                </a:solidFill>
+                <a:latin typeface="Times New Roman"/>
+                <a:ea typeface="Times New Roman"/>
+                <a:cs typeface="Times New Roman"/>
+              </a:rPr>
+              <a:t>keretrendszer</a:t>
+            </a:r>
+            <a:endParaRPr sz="15000" dirty="0">
               <a:latin typeface="Times New Roman"/>
               <a:cs typeface="Times New Roman"/>
             </a:endParaRPr>
           </a:p>
           <a:p>
-            <a:pPr>
-              <a:defRPr/>
-            </a:pPr>
-            <a:r>
-              <a:rPr sz="2800" b="1" i="0" u="none">
+            <a:pPr lvl="1">
+              <a:defRPr/>
+            </a:pPr>
+            <a:r>
+              <a:rPr sz="2200" b="0" i="0" u="none" dirty="0">
                 <a:solidFill>
                   <a:srgbClr val="000000"/>
                 </a:solidFill>
@@ -5309,10 +5500,10 @@
                 <a:ea typeface="Times New Roman"/>
                 <a:cs typeface="Times New Roman"/>
               </a:rPr>
-              <a:t>Kovács-Bodó Csenge</a:t>
-            </a:r>
-            <a:r>
-              <a:rPr lang="hu-HU" sz="2800" b="1" i="0" u="none">
+              <a:t>Angular </a:t>
+            </a:r>
+            <a:r>
+              <a:rPr sz="2200" b="0" i="0" u="none" dirty="0" err="1">
                 <a:solidFill>
                   <a:srgbClr val="000000"/>
                 </a:solidFill>
@@ -5320,19 +5511,107 @@
                 <a:ea typeface="Times New Roman"/>
                 <a:cs typeface="Times New Roman"/>
               </a:rPr>
-              <a:t> (Rendelkezik szakmai tapasztalattal)</a:t>
-            </a:r>
-            <a:endParaRPr sz="2800" b="1">
+              <a:t>dinamikus</a:t>
+            </a:r>
+            <a:r>
+              <a:rPr sz="2200" b="0" i="0" u="none" dirty="0">
+                <a:solidFill>
+                  <a:srgbClr val="000000"/>
+                </a:solidFill>
+                <a:latin typeface="Times New Roman"/>
+                <a:ea typeface="Times New Roman"/>
+                <a:cs typeface="Times New Roman"/>
+              </a:rPr>
+              <a:t> </a:t>
+            </a:r>
+            <a:r>
+              <a:rPr sz="2200" b="0" i="0" u="none" dirty="0" err="1">
+                <a:solidFill>
+                  <a:srgbClr val="000000"/>
+                </a:solidFill>
+                <a:latin typeface="Times New Roman"/>
+                <a:ea typeface="Times New Roman"/>
+                <a:cs typeface="Times New Roman"/>
+              </a:rPr>
+              <a:t>tartalom</a:t>
+            </a:r>
+            <a:r>
+              <a:rPr sz="2200" b="0" i="0" u="none" dirty="0">
+                <a:solidFill>
+                  <a:srgbClr val="000000"/>
+                </a:solidFill>
+                <a:latin typeface="Times New Roman"/>
+                <a:ea typeface="Times New Roman"/>
+                <a:cs typeface="Times New Roman"/>
+              </a:rPr>
+              <a:t> </a:t>
+            </a:r>
+            <a:r>
+              <a:rPr sz="2200" b="0" i="0" u="none" dirty="0" err="1">
+                <a:solidFill>
+                  <a:srgbClr val="000000"/>
+                </a:solidFill>
+                <a:latin typeface="Times New Roman"/>
+                <a:ea typeface="Times New Roman"/>
+                <a:cs typeface="Times New Roman"/>
+              </a:rPr>
+              <a:t>megjelenítés</a:t>
+            </a:r>
+            <a:r>
+              <a:rPr sz="2200" b="0" i="0" u="none" dirty="0">
+                <a:solidFill>
+                  <a:srgbClr val="000000"/>
+                </a:solidFill>
+                <a:latin typeface="Times New Roman"/>
+                <a:ea typeface="Times New Roman"/>
+                <a:cs typeface="Times New Roman"/>
+              </a:rPr>
+              <a:t> a </a:t>
+            </a:r>
+            <a:r>
+              <a:rPr sz="2200" b="0" i="0" u="none" dirty="0" err="1">
+                <a:solidFill>
+                  <a:srgbClr val="000000"/>
+                </a:solidFill>
+                <a:latin typeface="Times New Roman"/>
+                <a:ea typeface="Times New Roman"/>
+                <a:cs typeface="Times New Roman"/>
+              </a:rPr>
+              <a:t>felhasználói</a:t>
+            </a:r>
+            <a:r>
+              <a:rPr sz="2200" b="0" i="0" u="none" dirty="0">
+                <a:solidFill>
+                  <a:srgbClr val="000000"/>
+                </a:solidFill>
+                <a:latin typeface="Times New Roman"/>
+                <a:ea typeface="Times New Roman"/>
+                <a:cs typeface="Times New Roman"/>
+              </a:rPr>
+              <a:t> </a:t>
+            </a:r>
+            <a:r>
+              <a:rPr sz="2200" b="0" i="0" u="none" dirty="0" err="1">
+                <a:solidFill>
+                  <a:srgbClr val="000000"/>
+                </a:solidFill>
+                <a:latin typeface="Times New Roman"/>
+                <a:ea typeface="Times New Roman"/>
+                <a:cs typeface="Times New Roman"/>
+              </a:rPr>
+              <a:t>felületen</a:t>
+            </a:r>
+            <a:endParaRPr sz="15000" dirty="0">
               <a:latin typeface="Times New Roman"/>
               <a:cs typeface="Times New Roman"/>
             </a:endParaRPr>
           </a:p>
           <a:p>
-            <a:pPr>
-              <a:defRPr/>
-            </a:pPr>
-            <a:r>
-              <a:rPr sz="2800" b="1" i="0" u="none">
+            <a:pPr lvl="1">
+              <a:defRPr/>
+            </a:pPr>
+            <a:r>
+              <a:rPr sz="2200" b="0" i="0" u="none" dirty="0">
                 <a:solidFill>
                   <a:srgbClr val="000000"/>
                 </a:solidFill>
@@ -5340,10 +5619,10 @@
                 <a:ea typeface="Times New Roman"/>
                 <a:cs typeface="Times New Roman"/>
               </a:rPr>
-              <a:t>Kurunczi Nándor</a:t>
-            </a:r>
-            <a:r>
-              <a:rPr lang="hu-HU" sz="2800" b="1" i="0" u="none">
+              <a:t>IntelliJ IDE </a:t>
+            </a:r>
+            <a:r>
+              <a:rPr sz="2200" b="0" i="0" u="none" dirty="0" err="1">
                 <a:solidFill>
                   <a:srgbClr val="000000"/>
                 </a:solidFill>
@@ -5351,41 +5630,19 @@
                 <a:ea typeface="Times New Roman"/>
                 <a:cs typeface="Times New Roman"/>
               </a:rPr>
-              <a:t> (</a:t>
-            </a:r>
-            <a:r>
-              <a:rPr lang="hu-HU" sz="2800" b="1" i="0" u="none">
-                <a:solidFill>
-                  <a:srgbClr val="000000"/>
-                </a:solidFill>
-                <a:latin typeface="Times New Roman"/>
-                <a:ea typeface="Times New Roman"/>
-                <a:cs typeface="Times New Roman"/>
-              </a:rPr>
-              <a:t>Project Manager</a:t>
-            </a:r>
-            <a:r>
-              <a:rPr lang="hu-HU" sz="2800" b="1" i="0" u="none">
-                <a:solidFill>
-                  <a:srgbClr val="000000"/>
-                </a:solidFill>
-                <a:latin typeface="Times New Roman"/>
-                <a:ea typeface="Times New Roman"/>
-                <a:cs typeface="Times New Roman"/>
-              </a:rPr>
-              <a:t>)</a:t>
-            </a:r>
-            <a:endParaRPr sz="2800" b="1">
+              <a:t>fejlesztőkörnyezet</a:t>
+            </a:r>
+            <a:endParaRPr sz="15000" dirty="0">
               <a:latin typeface="Times New Roman"/>
               <a:cs typeface="Times New Roman"/>
             </a:endParaRPr>
           </a:p>
           <a:p>
-            <a:pPr>
-              <a:defRPr/>
-            </a:pPr>
-            <a:r>
-              <a:rPr sz="2800" b="1" i="0" u="none">
+            <a:pPr lvl="1">
+              <a:defRPr/>
+            </a:pPr>
+            <a:r>
+              <a:rPr sz="2200" b="0" i="0" u="none" dirty="0" err="1">
                 <a:solidFill>
                   <a:srgbClr val="000000"/>
                 </a:solidFill>
@@ -5393,10 +5650,10 @@
                 <a:ea typeface="Times New Roman"/>
                 <a:cs typeface="Times New Roman"/>
               </a:rPr>
-              <a:t>Mackovic M</a:t>
-            </a:r>
-            <a:r>
-              <a:rPr lang="hu-HU" sz="2800" b="1" i="0" u="none">
+              <a:t>Git</a:t>
+            </a:r>
+            <a:r>
+              <a:rPr sz="2200" b="0" i="0" u="none" dirty="0">
                 <a:solidFill>
                   <a:srgbClr val="000000"/>
                 </a:solidFill>
@@ -5404,10 +5661,10 @@
                 <a:ea typeface="Times New Roman"/>
                 <a:cs typeface="Times New Roman"/>
               </a:rPr>
-              <a:t>á</a:t>
-            </a:r>
-            <a:r>
-              <a:rPr sz="2800" b="1" i="0" u="none">
+              <a:t> </a:t>
+            </a:r>
+            <a:r>
+              <a:rPr sz="2200" b="0" i="0" u="none" dirty="0" err="1">
                 <a:solidFill>
                   <a:srgbClr val="000000"/>
                 </a:solidFill>
@@ -5415,19 +5672,10 @@
                 <a:ea typeface="Times New Roman"/>
                 <a:cs typeface="Times New Roman"/>
               </a:rPr>
-              <a:t>rk</a:t>
-            </a:r>
-            <a:endParaRPr sz="2800" b="1">
-              <a:latin typeface="Times New Roman"/>
-              <a:cs typeface="Times New Roman"/>
-            </a:endParaRPr>
-          </a:p>
-          <a:p>
-            <a:pPr>
-              <a:defRPr/>
-            </a:pPr>
-            <a:r>
-              <a:rPr sz="2800" b="1" i="0" u="none">
+              <a:t>verziókövető</a:t>
+            </a:r>
+            <a:r>
+              <a:rPr sz="2200" b="0" i="0" u="none" dirty="0">
                 <a:solidFill>
                   <a:srgbClr val="000000"/>
                 </a:solidFill>
@@ -5435,19 +5683,10 @@
                 <a:ea typeface="Times New Roman"/>
                 <a:cs typeface="Times New Roman"/>
               </a:rPr>
-              <a:t>Márton István</a:t>
-            </a:r>
-            <a:endParaRPr sz="2800" b="1">
-              <a:latin typeface="Times New Roman"/>
-              <a:cs typeface="Times New Roman"/>
-            </a:endParaRPr>
-          </a:p>
-          <a:p>
-            <a:pPr>
-              <a:defRPr/>
-            </a:pPr>
-            <a:r>
-              <a:rPr sz="2800" b="1" i="0" u="none">
+              <a:t> (</a:t>
+            </a:r>
+            <a:r>
+              <a:rPr sz="2200" b="0" i="0" u="none" dirty="0" err="1">
                 <a:solidFill>
                   <a:srgbClr val="000000"/>
                 </a:solidFill>
@@ -5455,19 +5694,10 @@
                 <a:ea typeface="Times New Roman"/>
                 <a:cs typeface="Times New Roman"/>
               </a:rPr>
-              <a:t>Szilágyi Martin György</a:t>
-            </a:r>
-            <a:endParaRPr sz="2800" b="1">
-              <a:latin typeface="Times New Roman"/>
-              <a:cs typeface="Times New Roman"/>
-            </a:endParaRPr>
-          </a:p>
-          <a:p>
-            <a:pPr>
-              <a:defRPr/>
-            </a:pPr>
-            <a:r>
-              <a:rPr sz="2800" b="1" i="0" u="none">
+              <a:t>GitLab</a:t>
+            </a:r>
+            <a:r>
+              <a:rPr sz="2200" b="0" i="0" u="none" dirty="0">
                 <a:solidFill>
                   <a:srgbClr val="000000"/>
                 </a:solidFill>
@@ -5475,21 +5705,9 @@
                 <a:ea typeface="Times New Roman"/>
                 <a:cs typeface="Times New Roman"/>
               </a:rPr>
-              <a:t>Varga András Bendegúz</a:t>
-            </a:r>
-            <a:endParaRPr sz="2800" b="0" i="0" u="none">
-              <a:solidFill>
-                <a:srgbClr val="000000"/>
-              </a:solidFill>
-              <a:latin typeface="Times New Roman"/>
-              <a:cs typeface="Times New Roman"/>
-            </a:endParaRPr>
-          </a:p>
-          <a:p>
-            <a:pPr>
-              <a:defRPr/>
-            </a:pPr>
-            <a:endParaRPr/>
+              <a:t>)</a:t>
+            </a:r>
+            <a:endParaRPr sz="1100" dirty="0"/>
           </a:p>
         </p:txBody>
       </p:sp>
@@ -5498,20 +5716,27 @@
   <p:clrMapOvr>
     <a:masterClrMapping/>
   </p:clrMapOvr>
-  <mc:AlternateContent xmlns:mc="http://schemas.openxmlformats.org/markup-compatibility/2006">
-    <mc:Choice xmlns:p14="http://schemas.microsoft.com/office/powerpoint/2010/main" Requires="p14">
-      <p:transition p14:dur="2000" advClick="1"/>
+  <mc:AlternateContent xmlns:mc="http://schemas.openxmlformats.org/markup-compatibility/2006" xmlns:p14="http://schemas.microsoft.com/office/powerpoint/2010/main">
+    <mc:Choice Requires="p14">
+      <p:transition spd="slow" p14:dur="2000"/>
     </mc:Choice>
-    <mc:Fallback>
+    <mc:Fallback xmlns:w="http://schemas.openxmlformats.org/wordprocessingml/2006/main" xmlns:m="http://schemas.openxmlformats.org/officeDocument/2006/math" xmlns="">
       <p:transition advClick="1"/>
     </mc:Fallback>
   </mc:AlternateContent>
+  <p:timing>
+    <p:tnLst>
+      <p:par>
+        <p:cTn id="1" dur="indefinite" restart="never" nodeType="tmRoot"/>
+      </p:par>
+    </p:tnLst>
+  </p:timing>
 </p:sld>
 </file>
 
-<file path=ppt/slides/slide3.xml><?xml version="1.0" encoding="utf-8"?>
-<p:sld xmlns:a="http://schemas.openxmlformats.org/drawingml/2006/main" xmlns:r="http://schemas.openxmlformats.org/officeDocument/2006/relationships" xmlns:p="http://schemas.openxmlformats.org/presentationml/2006/main" xmlns:m="http://schemas.openxmlformats.org/officeDocument/2006/math" xmlns:w="http://schemas.openxmlformats.org/wordprocessingml/2006/main" showMasterPhAnim="0" show="1">
-  <p:cSld name="">
+<file path=ppt/slides/slide5.xml><?xml version="1.0" encoding="utf-8"?>
+<p:sld xmlns:a="http://schemas.openxmlformats.org/drawingml/2006/main" xmlns:r="http://schemas.openxmlformats.org/officeDocument/2006/relationships" xmlns:p="http://schemas.openxmlformats.org/presentationml/2006/main" showMasterPhAnim="0">
+  <p:cSld>
     <p:spTree>
       <p:nvGrpSpPr>
         <p:cNvPr id="1" name=""/>
@@ -5570,7 +5795,7 @@
           </p:nvPr>
         </p:nvSpPr>
         <p:spPr bwMode="auto">
-          <a:xfrm flipH="0" flipV="0">
+          <a:xfrm>
             <a:off x="1583498" y="2487596"/>
             <a:ext cx="9998901" cy="3638566"/>
           </a:xfrm>
@@ -5591,18 +5816,7 @@
                 <a:ea typeface="Times New Roman"/>
                 <a:cs typeface="Times New Roman"/>
               </a:rPr>
-              <a:t>A projekt csapat hetente tart megbeszélést. Megbeszélik a héten elkészült feladatokat, majd a jövő hét feladatait, valamint az esetleg felmerülő problémákat. Minden megbeszélést előre leegyeztetett </a:t>
-            </a:r>
-            <a:r>
-              <a:rPr sz="2400" b="1" i="0" u="none">
-                <a:solidFill>
-                  <a:srgbClr val="000000"/>
-                </a:solidFill>
-                <a:latin typeface="Times New Roman"/>
-                <a:ea typeface="Times New Roman"/>
-                <a:cs typeface="Times New Roman"/>
-              </a:rPr>
-              <a:t>időpontban bonyolítják le.</a:t>
+              <a:t>A projekt csapat hetente tart megbeszélést. Megbeszélik a héten elkészült feladatokat, majd a jövő hét feladatait, valamint az esetleg felmerülő problémákat. Minden megbeszélést előre leegyeztetett időpontban bonyolítják le.</a:t>
             </a:r>
             <a:endParaRPr sz="2400" b="1">
               <a:latin typeface="Times New Roman"/>
@@ -5644,20 +5858,27 @@
   <p:clrMapOvr>
     <a:masterClrMapping/>
   </p:clrMapOvr>
-  <mc:AlternateContent xmlns:mc="http://schemas.openxmlformats.org/markup-compatibility/2006">
-    <mc:Choice xmlns:p14="http://schemas.microsoft.com/office/powerpoint/2010/main" Requires="p14">
-      <p:transition p14:dur="2000" advClick="1"/>
+  <mc:AlternateContent xmlns:mc="http://schemas.openxmlformats.org/markup-compatibility/2006" xmlns:p14="http://schemas.microsoft.com/office/powerpoint/2010/main">
+    <mc:Choice Requires="p14">
+      <p:transition spd="slow" p14:dur="2000"/>
     </mc:Choice>
-    <mc:Fallback>
+    <mc:Fallback xmlns:w="http://schemas.openxmlformats.org/wordprocessingml/2006/main" xmlns:m="http://schemas.openxmlformats.org/officeDocument/2006/math" xmlns="">
       <p:transition advClick="1"/>
     </mc:Fallback>
   </mc:AlternateContent>
+  <p:timing>
+    <p:tnLst>
+      <p:par>
+        <p:cTn id="1" dur="indefinite" restart="never" nodeType="tmRoot"/>
+      </p:par>
+    </p:tnLst>
+  </p:timing>
 </p:sld>
 </file>
 
-<file path=ppt/slides/slide4.xml><?xml version="1.0" encoding="utf-8"?>
-<p:sld xmlns:a="http://schemas.openxmlformats.org/drawingml/2006/main" xmlns:r="http://schemas.openxmlformats.org/officeDocument/2006/relationships" xmlns:p="http://schemas.openxmlformats.org/presentationml/2006/main" xmlns:m="http://schemas.openxmlformats.org/officeDocument/2006/math" xmlns:w="http://schemas.openxmlformats.org/wordprocessingml/2006/main" showMasterPhAnim="0" show="1">
-  <p:cSld name="">
+<file path=ppt/slides/slide6.xml><?xml version="1.0" encoding="utf-8"?>
+<p:sld xmlns:a="http://schemas.openxmlformats.org/drawingml/2006/main" xmlns:r="http://schemas.openxmlformats.org/officeDocument/2006/relationships" xmlns:p="http://schemas.openxmlformats.org/presentationml/2006/main" showMasterPhAnim="0">
+  <p:cSld>
     <p:spTree>
       <p:nvGrpSpPr>
         <p:cNvPr id="1" name=""/>
@@ -5674,7 +5895,7 @@
       </p:grpSpPr>
       <p:sp>
         <p:nvSpPr>
-          <p:cNvPr id="1080442358" name="Заголовок 1"/>
+          <p:cNvPr id="1050480861" name="Заголовок 1"/>
           <p:cNvSpPr>
             <a:spLocks noGrp="1"/>
           </p:cNvSpPr>
@@ -5691,26 +5912,12 @@
               <a:defRPr/>
             </a:pPr>
             <a:r>
-              <a:rPr lang="hu-HU" sz="4400" b="1" i="0" u="none" strike="noStrike" cap="none" spc="0">
-                <a:solidFill>
-                  <a:schemeClr val="tx1"/>
-                </a:solidFill>
-                <a:latin typeface="Times New Roman"/>
-                <a:ea typeface="Times New Roman"/>
-                <a:cs typeface="Times New Roman"/>
-              </a:rPr>
-              <a:t>M</a:t>
-            </a:r>
-            <a:r>
-              <a:rPr lang="en-US" sz="4400" b="1" i="0" u="none" strike="noStrike" cap="none" spc="0">
-                <a:solidFill>
-                  <a:schemeClr val="tx1"/>
-                </a:solidFill>
-                <a:latin typeface="Times New Roman"/>
-                <a:ea typeface="Times New Roman"/>
-                <a:cs typeface="Times New Roman"/>
-              </a:rPr>
-              <a:t>unkakörnyezet</a:t>
+              <a:rPr lang="hu-HU">
+                <a:latin typeface="Times New Roman"/>
+                <a:ea typeface="Times New Roman"/>
+                <a:cs typeface="Times New Roman"/>
+              </a:rPr>
+              <a:t>Fejlesztés</a:t>
             </a:r>
             <a:endParaRPr>
               <a:latin typeface="Times New Roman"/>
@@ -5721,7 +5928,7 @@
       </p:sp>
       <p:sp>
         <p:nvSpPr>
-          <p:cNvPr id="774931942" name="Объект 2"/>
+          <p:cNvPr id="1078724279" name="Объект 2"/>
           <p:cNvSpPr>
             <a:spLocks noGrp="1"/>
           </p:cNvSpPr>
@@ -5730,87 +5937,29 @@
           </p:nvPr>
         </p:nvSpPr>
         <p:spPr bwMode="auto">
-          <a:xfrm flipH="0" flipV="0">
-            <a:off x="1583498" y="2228664"/>
-            <a:ext cx="9998901" cy="3897498"/>
+          <a:xfrm>
+            <a:off x="1583498" y="2126941"/>
+            <a:ext cx="9998901" cy="3999222"/>
           </a:xfrm>
         </p:spPr>
         <p:txBody>
-          <a:bodyPr/>
+          <a:bodyPr vertOverflow="overflow" horzOverflow="overflow" vert="horz" wrap="square" lIns="91440" tIns="45720" rIns="91440" bIns="45720" numCol="1" spcCol="0" rtlCol="0" fromWordArt="0" anchor="t" anchorCtr="0" forceAA="0" compatLnSpc="0">
+            <a:normAutofit fontScale="95000" lnSpcReduction="1000"/>
+          </a:bodyPr>
           <a:lstStyle/>
           <a:p>
             <a:pPr>
               <a:defRPr/>
             </a:pPr>
             <a:r>
-              <a:rPr lang="hu-HU" sz="2400" b="1">
-                <a:latin typeface="Times New Roman"/>
-                <a:ea typeface="Times New Roman"/>
-                <a:cs typeface="Times New Roman"/>
-              </a:rPr>
-              <a:t>Összesen 4db asztali számítógép és 3db laptop áll rendelkezésünkre</a:t>
-            </a:r>
-            <a:endParaRPr lang="hu-HU" sz="2400" b="1">
-              <a:latin typeface="Times New Roman"/>
-              <a:ea typeface="Times New Roman"/>
-              <a:cs typeface="Times New Roman"/>
-            </a:endParaRPr>
-          </a:p>
-          <a:p>
-            <a:pPr>
-              <a:defRPr/>
-            </a:pPr>
-            <a:endParaRPr/>
-          </a:p>
-          <a:p>
-            <a:pPr lvl="0">
-              <a:defRPr/>
-            </a:pPr>
-            <a:r>
-              <a:rPr lang="hu-HU" sz="2400" b="1">
-                <a:latin typeface="Times New Roman"/>
-                <a:ea typeface="Times New Roman"/>
-                <a:cs typeface="Times New Roman"/>
-              </a:rPr>
-              <a:t>A projekt megvalósításához a következő </a:t>
-            </a:r>
-            <a:r>
-              <a:rPr sz="2400" b="1" i="0" u="none">
-                <a:solidFill>
-                  <a:srgbClr val="000000"/>
-                </a:solidFill>
-                <a:latin typeface="Times New Roman"/>
-                <a:ea typeface="Times New Roman"/>
-                <a:cs typeface="Times New Roman"/>
-              </a:rPr>
-              <a:t>technológiákat/szoftvereket</a:t>
-            </a:r>
-            <a:r>
-              <a:rPr lang="hu-HU" sz="2400" b="1">
-                <a:latin typeface="Times New Roman"/>
-                <a:ea typeface="Times New Roman"/>
-                <a:cs typeface="Times New Roman"/>
-              </a:rPr>
-              <a:t> fogjuk alkalmazni:</a:t>
-            </a:r>
-            <a:endParaRPr/>
-          </a:p>
-          <a:p>
-            <a:pPr lvl="1">
-              <a:defRPr/>
-            </a:pPr>
-            <a:r>
-              <a:rPr sz="2200" b="0" i="0" u="none">
-                <a:solidFill>
-                  <a:srgbClr val="000000"/>
-                </a:solidFill>
-                <a:latin typeface="Times New Roman"/>
-                <a:ea typeface="Times New Roman"/>
-                <a:cs typeface="Times New Roman"/>
-              </a:rPr>
-              <a:t>Google Firebase az alkalmazás üzemeltetésére</a:t>
-            </a:r>
-            <a:endParaRPr sz="15000">
+              <a:rPr lang="hu-HU" sz="2600" b="1">
+                <a:latin typeface="Times New Roman"/>
+                <a:ea typeface="Times New Roman"/>
+                <a:cs typeface="Times New Roman"/>
+              </a:rPr>
+              <a:t>A csapat 3 fő részre bomlik:</a:t>
+            </a:r>
+            <a:endParaRPr sz="2600" b="1">
               <a:latin typeface="Times New Roman"/>
               <a:cs typeface="Times New Roman"/>
             </a:endParaRPr>
@@ -5820,17 +5969,14 @@
               <a:defRPr/>
             </a:pPr>
             <a:r>
-              <a:rPr sz="2200" b="0" i="0" u="none">
-                <a:solidFill>
-                  <a:srgbClr val="000000"/>
-                </a:solidFill>
-                <a:latin typeface="Times New Roman"/>
-                <a:ea typeface="Times New Roman"/>
-                <a:cs typeface="Times New Roman"/>
-              </a:rPr>
-              <a:t>Node.js keretrendszer</a:t>
-            </a:r>
-            <a:endParaRPr sz="15000">
+              <a:rPr lang="hu-HU" sz="2400" b="0">
+                <a:latin typeface="Times New Roman"/>
+                <a:ea typeface="Times New Roman"/>
+                <a:cs typeface="Times New Roman"/>
+              </a:rPr>
+              <a:t>Frontend</a:t>
+            </a:r>
+            <a:endParaRPr sz="2400" b="0">
               <a:latin typeface="Times New Roman"/>
               <a:cs typeface="Times New Roman"/>
             </a:endParaRPr>
@@ -5840,17 +5986,14 @@
               <a:defRPr/>
             </a:pPr>
             <a:r>
-              <a:rPr sz="2200" b="0" i="0" u="none">
-                <a:solidFill>
-                  <a:srgbClr val="000000"/>
-                </a:solidFill>
-                <a:latin typeface="Times New Roman"/>
-                <a:ea typeface="Times New Roman"/>
-                <a:cs typeface="Times New Roman"/>
-              </a:rPr>
-              <a:t>Angular dinamikus tartalom megjelenítés a felhasználói felületen</a:t>
-            </a:r>
-            <a:endParaRPr sz="15000">
+              <a:rPr lang="hu-HU" sz="2400" b="0">
+                <a:latin typeface="Times New Roman"/>
+                <a:ea typeface="Times New Roman"/>
+                <a:cs typeface="Times New Roman"/>
+              </a:rPr>
+              <a:t>Backend</a:t>
+            </a:r>
+            <a:endParaRPr sz="2400" b="0">
               <a:latin typeface="Times New Roman"/>
               <a:cs typeface="Times New Roman"/>
             </a:endParaRPr>
@@ -5860,37 +6003,71 @@
               <a:defRPr/>
             </a:pPr>
             <a:r>
-              <a:rPr sz="2200" b="0" i="0" u="none">
-                <a:solidFill>
-                  <a:srgbClr val="000000"/>
-                </a:solidFill>
-                <a:latin typeface="Times New Roman"/>
-                <a:ea typeface="Times New Roman"/>
-                <a:cs typeface="Times New Roman"/>
-              </a:rPr>
-              <a:t>IntelliJ IDE fejlesztőkörnyezet</a:t>
-            </a:r>
-            <a:endParaRPr sz="15000">
+              <a:rPr lang="hu-HU" sz="2400" b="0">
+                <a:latin typeface="Times New Roman"/>
+                <a:ea typeface="Times New Roman"/>
+                <a:cs typeface="Times New Roman"/>
+              </a:rPr>
+              <a:t>Database</a:t>
+            </a:r>
+          </a:p>
+          <a:p>
+            <a:pPr lvl="1">
+              <a:defRPr/>
+            </a:pPr>
+            <a:endParaRPr lang="hu-HU" sz="2600" b="1">
               <a:latin typeface="Times New Roman"/>
               <a:cs typeface="Times New Roman"/>
             </a:endParaRPr>
           </a:p>
           <a:p>
+            <a:pPr lvl="0">
+              <a:defRPr/>
+            </a:pPr>
+            <a:r>
+              <a:rPr lang="hu-HU" sz="2600" b="1">
+                <a:latin typeface="Times New Roman"/>
+                <a:ea typeface="Times New Roman"/>
+                <a:cs typeface="Times New Roman"/>
+              </a:rPr>
+              <a:t>Ezzel a feloszlással párhuzamosan tudunk effektíven haladni</a:t>
+            </a:r>
+          </a:p>
+          <a:p>
+            <a:pPr lvl="0">
+              <a:defRPr/>
+            </a:pPr>
+            <a:endParaRPr lang="hu-HU" sz="2600" b="1">
+              <a:latin typeface="Times New Roman"/>
+              <a:cs typeface="Times New Roman"/>
+            </a:endParaRPr>
+          </a:p>
+          <a:p>
+            <a:pPr lvl="0">
+              <a:defRPr/>
+            </a:pPr>
+            <a:r>
+              <a:rPr lang="hu-HU" sz="2600" b="1">
+                <a:latin typeface="Times New Roman"/>
+                <a:ea typeface="Times New Roman"/>
+                <a:cs typeface="Times New Roman"/>
+              </a:rPr>
+              <a:t>Ezek mellett folyamatos tesztelések zajlanak</a:t>
+            </a:r>
+          </a:p>
+          <a:p>
+            <a:pPr lvl="0">
+              <a:defRPr/>
+            </a:pPr>
+            <a:endParaRPr lang="hu-HU"/>
+          </a:p>
+          <a:p>
             <a:pPr lvl="1">
-              <a:defRPr/>
-            </a:pPr>
-            <a:r>
-              <a:rPr sz="2200" b="0" i="0" u="none">
-                <a:solidFill>
-                  <a:srgbClr val="000000"/>
-                </a:solidFill>
-                <a:latin typeface="Times New Roman"/>
-                <a:ea typeface="Times New Roman"/>
-                <a:cs typeface="Times New Roman"/>
-              </a:rPr>
-              <a:t>Git verziókövető (GitLab)</a:t>
-            </a:r>
-            <a:endParaRPr sz="1100"/>
+              <a:buFont typeface="Arial"/>
+              <a:buChar char="•"/>
+              <a:defRPr/>
+            </a:pPr>
+            <a:endParaRPr lang="hu-HU"/>
           </a:p>
         </p:txBody>
       </p:sp>
@@ -5899,20 +6076,27 @@
   <p:clrMapOvr>
     <a:masterClrMapping/>
   </p:clrMapOvr>
-  <mc:AlternateContent xmlns:mc="http://schemas.openxmlformats.org/markup-compatibility/2006">
-    <mc:Choice xmlns:p14="http://schemas.microsoft.com/office/powerpoint/2010/main" Requires="p14">
-      <p:transition p14:dur="2000" advClick="1"/>
+  <mc:AlternateContent xmlns:mc="http://schemas.openxmlformats.org/markup-compatibility/2006" xmlns:p14="http://schemas.microsoft.com/office/powerpoint/2010/main">
+    <mc:Choice Requires="p14">
+      <p:transition spd="slow" p14:dur="2000"/>
     </mc:Choice>
-    <mc:Fallback>
+    <mc:Fallback xmlns:w="http://schemas.openxmlformats.org/wordprocessingml/2006/main" xmlns:m="http://schemas.openxmlformats.org/officeDocument/2006/math" xmlns="">
       <p:transition advClick="1"/>
     </mc:Fallback>
   </mc:AlternateContent>
+  <p:timing>
+    <p:tnLst>
+      <p:par>
+        <p:cTn id="1" dur="indefinite" restart="never" nodeType="tmRoot"/>
+      </p:par>
+    </p:tnLst>
+  </p:timing>
 </p:sld>
 </file>
 
-<file path=ppt/slides/slide5.xml><?xml version="1.0" encoding="utf-8"?>
-<p:sld xmlns:a="http://schemas.openxmlformats.org/drawingml/2006/main" xmlns:r="http://schemas.openxmlformats.org/officeDocument/2006/relationships" xmlns:p="http://schemas.openxmlformats.org/presentationml/2006/main" xmlns:m="http://schemas.openxmlformats.org/officeDocument/2006/math" xmlns:w="http://schemas.openxmlformats.org/wordprocessingml/2006/main" showMasterPhAnim="0" show="1">
-  <p:cSld name="">
+<file path=ppt/slides/slide7.xml><?xml version="1.0" encoding="utf-8"?>
+<p:sld xmlns:a="http://schemas.openxmlformats.org/drawingml/2006/main" xmlns:r="http://schemas.openxmlformats.org/officeDocument/2006/relationships" xmlns:p="http://schemas.openxmlformats.org/presentationml/2006/main" showMasterPhAnim="0">
+  <p:cSld>
     <p:spTree>
       <p:nvGrpSpPr>
         <p:cNvPr id="1" name=""/>
@@ -5929,7 +6113,7 @@
       </p:grpSpPr>
       <p:sp>
         <p:nvSpPr>
-          <p:cNvPr id="913695997" name="Заголовок 1"/>
+          <p:cNvPr id="781687360" name="Заголовок 1"/>
           <p:cNvSpPr>
             <a:spLocks noGrp="1"/>
           </p:cNvSpPr>
@@ -5946,14 +6130,14 @@
               <a:defRPr/>
             </a:pPr>
             <a:r>
-              <a:rPr lang="hu-HU">
-                <a:latin typeface="Times New Roman"/>
-                <a:ea typeface="Times New Roman"/>
-                <a:cs typeface="Times New Roman"/>
-              </a:rPr>
-              <a:t>A projekt célja</a:t>
-            </a:r>
-            <a:endParaRPr>
+              <a:rPr lang="hu-HU" dirty="0" smtClean="0">
+                <a:latin typeface="Times New Roman"/>
+                <a:ea typeface="Times New Roman"/>
+                <a:cs typeface="Times New Roman"/>
+              </a:rPr>
+              <a:t>Költségek/Határidők</a:t>
+            </a:r>
+            <a:endParaRPr dirty="0">
               <a:latin typeface="Times New Roman"/>
               <a:cs typeface="Times New Roman"/>
             </a:endParaRPr>
@@ -5962,29 +6146,68 @@
       </p:sp>
       <p:sp>
         <p:nvSpPr>
-          <p:cNvPr id="1853196396" name="Объект 2"/>
-          <p:cNvSpPr>
-            <a:spLocks noGrp="1"/>
-          </p:cNvSpPr>
-          <p:nvPr>
-            <p:ph idx="1"/>
+          <p:cNvPr id="1127325395" name="Текст 2"/>
+          <p:cNvSpPr>
+            <a:spLocks noGrp="1"/>
+          </p:cNvSpPr>
+          <p:nvPr>
+            <p:ph type="body" idx="1"/>
           </p:nvPr>
         </p:nvSpPr>
         <p:spPr bwMode="auto">
-          <a:xfrm flipH="0" flipV="0">
-            <a:off x="1583498" y="1747791"/>
-            <a:ext cx="9998901" cy="4378372"/>
+          <a:xfrm>
+            <a:off x="2018299" y="1417638"/>
+            <a:ext cx="2497817" cy="639762"/>
           </a:xfrm>
         </p:spPr>
         <p:txBody>
-          <a:bodyPr/>
-          <a:lstStyle/>
-          <a:p>
-            <a:pPr>
-              <a:defRPr/>
-            </a:pPr>
-            <a:r>
-              <a:rPr sz="2400" b="1" i="0" u="none">
+          <a:bodyPr vertOverflow="overflow" horzOverflow="overflow" vert="horz" wrap="square" lIns="91440" tIns="45720" rIns="91440" bIns="45720" numCol="1" spcCol="0" rtlCol="0" fromWordArt="0" anchor="ctr" anchorCtr="0" forceAA="0" compatLnSpc="0">
+            <a:normAutofit fontScale="60000" lnSpcReduction="20000"/>
+          </a:bodyPr>
+          <a:lstStyle>
+            <a:lvl1pPr marL="0" indent="0">
+              <a:buNone/>
+              <a:defRPr sz="2400" b="1"/>
+            </a:lvl1pPr>
+            <a:lvl2pPr marL="457200" indent="0">
+              <a:buNone/>
+              <a:defRPr sz="2000" b="1"/>
+            </a:lvl2pPr>
+            <a:lvl3pPr marL="914400" indent="0">
+              <a:buNone/>
+              <a:defRPr sz="1800" b="1"/>
+            </a:lvl3pPr>
+            <a:lvl4pPr marL="1371600" indent="0">
+              <a:buNone/>
+              <a:defRPr sz="1600" b="1"/>
+            </a:lvl4pPr>
+            <a:lvl5pPr marL="1828800" indent="0">
+              <a:buNone/>
+              <a:defRPr sz="1600" b="1"/>
+            </a:lvl5pPr>
+            <a:lvl6pPr marL="2286000" indent="0">
+              <a:buNone/>
+              <a:defRPr sz="1600" b="1"/>
+            </a:lvl6pPr>
+            <a:lvl7pPr marL="2743200" indent="0">
+              <a:buNone/>
+              <a:defRPr sz="1600" b="1"/>
+            </a:lvl7pPr>
+            <a:lvl8pPr marL="3200400" indent="0">
+              <a:buNone/>
+              <a:defRPr sz="1600" b="1"/>
+            </a:lvl8pPr>
+            <a:lvl9pPr marL="3657600" indent="0">
+              <a:buNone/>
+              <a:defRPr sz="1600" b="1"/>
+            </a:lvl9pPr>
+          </a:lstStyle>
+          <a:p>
+            <a:pPr algn="ctr">
+              <a:defRPr/>
+            </a:pPr>
+            <a:r>
+              <a:rPr sz="2600" b="1" i="0" u="none" dirty="0" err="1">
                 <a:solidFill>
                   <a:srgbClr val="000000"/>
                 </a:solidFill>
@@ -5992,29 +6215,10 @@
                 <a:ea typeface="Times New Roman"/>
                 <a:cs typeface="Times New Roman"/>
               </a:rPr>
-              <a:t>Az áruvásárlás élményének javítása és a felhasználók számára kényelmes megoldások biztosítása a fő célunk ebben a projektben. </a:t>
-            </a:r>
-            <a:endParaRPr sz="2400" b="1" i="0" u="none">
-              <a:solidFill>
-                <a:srgbClr val="000000"/>
-              </a:solidFill>
-              <a:latin typeface="Times New Roman"/>
-              <a:ea typeface="Times New Roman"/>
-              <a:cs typeface="Times New Roman"/>
-            </a:endParaRPr>
-          </a:p>
-          <a:p>
-            <a:pPr>
-              <a:defRPr/>
-            </a:pPr>
-            <a:endParaRPr/>
-          </a:p>
-          <a:p>
-            <a:pPr>
-              <a:defRPr/>
-            </a:pPr>
-            <a:r>
-              <a:rPr sz="2400" b="1" i="0" u="none">
+              <a:t>Részletes</a:t>
+            </a:r>
+            <a:r>
+              <a:rPr sz="2600" b="1" i="0" u="none" dirty="0">
                 <a:solidFill>
                   <a:srgbClr val="000000"/>
                 </a:solidFill>
@@ -6022,36 +6226,10 @@
                 <a:ea typeface="Times New Roman"/>
                 <a:cs typeface="Times New Roman"/>
               </a:rPr>
-              <a:t>Webshopunk lehetővé teszi a vásárlók számára, hogy gyorsan és egyszerűen böngésszenek, vásároljanak, értékeljenek termékeket, valamint saját áruikat is feltehessék az oldalra. </a:t>
-            </a:r>
-            <a:endParaRPr sz="2400" b="1" i="0" u="none">
-              <a:solidFill>
-                <a:srgbClr val="000000"/>
-              </a:solidFill>
-              <a:latin typeface="Times New Roman"/>
-              <a:ea typeface="Times New Roman"/>
-              <a:cs typeface="Times New Roman"/>
-            </a:endParaRPr>
-          </a:p>
-          <a:p>
-            <a:pPr>
-              <a:defRPr/>
-            </a:pPr>
-            <a:endParaRPr sz="2400" b="1" i="0" u="none">
-              <a:solidFill>
-                <a:srgbClr val="000000"/>
-              </a:solidFill>
-              <a:latin typeface="Times New Roman"/>
-              <a:ea typeface="Times New Roman"/>
-              <a:cs typeface="Times New Roman"/>
-            </a:endParaRPr>
-          </a:p>
-          <a:p>
-            <a:pPr>
-              <a:defRPr/>
-            </a:pPr>
-            <a:r>
-              <a:rPr sz="2400" b="1" i="0" u="none">
+              <a:t> </a:t>
+            </a:r>
+            <a:r>
+              <a:rPr sz="2600" b="1" i="0" u="none" dirty="0" err="1">
                 <a:solidFill>
                   <a:srgbClr val="000000"/>
                 </a:solidFill>
@@ -6059,37 +6237,891 @@
                 <a:ea typeface="Times New Roman"/>
                 <a:cs typeface="Times New Roman"/>
               </a:rPr>
-              <a:t>Egy felhasználóbarát felülettel és rugalmas funkciókkal segítünk megteremteni a zökkenőmentes online vásárlási élményt.</a:t>
-            </a:r>
-            <a:endParaRPr sz="1800" b="1" i="0" u="none">
-              <a:solidFill>
-                <a:srgbClr val="000000"/>
-              </a:solidFill>
-              <a:latin typeface="Times New Roman"/>
-              <a:cs typeface="Times New Roman"/>
-            </a:endParaRPr>
-          </a:p>
-        </p:txBody>
-      </p:sp>
+              <a:t>erőforrásigény</a:t>
+            </a:r>
+            <a:r>
+              <a:rPr sz="2600" b="1" i="0" u="none" dirty="0">
+                <a:solidFill>
+                  <a:srgbClr val="000000"/>
+                </a:solidFill>
+                <a:latin typeface="Times New Roman"/>
+                <a:ea typeface="Times New Roman"/>
+                <a:cs typeface="Times New Roman"/>
+              </a:rPr>
+              <a:t> (</a:t>
+            </a:r>
+            <a:r>
+              <a:rPr sz="2600" b="1" i="0" u="none" dirty="0" err="1">
+                <a:solidFill>
+                  <a:srgbClr val="000000"/>
+                </a:solidFill>
+                <a:latin typeface="Times New Roman"/>
+                <a:ea typeface="Times New Roman"/>
+                <a:cs typeface="Times New Roman"/>
+              </a:rPr>
+              <a:t>személynap</a:t>
+            </a:r>
+            <a:r>
+              <a:rPr sz="2600" b="1" i="0" u="none" dirty="0">
+                <a:solidFill>
+                  <a:srgbClr val="000000"/>
+                </a:solidFill>
+                <a:latin typeface="Times New Roman"/>
+                <a:ea typeface="Times New Roman"/>
+                <a:cs typeface="Times New Roman"/>
+              </a:rPr>
+              <a:t>)</a:t>
+            </a:r>
+            <a:endParaRPr sz="2600" dirty="0"/>
+          </a:p>
+        </p:txBody>
+      </p:sp>
+      <p:pic>
+        <p:nvPicPr>
+          <p:cNvPr id="45533364" name="Tartalom helye 45533363"/>
+          <p:cNvPicPr>
+            <a:picLocks noGrp="1" noChangeAspect="1"/>
+          </p:cNvPicPr>
+          <p:nvPr>
+            <p:ph sz="half" idx="2"/>
+          </p:nvPr>
+        </p:nvPicPr>
+        <p:blipFill>
+          <a:blip r:embed="rId2"/>
+          <a:stretch/>
+        </p:blipFill>
+        <p:spPr bwMode="auto">
+          <a:xfrm>
+            <a:off x="1659255" y="1979880"/>
+            <a:ext cx="3215906" cy="2360009"/>
+          </a:xfrm>
+          <a:prstGeom prst="rect">
+            <a:avLst/>
+          </a:prstGeom>
+        </p:spPr>
+      </p:pic>
+      <p:sp>
+        <p:nvSpPr>
+          <p:cNvPr id="1981013679" name="Текст 4"/>
+          <p:cNvSpPr>
+            <a:spLocks noGrp="1"/>
+          </p:cNvSpPr>
+          <p:nvPr>
+            <p:ph type="body" sz="quarter" idx="3"/>
+          </p:nvPr>
+        </p:nvSpPr>
+        <p:spPr bwMode="auto">
+          <a:xfrm>
+            <a:off x="7930261" y="1340119"/>
+            <a:ext cx="2497817" cy="639762"/>
+          </a:xfrm>
+        </p:spPr>
+        <p:txBody>
+          <a:bodyPr vertOverflow="overflow" horzOverflow="overflow" vert="horz" wrap="square" lIns="91440" tIns="45720" rIns="91440" bIns="45720" numCol="1" spcCol="0" rtlCol="0" fromWordArt="0" anchor="ctr" anchorCtr="0" forceAA="0" compatLnSpc="0">
+            <a:normAutofit lnSpcReduction="10000"/>
+          </a:bodyPr>
+          <a:lstStyle>
+            <a:lvl1pPr marL="0" indent="0">
+              <a:buNone/>
+              <a:defRPr sz="2400" b="1"/>
+            </a:lvl1pPr>
+            <a:lvl2pPr marL="457200" indent="0">
+              <a:buNone/>
+              <a:defRPr sz="2000" b="1"/>
+            </a:lvl2pPr>
+            <a:lvl3pPr marL="914400" indent="0">
+              <a:buNone/>
+              <a:defRPr sz="1800" b="1"/>
+            </a:lvl3pPr>
+            <a:lvl4pPr marL="1371600" indent="0">
+              <a:buNone/>
+              <a:defRPr sz="1600" b="1"/>
+            </a:lvl4pPr>
+            <a:lvl5pPr marL="1828800" indent="0">
+              <a:buNone/>
+              <a:defRPr sz="1600" b="1"/>
+            </a:lvl5pPr>
+            <a:lvl6pPr marL="2286000" indent="0">
+              <a:buNone/>
+              <a:defRPr sz="1600" b="1"/>
+            </a:lvl6pPr>
+            <a:lvl7pPr marL="2743200" indent="0">
+              <a:buNone/>
+              <a:defRPr sz="1600" b="1"/>
+            </a:lvl7pPr>
+            <a:lvl8pPr marL="3200400" indent="0">
+              <a:buNone/>
+              <a:defRPr sz="1600" b="1"/>
+            </a:lvl8pPr>
+            <a:lvl9pPr marL="3657600" indent="0">
+              <a:buNone/>
+              <a:defRPr sz="1600" b="1"/>
+            </a:lvl9pPr>
+          </a:lstStyle>
+          <a:p>
+            <a:pPr algn="ctr">
+              <a:defRPr/>
+            </a:pPr>
+            <a:r>
+              <a:rPr sz="2000" b="1" i="0" u="none" dirty="0" err="1">
+                <a:solidFill>
+                  <a:srgbClr val="000000"/>
+                </a:solidFill>
+                <a:latin typeface="Times New Roman"/>
+                <a:ea typeface="Times New Roman"/>
+                <a:cs typeface="Times New Roman"/>
+              </a:rPr>
+              <a:t>Részletes</a:t>
+            </a:r>
+            <a:r>
+              <a:rPr sz="2000" b="1" i="0" u="none" dirty="0">
+                <a:solidFill>
+                  <a:srgbClr val="000000"/>
+                </a:solidFill>
+                <a:latin typeface="Times New Roman"/>
+                <a:ea typeface="Times New Roman"/>
+                <a:cs typeface="Times New Roman"/>
+              </a:rPr>
+              <a:t> </a:t>
+            </a:r>
+            <a:r>
+              <a:rPr sz="2000" b="1" i="0" u="none" dirty="0" err="1">
+                <a:solidFill>
+                  <a:srgbClr val="000000"/>
+                </a:solidFill>
+                <a:latin typeface="Times New Roman"/>
+                <a:ea typeface="Times New Roman"/>
+                <a:cs typeface="Times New Roman"/>
+              </a:rPr>
+              <a:t>feladatszámok</a:t>
+            </a:r>
+            <a:endParaRPr dirty="0"/>
+          </a:p>
+        </p:txBody>
+      </p:sp>
+      <p:pic>
+        <p:nvPicPr>
+          <p:cNvPr id="1986072325" name="Tartalom helye 1986072324"/>
+          <p:cNvPicPr>
+            <a:picLocks noGrp="1" noChangeAspect="1"/>
+          </p:cNvPicPr>
+          <p:nvPr>
+            <p:ph sz="quarter" idx="4"/>
+          </p:nvPr>
+        </p:nvPicPr>
+        <p:blipFill>
+          <a:blip r:embed="rId3"/>
+          <a:stretch/>
+        </p:blipFill>
+        <p:spPr bwMode="auto">
+          <a:xfrm>
+            <a:off x="7561385" y="1979881"/>
+            <a:ext cx="3235570" cy="2363484"/>
+          </a:xfrm>
+          <a:prstGeom prst="rect">
+            <a:avLst/>
+          </a:prstGeom>
+        </p:spPr>
+      </p:pic>
+      <p:graphicFrame>
+        <p:nvGraphicFramePr>
+          <p:cNvPr id="7" name="Tartalom helye 660818403"/>
+          <p:cNvGraphicFramePr>
+            <a:graphicFrameLocks/>
+          </p:cNvGraphicFramePr>
+          <p:nvPr>
+            <p:extLst>
+              <p:ext uri="{D42A27DB-BD31-4B8C-83A1-F6EECF244321}">
+                <p14:modId xmlns:p14="http://schemas.microsoft.com/office/powerpoint/2010/main" val="4105155041"/>
+              </p:ext>
+            </p:extLst>
+          </p:nvPr>
+        </p:nvGraphicFramePr>
+        <p:xfrm>
+          <a:off x="3428884" y="4476862"/>
+          <a:ext cx="5528153" cy="1295492"/>
+        </p:xfrm>
+        <a:graphic>
+          <a:graphicData uri="http://schemas.openxmlformats.org/drawingml/2006/table">
+            <a:tbl>
+              <a:tblPr firstRow="1" bandRow="1">
+                <a:tableStyleId>{D7AC3CCA-C797-4891-BE02-D94E43425B78}</a:tableStyleId>
+              </a:tblPr>
+              <a:tblGrid>
+                <a:gridCol w="954244">
+                  <a:extLst>
+                    <a:ext uri="{9D8B030D-6E8A-4147-A177-3AD203B41FA5}">
+                      <a16:colId xmlns:a16="http://schemas.microsoft.com/office/drawing/2014/main" val="20000"/>
+                    </a:ext>
+                  </a:extLst>
+                </a:gridCol>
+                <a:gridCol w="3626128">
+                  <a:extLst>
+                    <a:ext uri="{9D8B030D-6E8A-4147-A177-3AD203B41FA5}">
+                      <a16:colId xmlns:a16="http://schemas.microsoft.com/office/drawing/2014/main" val="20001"/>
+                    </a:ext>
+                  </a:extLst>
+                </a:gridCol>
+                <a:gridCol w="947781">
+                  <a:extLst>
+                    <a:ext uri="{9D8B030D-6E8A-4147-A177-3AD203B41FA5}">
+                      <a16:colId xmlns:a16="http://schemas.microsoft.com/office/drawing/2014/main" val="20002"/>
+                    </a:ext>
+                  </a:extLst>
+                </a:gridCol>
+              </a:tblGrid>
+              <a:tr h="263396">
+                <a:tc>
+                  <a:txBody>
+                    <a:bodyPr/>
+                    <a:lstStyle/>
+                    <a:p>
+                      <a:pPr algn="ctr">
+                        <a:defRPr/>
+                      </a:pPr>
+                      <a:r>
+                        <a:rPr sz="1400" b="1" i="0" u="none">
+                          <a:solidFill>
+                            <a:srgbClr val="000000"/>
+                          </a:solidFill>
+                          <a:latin typeface="Times New Roman"/>
+                          <a:ea typeface="Times New Roman"/>
+                          <a:cs typeface="Times New Roman"/>
+                        </a:rPr>
+                        <a:t>Szállítandó</a:t>
+                      </a:r>
+                      <a:endParaRPr sz="1400" b="1">
+                        <a:latin typeface="Times New Roman"/>
+                        <a:cs typeface="Times New Roman"/>
+                      </a:endParaRPr>
+                    </a:p>
+                  </a:txBody>
+                  <a:tcPr marL="48476" marR="48476" marT="24237" marB="24237" anchor="ctr"/>
+                </a:tc>
+                <a:tc>
+                  <a:txBody>
+                    <a:bodyPr/>
+                    <a:lstStyle/>
+                    <a:p>
+                      <a:pPr algn="ctr">
+                        <a:defRPr/>
+                      </a:pPr>
+                      <a:r>
+                        <a:rPr lang="hu-HU" sz="1400" b="1" dirty="0">
+                          <a:latin typeface="Times New Roman"/>
+                          <a:ea typeface="Times New Roman"/>
+                          <a:cs typeface="Times New Roman"/>
+                        </a:rPr>
+                        <a:t>Megnevezés</a:t>
+                      </a:r>
+                      <a:endParaRPr sz="1400" b="1" dirty="0">
+                        <a:latin typeface="Times New Roman"/>
+                        <a:cs typeface="Times New Roman"/>
+                      </a:endParaRPr>
+                    </a:p>
+                  </a:txBody>
+                  <a:tcPr marL="48476" marR="48476" marT="24237" marB="24237" anchor="ctr"/>
+                </a:tc>
+                <a:tc>
+                  <a:txBody>
+                    <a:bodyPr/>
+                    <a:lstStyle/>
+                    <a:p>
+                      <a:pPr algn="ctr">
+                        <a:defRPr/>
+                      </a:pPr>
+                      <a:r>
+                        <a:rPr sz="1400" b="1" i="0" u="none">
+                          <a:solidFill>
+                            <a:srgbClr val="000000"/>
+                          </a:solidFill>
+                          <a:latin typeface="Times New Roman"/>
+                          <a:ea typeface="Times New Roman"/>
+                          <a:cs typeface="Times New Roman"/>
+                        </a:rPr>
+                        <a:t>Határideje</a:t>
+                      </a:r>
+                      <a:endParaRPr sz="1400" b="1">
+                        <a:latin typeface="Times New Roman"/>
+                        <a:cs typeface="Times New Roman"/>
+                      </a:endParaRPr>
+                    </a:p>
+                  </a:txBody>
+                  <a:tcPr marL="48476" marR="48476" marT="24237" marB="24237" anchor="ctr">
+                    <a:lnB w="12699" algn="ctr">
+                      <a:solidFill>
+                        <a:srgbClr val="000000"/>
+                      </a:solidFill>
+                    </a:lnB>
+                  </a:tcPr>
+                </a:tc>
+                <a:extLst>
+                  <a:ext uri="{0D108BD9-81ED-4DB2-BD59-A6C34878D82A}">
+                    <a16:rowId xmlns:a16="http://schemas.microsoft.com/office/drawing/2014/main" val="10000"/>
+                  </a:ext>
+                </a:extLst>
+              </a:tr>
+              <a:tr h="210061">
+                <a:tc>
+                  <a:txBody>
+                    <a:bodyPr/>
+                    <a:lstStyle/>
+                    <a:p>
+                      <a:pPr>
+                        <a:defRPr/>
+                      </a:pPr>
+                      <a:r>
+                        <a:rPr sz="1100" b="0" i="0" u="none">
+                          <a:solidFill>
+                            <a:srgbClr val="000000"/>
+                          </a:solidFill>
+                          <a:latin typeface="Times New Roman"/>
+                          <a:ea typeface="Times New Roman"/>
+                          <a:cs typeface="Times New Roman"/>
+                        </a:rPr>
+                        <a:t>D1</a:t>
+                      </a:r>
+                      <a:endParaRPr sz="1100">
+                        <a:latin typeface="Times New Roman"/>
+                        <a:cs typeface="Times New Roman"/>
+                      </a:endParaRPr>
+                    </a:p>
+                  </a:txBody>
+                  <a:tcPr marL="48476" marR="48476" marT="24237" marB="24237"/>
+                </a:tc>
+                <a:tc>
+                  <a:txBody>
+                    <a:bodyPr/>
+                    <a:lstStyle/>
+                    <a:p>
+                      <a:pPr>
+                        <a:defRPr/>
+                      </a:pPr>
+                      <a:r>
+                        <a:rPr sz="1100" b="0" i="0" u="none" dirty="0" err="1">
+                          <a:solidFill>
+                            <a:srgbClr val="000000"/>
+                          </a:solidFill>
+                          <a:latin typeface="Times New Roman"/>
+                          <a:ea typeface="Times New Roman"/>
+                          <a:cs typeface="Times New Roman"/>
+                        </a:rPr>
+                        <a:t>Projektterv</a:t>
+                      </a:r>
+                      <a:r>
+                        <a:rPr sz="1100" b="0" i="0" u="none" dirty="0">
+                          <a:solidFill>
+                            <a:srgbClr val="000000"/>
+                          </a:solidFill>
+                          <a:latin typeface="Times New Roman"/>
+                          <a:ea typeface="Times New Roman"/>
+                          <a:cs typeface="Times New Roman"/>
+                        </a:rPr>
+                        <a:t>, Gantt diagram, </a:t>
+                      </a:r>
+                      <a:r>
+                        <a:rPr sz="1100" b="0" i="0" u="none" dirty="0" err="1">
+                          <a:solidFill>
+                            <a:srgbClr val="000000"/>
+                          </a:solidFill>
+                          <a:latin typeface="Times New Roman"/>
+                          <a:ea typeface="Times New Roman"/>
+                          <a:cs typeface="Times New Roman"/>
+                        </a:rPr>
+                        <a:t>egyéni</a:t>
+                      </a:r>
+                      <a:r>
+                        <a:rPr sz="1100" b="0" i="0" u="none" dirty="0">
+                          <a:solidFill>
+                            <a:srgbClr val="000000"/>
+                          </a:solidFill>
+                          <a:latin typeface="Times New Roman"/>
+                          <a:ea typeface="Times New Roman"/>
+                          <a:cs typeface="Times New Roman"/>
+                        </a:rPr>
+                        <a:t> </a:t>
+                      </a:r>
+                      <a:r>
+                        <a:rPr sz="1100" b="0" i="0" u="none" dirty="0" err="1">
+                          <a:solidFill>
+                            <a:srgbClr val="000000"/>
+                          </a:solidFill>
+                          <a:latin typeface="Times New Roman"/>
+                          <a:ea typeface="Times New Roman"/>
+                          <a:cs typeface="Times New Roman"/>
+                        </a:rPr>
+                        <a:t>jelentés</a:t>
+                      </a:r>
+                      <a:endParaRPr sz="1100" dirty="0">
+                        <a:latin typeface="Times New Roman"/>
+                        <a:cs typeface="Times New Roman"/>
+                      </a:endParaRPr>
+                    </a:p>
+                  </a:txBody>
+                  <a:tcPr marL="48476" marR="48476" marT="24237" marB="24237"/>
+                </a:tc>
+                <a:tc>
+                  <a:txBody>
+                    <a:bodyPr/>
+                    <a:lstStyle/>
+                    <a:p>
+                      <a:pPr algn="ctr">
+                        <a:defRPr/>
+                      </a:pPr>
+                      <a:r>
+                        <a:rPr sz="1100" b="0" i="0" u="none">
+                          <a:solidFill>
+                            <a:srgbClr val="000000"/>
+                          </a:solidFill>
+                          <a:latin typeface="Times New Roman"/>
+                          <a:ea typeface="Times New Roman"/>
+                          <a:cs typeface="Times New Roman"/>
+                        </a:rPr>
+                        <a:t>2023-10-11</a:t>
+                      </a:r>
+                      <a:endParaRPr sz="1100">
+                        <a:latin typeface="Times New Roman"/>
+                        <a:cs typeface="Times New Roman"/>
+                      </a:endParaRPr>
+                    </a:p>
+                  </a:txBody>
+                  <a:tcPr marL="48476" marR="48476" marT="24237" marB="24237">
+                    <a:lnT w="12699" algn="ctr">
+                      <a:solidFill>
+                        <a:srgbClr val="000000"/>
+                      </a:solidFill>
+                    </a:lnT>
+                  </a:tcPr>
+                </a:tc>
+                <a:extLst>
+                  <a:ext uri="{0D108BD9-81ED-4DB2-BD59-A6C34878D82A}">
+                    <a16:rowId xmlns:a16="http://schemas.microsoft.com/office/drawing/2014/main" val="10001"/>
+                  </a:ext>
+                </a:extLst>
+              </a:tr>
+              <a:tr h="210061">
+                <a:tc>
+                  <a:txBody>
+                    <a:bodyPr/>
+                    <a:lstStyle/>
+                    <a:p>
+                      <a:pPr>
+                        <a:defRPr/>
+                      </a:pPr>
+                      <a:r>
+                        <a:rPr lang="hu-HU" sz="1100">
+                          <a:latin typeface="Times New Roman"/>
+                          <a:ea typeface="Times New Roman"/>
+                          <a:cs typeface="Times New Roman"/>
+                        </a:rPr>
+                        <a:t>D2</a:t>
+                      </a:r>
+                      <a:endParaRPr sz="1100">
+                        <a:latin typeface="Times New Roman"/>
+                        <a:cs typeface="Times New Roman"/>
+                      </a:endParaRPr>
+                    </a:p>
+                  </a:txBody>
+                  <a:tcPr marL="48476" marR="48476" marT="24237" marB="24237"/>
+                </a:tc>
+                <a:tc>
+                  <a:txBody>
+                    <a:bodyPr/>
+                    <a:lstStyle/>
+                    <a:p>
+                      <a:pPr>
+                        <a:defRPr/>
+                      </a:pPr>
+                      <a:r>
+                        <a:rPr sz="1100" b="0" i="0" u="none">
+                          <a:solidFill>
+                            <a:srgbClr val="000000"/>
+                          </a:solidFill>
+                          <a:latin typeface="Times New Roman"/>
+                          <a:ea typeface="Times New Roman"/>
+                          <a:cs typeface="Times New Roman"/>
+                        </a:rPr>
+                        <a:t>UML, adatbázistervek, képernyőtervek, egyéni jelentés</a:t>
+                      </a:r>
+                      <a:endParaRPr sz="1100">
+                        <a:latin typeface="Times New Roman"/>
+                        <a:cs typeface="Times New Roman"/>
+                      </a:endParaRPr>
+                    </a:p>
+                  </a:txBody>
+                  <a:tcPr marL="48476" marR="48476" marT="24237" marB="24237"/>
+                </a:tc>
+                <a:tc>
+                  <a:txBody>
+                    <a:bodyPr/>
+                    <a:lstStyle/>
+                    <a:p>
+                      <a:pPr algn="ctr">
+                        <a:defRPr/>
+                      </a:pPr>
+                      <a:r>
+                        <a:rPr sz="1100" b="0" i="0" u="none">
+                          <a:solidFill>
+                            <a:srgbClr val="000000"/>
+                          </a:solidFill>
+                          <a:latin typeface="Times New Roman"/>
+                          <a:ea typeface="Times New Roman"/>
+                          <a:cs typeface="Times New Roman"/>
+                        </a:rPr>
+                        <a:t>2023-10-25</a:t>
+                      </a:r>
+                      <a:endParaRPr sz="1100">
+                        <a:latin typeface="Times New Roman"/>
+                        <a:cs typeface="Times New Roman"/>
+                      </a:endParaRPr>
+                    </a:p>
+                  </a:txBody>
+                  <a:tcPr marL="48476" marR="48476" marT="24237" marB="24237"/>
+                </a:tc>
+                <a:extLst>
+                  <a:ext uri="{0D108BD9-81ED-4DB2-BD59-A6C34878D82A}">
+                    <a16:rowId xmlns:a16="http://schemas.microsoft.com/office/drawing/2014/main" val="10002"/>
+                  </a:ext>
+                </a:extLst>
+              </a:tr>
+              <a:tr h="210061">
+                <a:tc>
+                  <a:txBody>
+                    <a:bodyPr/>
+                    <a:lstStyle/>
+                    <a:p>
+                      <a:pPr>
+                        <a:defRPr/>
+                      </a:pPr>
+                      <a:r>
+                        <a:rPr sz="1100" b="0" i="0" u="none">
+                          <a:solidFill>
+                            <a:srgbClr val="000000"/>
+                          </a:solidFill>
+                          <a:latin typeface="Times New Roman"/>
+                          <a:ea typeface="Times New Roman"/>
+                          <a:cs typeface="Times New Roman"/>
+                        </a:rPr>
+                        <a:t>P1+D3</a:t>
+                      </a:r>
+                      <a:endParaRPr sz="1100">
+                        <a:latin typeface="Times New Roman"/>
+                        <a:cs typeface="Times New Roman"/>
+                      </a:endParaRPr>
+                    </a:p>
+                  </a:txBody>
+                  <a:tcPr marL="48476" marR="48476" marT="24237" marB="24237"/>
+                </a:tc>
+                <a:tc>
+                  <a:txBody>
+                    <a:bodyPr/>
+                    <a:lstStyle/>
+                    <a:p>
+                      <a:pPr>
+                        <a:defRPr/>
+                      </a:pPr>
+                      <a:r>
+                        <a:rPr sz="1100" b="0" i="0" u="none">
+                          <a:solidFill>
+                            <a:srgbClr val="000000"/>
+                          </a:solidFill>
+                          <a:latin typeface="Times New Roman"/>
+                          <a:ea typeface="Times New Roman"/>
+                          <a:cs typeface="Times New Roman"/>
+                        </a:rPr>
+                        <a:t>Prototípus I. és tesztelési dokumentáció </a:t>
+                      </a:r>
+                      <a:endParaRPr sz="1100">
+                        <a:latin typeface="Times New Roman"/>
+                        <a:cs typeface="Times New Roman"/>
+                      </a:endParaRPr>
+                    </a:p>
+                  </a:txBody>
+                  <a:tcPr marL="48476" marR="48476" marT="24237" marB="24237"/>
+                </a:tc>
+                <a:tc>
+                  <a:txBody>
+                    <a:bodyPr/>
+                    <a:lstStyle/>
+                    <a:p>
+                      <a:pPr algn="ctr">
+                        <a:defRPr/>
+                      </a:pPr>
+                      <a:r>
+                        <a:rPr sz="1100" b="0" i="0" u="none">
+                          <a:solidFill>
+                            <a:srgbClr val="000000"/>
+                          </a:solidFill>
+                          <a:latin typeface="Times New Roman"/>
+                          <a:ea typeface="Times New Roman"/>
+                          <a:cs typeface="Times New Roman"/>
+                        </a:rPr>
+                        <a:t>2023-11-15</a:t>
+                      </a:r>
+                      <a:endParaRPr sz="1100">
+                        <a:latin typeface="Times New Roman"/>
+                        <a:cs typeface="Times New Roman"/>
+                      </a:endParaRPr>
+                    </a:p>
+                  </a:txBody>
+                  <a:tcPr marL="48476" marR="48476" marT="24237" marB="24237"/>
+                </a:tc>
+                <a:extLst>
+                  <a:ext uri="{0D108BD9-81ED-4DB2-BD59-A6C34878D82A}">
+                    <a16:rowId xmlns:a16="http://schemas.microsoft.com/office/drawing/2014/main" val="10003"/>
+                  </a:ext>
+                </a:extLst>
+              </a:tr>
+              <a:tr h="210061">
+                <a:tc>
+                  <a:txBody>
+                    <a:bodyPr/>
+                    <a:lstStyle/>
+                    <a:p>
+                      <a:pPr>
+                        <a:defRPr/>
+                      </a:pPr>
+                      <a:r>
+                        <a:rPr sz="1100" b="0" i="0" u="none">
+                          <a:solidFill>
+                            <a:srgbClr val="000000"/>
+                          </a:solidFill>
+                          <a:latin typeface="Times New Roman"/>
+                          <a:ea typeface="Times New Roman"/>
+                          <a:cs typeface="Times New Roman"/>
+                        </a:rPr>
+                        <a:t>P2+D4</a:t>
+                      </a:r>
+                      <a:endParaRPr sz="1100">
+                        <a:latin typeface="Times New Roman"/>
+                        <a:cs typeface="Times New Roman"/>
+                      </a:endParaRPr>
+                    </a:p>
+                  </a:txBody>
+                  <a:tcPr marL="48476" marR="48476" marT="24237" marB="24237"/>
+                </a:tc>
+                <a:tc>
+                  <a:txBody>
+                    <a:bodyPr/>
+                    <a:lstStyle/>
+                    <a:p>
+                      <a:pPr>
+                        <a:defRPr/>
+                      </a:pPr>
+                      <a:r>
+                        <a:rPr sz="1100" b="0" i="0" u="none" dirty="0" err="1">
+                          <a:solidFill>
+                            <a:srgbClr val="000000"/>
+                          </a:solidFill>
+                          <a:latin typeface="Times New Roman"/>
+                          <a:ea typeface="Times New Roman"/>
+                          <a:cs typeface="Times New Roman"/>
+                        </a:rPr>
+                        <a:t>Prototípus</a:t>
+                      </a:r>
+                      <a:r>
+                        <a:rPr sz="1100" b="0" i="0" u="none" dirty="0">
+                          <a:solidFill>
+                            <a:srgbClr val="000000"/>
+                          </a:solidFill>
+                          <a:latin typeface="Times New Roman"/>
+                          <a:ea typeface="Times New Roman"/>
+                          <a:cs typeface="Times New Roman"/>
+                        </a:rPr>
+                        <a:t> II. </a:t>
+                      </a:r>
+                      <a:r>
+                        <a:rPr sz="1100" b="0" i="0" u="none" dirty="0" err="1">
+                          <a:solidFill>
+                            <a:srgbClr val="000000"/>
+                          </a:solidFill>
+                          <a:latin typeface="Times New Roman"/>
+                          <a:ea typeface="Times New Roman"/>
+                          <a:cs typeface="Times New Roman"/>
+                        </a:rPr>
+                        <a:t>és</a:t>
+                      </a:r>
+                      <a:r>
+                        <a:rPr sz="1100" b="0" i="0" u="none" dirty="0">
+                          <a:solidFill>
+                            <a:srgbClr val="000000"/>
+                          </a:solidFill>
+                          <a:latin typeface="Times New Roman"/>
+                          <a:ea typeface="Times New Roman"/>
+                          <a:cs typeface="Times New Roman"/>
+                        </a:rPr>
+                        <a:t> </a:t>
+                      </a:r>
+                      <a:r>
+                        <a:rPr sz="1100" b="0" i="0" u="none" dirty="0" err="1">
+                          <a:solidFill>
+                            <a:srgbClr val="000000"/>
+                          </a:solidFill>
+                          <a:latin typeface="Times New Roman"/>
+                          <a:ea typeface="Times New Roman"/>
+                          <a:cs typeface="Times New Roman"/>
+                        </a:rPr>
+                        <a:t>frissített</a:t>
+                      </a:r>
+                      <a:r>
+                        <a:rPr sz="1100" b="0" i="0" u="none" dirty="0">
+                          <a:solidFill>
+                            <a:srgbClr val="000000"/>
+                          </a:solidFill>
+                          <a:latin typeface="Times New Roman"/>
+                          <a:ea typeface="Times New Roman"/>
+                          <a:cs typeface="Times New Roman"/>
+                        </a:rPr>
+                        <a:t> </a:t>
+                      </a:r>
+                      <a:r>
+                        <a:rPr sz="1100" b="0" i="0" u="none" dirty="0" err="1">
+                          <a:solidFill>
+                            <a:srgbClr val="000000"/>
+                          </a:solidFill>
+                          <a:latin typeface="Times New Roman"/>
+                          <a:ea typeface="Times New Roman"/>
+                          <a:cs typeface="Times New Roman"/>
+                        </a:rPr>
+                        <a:t>tesztelési</a:t>
+                      </a:r>
+                      <a:r>
+                        <a:rPr sz="1100" b="0" i="0" u="none" dirty="0">
+                          <a:solidFill>
+                            <a:srgbClr val="000000"/>
+                          </a:solidFill>
+                          <a:latin typeface="Times New Roman"/>
+                          <a:ea typeface="Times New Roman"/>
+                          <a:cs typeface="Times New Roman"/>
+                        </a:rPr>
+                        <a:t> </a:t>
+                      </a:r>
+                      <a:r>
+                        <a:rPr sz="1100" b="0" i="0" u="none" dirty="0" err="1">
+                          <a:solidFill>
+                            <a:srgbClr val="000000"/>
+                          </a:solidFill>
+                          <a:latin typeface="Times New Roman"/>
+                          <a:ea typeface="Times New Roman"/>
+                          <a:cs typeface="Times New Roman"/>
+                        </a:rPr>
+                        <a:t>dokumentáció</a:t>
+                      </a:r>
+                      <a:r>
+                        <a:rPr sz="1100" b="0" i="0" u="none" dirty="0">
+                          <a:solidFill>
+                            <a:srgbClr val="000000"/>
+                          </a:solidFill>
+                          <a:latin typeface="Times New Roman"/>
+                          <a:ea typeface="Times New Roman"/>
+                          <a:cs typeface="Times New Roman"/>
+                        </a:rPr>
+                        <a:t>, </a:t>
+                      </a:r>
+                      <a:r>
+                        <a:rPr sz="1100" b="0" i="0" u="none" dirty="0" err="1">
+                          <a:solidFill>
+                            <a:srgbClr val="000000"/>
+                          </a:solidFill>
+                          <a:latin typeface="Times New Roman"/>
+                          <a:ea typeface="Times New Roman"/>
+                          <a:cs typeface="Times New Roman"/>
+                        </a:rPr>
+                        <a:t>egyéni</a:t>
+                      </a:r>
+                      <a:r>
+                        <a:rPr sz="1100" b="0" i="0" u="none" dirty="0">
+                          <a:solidFill>
+                            <a:srgbClr val="000000"/>
+                          </a:solidFill>
+                          <a:latin typeface="Times New Roman"/>
+                          <a:ea typeface="Times New Roman"/>
+                          <a:cs typeface="Times New Roman"/>
+                        </a:rPr>
+                        <a:t> </a:t>
+                      </a:r>
+                      <a:r>
+                        <a:rPr sz="1100" b="0" i="0" u="none" dirty="0" err="1">
+                          <a:solidFill>
+                            <a:srgbClr val="000000"/>
+                          </a:solidFill>
+                          <a:latin typeface="Times New Roman"/>
+                          <a:ea typeface="Times New Roman"/>
+                          <a:cs typeface="Times New Roman"/>
+                        </a:rPr>
+                        <a:t>jelentés</a:t>
+                      </a:r>
+                      <a:endParaRPr sz="1100" dirty="0">
+                        <a:latin typeface="Times New Roman"/>
+                        <a:cs typeface="Times New Roman"/>
+                      </a:endParaRPr>
+                    </a:p>
+                  </a:txBody>
+                  <a:tcPr marL="48476" marR="48476" marT="24237" marB="24237"/>
+                </a:tc>
+                <a:tc>
+                  <a:txBody>
+                    <a:bodyPr/>
+                    <a:lstStyle/>
+                    <a:p>
+                      <a:pPr algn="ctr">
+                        <a:defRPr/>
+                      </a:pPr>
+                      <a:r>
+                        <a:rPr sz="1100" b="0" i="0" u="none" dirty="0">
+                          <a:solidFill>
+                            <a:srgbClr val="000000"/>
+                          </a:solidFill>
+                          <a:latin typeface="Times New Roman"/>
+                          <a:ea typeface="Times New Roman"/>
+                          <a:cs typeface="Times New Roman"/>
+                        </a:rPr>
+                        <a:t>2023-12-06</a:t>
+                      </a:r>
+                      <a:endParaRPr sz="1100" dirty="0">
+                        <a:latin typeface="Times New Roman"/>
+                        <a:cs typeface="Times New Roman"/>
+                      </a:endParaRPr>
+                    </a:p>
+                  </a:txBody>
+                  <a:tcPr marL="48476" marR="48476" marT="24237" marB="24237"/>
+                </a:tc>
+                <a:extLst>
+                  <a:ext uri="{0D108BD9-81ED-4DB2-BD59-A6C34878D82A}">
+                    <a16:rowId xmlns:a16="http://schemas.microsoft.com/office/drawing/2014/main" val="10004"/>
+                  </a:ext>
+                </a:extLst>
+              </a:tr>
+            </a:tbl>
+          </a:graphicData>
+        </a:graphic>
+      </p:graphicFrame>
     </p:spTree>
   </p:cSld>
   <p:clrMapOvr>
     <a:masterClrMapping/>
   </p:clrMapOvr>
-  <mc:AlternateContent xmlns:mc="http://schemas.openxmlformats.org/markup-compatibility/2006">
-    <mc:Choice xmlns:p14="http://schemas.microsoft.com/office/powerpoint/2010/main" Requires="p14">
-      <p:transition p14:dur="2000" advClick="1"/>
+  <mc:AlternateContent xmlns:mc="http://schemas.openxmlformats.org/markup-compatibility/2006" xmlns:p14="http://schemas.microsoft.com/office/powerpoint/2010/main">
+    <mc:Choice Requires="p14">
+      <p:transition spd="slow" p14:dur="2000"/>
     </mc:Choice>
-    <mc:Fallback>
+    <mc:Fallback xmlns:w="http://schemas.openxmlformats.org/wordprocessingml/2006/main" xmlns:m="http://schemas.openxmlformats.org/officeDocument/2006/math" xmlns="">
       <p:transition advClick="1"/>
     </mc:Fallback>
   </mc:AlternateContent>
+  <p:timing>
+    <p:tnLst>
+      <p:par>
+        <p:cTn id="1" dur="indefinite" restart="never" nodeType="tmRoot"/>
+      </p:par>
+    </p:tnLst>
+  </p:timing>
 </p:sld>
 </file>
 
-<file path=ppt/slides/slide6.xml><?xml version="1.0" encoding="utf-8"?>
-<p:sld xmlns:a="http://schemas.openxmlformats.org/drawingml/2006/main" xmlns:r="http://schemas.openxmlformats.org/officeDocument/2006/relationships" xmlns:p="http://schemas.openxmlformats.org/presentationml/2006/main" xmlns:m="http://schemas.openxmlformats.org/officeDocument/2006/math" xmlns:w="http://schemas.openxmlformats.org/wordprocessingml/2006/main" showMasterPhAnim="0" show="1">
-  <p:cSld name="">
+<file path=ppt/slides/slide8.xml><?xml version="1.0" encoding="utf-8"?>
+<p:sld xmlns:a="http://schemas.openxmlformats.org/drawingml/2006/main" xmlns:r="http://schemas.openxmlformats.org/officeDocument/2006/relationships" xmlns:p="http://schemas.openxmlformats.org/presentationml/2006/main" showMasterPhAnim="0">
+  <p:cSld>
     <p:spTree>
       <p:nvGrpSpPr>
         <p:cNvPr id="1" name=""/>
@@ -6106,193 +7138,40 @@
       </p:grpSpPr>
       <p:sp>
         <p:nvSpPr>
-          <p:cNvPr id="1285920471" name="Заголовок 1"/>
-          <p:cNvSpPr>
-            <a:spLocks noGrp="1"/>
-          </p:cNvSpPr>
-          <p:nvPr>
-            <p:ph type="title"/>
-          </p:nvPr>
-        </p:nvSpPr>
-        <p:spPr bwMode="auto"/>
-        <p:txBody>
-          <a:bodyPr/>
-          <a:lstStyle/>
-          <a:p>
-            <a:pPr>
-              <a:defRPr/>
-            </a:pPr>
-            <a:r>
-              <a:rPr lang="hu-HU">
-                <a:latin typeface="Times New Roman"/>
-                <a:ea typeface="Times New Roman"/>
-                <a:cs typeface="Times New Roman"/>
-              </a:rPr>
-              <a:t>Projekt </a:t>
-            </a:r>
-            <a:r>
-              <a:rPr lang="hu-HU" sz="4400" b="1" i="0" u="none" strike="noStrike" cap="none" spc="0">
-                <a:solidFill>
-                  <a:schemeClr val="tx1"/>
-                </a:solidFill>
-                <a:latin typeface="Times New Roman"/>
-                <a:ea typeface="Times New Roman"/>
-                <a:cs typeface="Times New Roman"/>
-              </a:rPr>
-              <a:t>specifikációk</a:t>
-            </a:r>
-            <a:endParaRPr>
-              <a:latin typeface="Times New Roman"/>
-              <a:cs typeface="Times New Roman"/>
-            </a:endParaRPr>
-          </a:p>
-        </p:txBody>
-      </p:sp>
-      <p:sp>
-        <p:nvSpPr>
-          <p:cNvPr id="2109747054" name="Объект 2"/>
-          <p:cNvSpPr>
-            <a:spLocks noGrp="1"/>
-          </p:cNvSpPr>
-          <p:nvPr>
-            <p:ph idx="1"/>
+          <p:cNvPr id="1387648079" name="Заголовок 1"/>
+          <p:cNvSpPr>
+            <a:spLocks noGrp="1"/>
+          </p:cNvSpPr>
+          <p:nvPr>
+            <p:ph type="ctrTitle"/>
           </p:nvPr>
         </p:nvSpPr>
         <p:spPr bwMode="auto">
-          <a:xfrm flipH="0" flipV="0">
-            <a:off x="1583498" y="1775533"/>
-            <a:ext cx="9998901" cy="4350629"/>
+          <a:xfrm>
+            <a:off x="914400" y="2367818"/>
+            <a:ext cx="10363199" cy="1470025"/>
           </a:xfrm>
         </p:spPr>
         <p:txBody>
           <a:bodyPr/>
-          <a:lstStyle/>
-          <a:p>
-            <a:pPr>
-              <a:defRPr/>
-            </a:pPr>
-            <a:r>
-              <a:rPr sz="2400" b="1" i="0" u="none">
-                <a:solidFill>
-                  <a:srgbClr val="000000"/>
-                </a:solidFill>
-                <a:latin typeface="Times New Roman"/>
-                <a:ea typeface="Times New Roman"/>
-                <a:cs typeface="Times New Roman"/>
-              </a:rPr>
-              <a:t>A webes alkalmazás képes lesz regisztrált felhasználók vásárlásinak lebonyolítására</a:t>
-            </a:r>
-            <a:r>
-              <a:rPr lang="hu-HU" sz="2400" b="1">
-                <a:latin typeface="Times New Roman"/>
-                <a:ea typeface="Times New Roman"/>
-                <a:cs typeface="Times New Roman"/>
-              </a:rPr>
-              <a:t>.</a:t>
-            </a:r>
-            <a:endParaRPr lang="hu-HU" sz="2400" b="1">
-              <a:latin typeface="Times New Roman"/>
-              <a:ea typeface="Times New Roman"/>
-              <a:cs typeface="Times New Roman"/>
-            </a:endParaRPr>
-          </a:p>
-          <a:p>
-            <a:pPr>
-              <a:defRPr/>
-            </a:pPr>
-            <a:endParaRPr sz="2400" b="1">
-              <a:latin typeface="Times New Roman"/>
-              <a:cs typeface="Times New Roman"/>
-            </a:endParaRPr>
-          </a:p>
-          <a:p>
-            <a:pPr>
-              <a:defRPr/>
-            </a:pPr>
-            <a:r>
-              <a:rPr lang="hu-HU" sz="2400" b="1">
-                <a:latin typeface="Times New Roman"/>
-                <a:ea typeface="Times New Roman"/>
-                <a:cs typeface="Times New Roman"/>
-              </a:rPr>
-              <a:t> </a:t>
-            </a:r>
-            <a:r>
-              <a:rPr sz="2400" b="1" i="0" u="none">
-                <a:solidFill>
-                  <a:srgbClr val="000000"/>
-                </a:solidFill>
-                <a:latin typeface="Times New Roman"/>
-                <a:ea typeface="Times New Roman"/>
-                <a:cs typeface="Times New Roman"/>
-              </a:rPr>
-              <a:t>5 pontos értékelő rendszerben</a:t>
-            </a:r>
-            <a:r>
-              <a:rPr lang="hu-HU" sz="2400" b="1">
-                <a:latin typeface="Times New Roman"/>
-                <a:ea typeface="Times New Roman"/>
-                <a:cs typeface="Times New Roman"/>
-              </a:rPr>
-              <a:t> </a:t>
-            </a:r>
-            <a:r>
-              <a:rPr lang="hu-HU" sz="2400" b="1">
-                <a:latin typeface="Times New Roman"/>
-                <a:ea typeface="Times New Roman"/>
-                <a:cs typeface="Times New Roman"/>
-              </a:rPr>
-              <a:t>megvalósítása.</a:t>
-            </a:r>
-            <a:endParaRPr lang="hu-HU" sz="2400" b="1">
-              <a:latin typeface="Times New Roman"/>
-              <a:ea typeface="Times New Roman"/>
-              <a:cs typeface="Times New Roman"/>
-            </a:endParaRPr>
-          </a:p>
-          <a:p>
-            <a:pPr>
-              <a:defRPr/>
-            </a:pPr>
-            <a:endParaRPr/>
-          </a:p>
-          <a:p>
-            <a:pPr>
-              <a:defRPr/>
-            </a:pPr>
-            <a:r>
-              <a:rPr lang="hu-HU" sz="2400" b="1">
-                <a:latin typeface="Times New Roman"/>
-                <a:ea typeface="Times New Roman"/>
-                <a:cs typeface="Times New Roman"/>
-              </a:rPr>
-              <a:t>Tag alapú keresés</a:t>
-            </a:r>
-            <a:endParaRPr lang="hu-HU" sz="2400" b="1">
-              <a:latin typeface="Times New Roman"/>
-              <a:ea typeface="Times New Roman"/>
-              <a:cs typeface="Times New Roman"/>
-            </a:endParaRPr>
-          </a:p>
-          <a:p>
-            <a:pPr>
-              <a:defRPr/>
-            </a:pPr>
-            <a:endParaRPr lang="hu-HU"/>
-          </a:p>
-          <a:p>
-            <a:pPr>
-              <a:defRPr/>
-            </a:pPr>
-            <a:r>
-              <a:rPr lang="hu-HU" sz="2400" b="1">
-                <a:latin typeface="Times New Roman"/>
-                <a:ea typeface="Times New Roman"/>
-                <a:cs typeface="Times New Roman"/>
-              </a:rPr>
-              <a:t>Áruk létrehozása, módosítása, kommentek moderálása</a:t>
-            </a:r>
-            <a:endParaRPr lang="hu-HU"/>
+          <a:lstStyle>
+            <a:lvl1pPr algn="ctr">
+              <a:defRPr b="1"/>
+            </a:lvl1pPr>
+          </a:lstStyle>
+          <a:p>
+            <a:pPr>
+              <a:defRPr/>
+            </a:pPr>
+            <a:r>
+              <a:rPr lang="hu-HU" sz="7200" dirty="0">
+                <a:latin typeface="Times New Roman"/>
+                <a:ea typeface="Times New Roman"/>
+                <a:cs typeface="Times New Roman"/>
+              </a:rPr>
+              <a:t>Köszönjük a figyelmet!</a:t>
+            </a:r>
+            <a:endParaRPr dirty="0"/>
           </a:p>
         </p:txBody>
       </p:sp>
@@ -6301,806 +7180,26 @@
   <p:clrMapOvr>
     <a:masterClrMapping/>
   </p:clrMapOvr>
-  <mc:AlternateContent xmlns:mc="http://schemas.openxmlformats.org/markup-compatibility/2006">
-    <mc:Choice xmlns:p14="http://schemas.microsoft.com/office/powerpoint/2010/main" Requires="p14">
-      <p:transition p14:dur="2000" advClick="1"/>
+  <mc:AlternateContent xmlns:mc="http://schemas.openxmlformats.org/markup-compatibility/2006" xmlns:p14="http://schemas.microsoft.com/office/powerpoint/2010/main">
+    <mc:Choice Requires="p14">
+      <p:transition spd="slow" p14:dur="2000"/>
     </mc:Choice>
-    <mc:Fallback>
+    <mc:Fallback xmlns:w="http://schemas.openxmlformats.org/wordprocessingml/2006/main" xmlns:m="http://schemas.openxmlformats.org/officeDocument/2006/math" xmlns="">
       <p:transition advClick="1"/>
     </mc:Fallback>
   </mc:AlternateContent>
-</p:sld>
-</file>
-
-<file path=ppt/slides/slide7.xml><?xml version="1.0" encoding="utf-8"?>
-<p:sld xmlns:a="http://schemas.openxmlformats.org/drawingml/2006/main" xmlns:r="http://schemas.openxmlformats.org/officeDocument/2006/relationships" xmlns:p="http://schemas.openxmlformats.org/presentationml/2006/main" xmlns:m="http://schemas.openxmlformats.org/officeDocument/2006/math" xmlns:w="http://schemas.openxmlformats.org/wordprocessingml/2006/main" showMasterPhAnim="0" show="1">
-  <p:cSld name="">
-    <p:spTree>
-      <p:nvGrpSpPr>
-        <p:cNvPr id="1" name=""/>
-        <p:cNvGrpSpPr/>
-        <p:nvPr/>
-      </p:nvGrpSpPr>
-      <p:grpSpPr bwMode="auto">
-        <a:xfrm>
-          <a:off x="0" y="0"/>
-          <a:ext cx="0" cy="0"/>
-          <a:chOff x="0" y="0"/>
-          <a:chExt cx="0" cy="0"/>
-        </a:xfrm>
-      </p:grpSpPr>
-      <p:sp>
-        <p:nvSpPr>
-          <p:cNvPr id="1050480861" name="Заголовок 1"/>
-          <p:cNvSpPr>
-            <a:spLocks noGrp="1"/>
-          </p:cNvSpPr>
-          <p:nvPr>
-            <p:ph type="title"/>
-          </p:nvPr>
-        </p:nvSpPr>
-        <p:spPr bwMode="auto"/>
-        <p:txBody>
-          <a:bodyPr/>
-          <a:lstStyle/>
-          <a:p>
-            <a:pPr>
-              <a:defRPr/>
-            </a:pPr>
-            <a:r>
-              <a:rPr lang="hu-HU">
-                <a:latin typeface="Times New Roman"/>
-                <a:ea typeface="Times New Roman"/>
-                <a:cs typeface="Times New Roman"/>
-              </a:rPr>
-              <a:t>Fejlesztés</a:t>
-            </a:r>
-            <a:endParaRPr>
-              <a:latin typeface="Times New Roman"/>
-              <a:cs typeface="Times New Roman"/>
-            </a:endParaRPr>
-          </a:p>
-        </p:txBody>
-      </p:sp>
-      <p:sp>
-        <p:nvSpPr>
-          <p:cNvPr id="1078724279" name="Объект 2"/>
-          <p:cNvSpPr>
-            <a:spLocks noGrp="1"/>
-          </p:cNvSpPr>
-          <p:nvPr>
-            <p:ph idx="1"/>
-          </p:nvPr>
-        </p:nvSpPr>
-        <p:spPr bwMode="auto">
-          <a:xfrm flipH="0" flipV="0">
-            <a:off x="1583498" y="2126941"/>
-            <a:ext cx="9998901" cy="3999222"/>
-          </a:xfrm>
-        </p:spPr>
-        <p:txBody>
-          <a:bodyPr vertOverflow="overflow" horzOverflow="overflow" vert="horz" wrap="square" lIns="91440" tIns="45720" rIns="91440" bIns="45720" numCol="1" spcCol="0" rtlCol="0" fromWordArt="0" anchor="t" anchorCtr="0" forceAA="0" upright="0" compatLnSpc="0">
-            <a:normAutofit fontScale="95000" lnSpcReduction="1000"/>
-          </a:bodyPr>
-          <a:lstStyle/>
-          <a:p>
-            <a:pPr>
-              <a:defRPr/>
-            </a:pPr>
-            <a:r>
-              <a:rPr lang="hu-HU" sz="2600" b="1">
-                <a:latin typeface="Times New Roman"/>
-                <a:ea typeface="Times New Roman"/>
-                <a:cs typeface="Times New Roman"/>
-              </a:rPr>
-              <a:t>A csapat 3 fő részre bomlik:</a:t>
-            </a:r>
-            <a:endParaRPr sz="2600" b="1">
-              <a:latin typeface="Times New Roman"/>
-              <a:cs typeface="Times New Roman"/>
-            </a:endParaRPr>
-          </a:p>
-          <a:p>
-            <a:pPr lvl="1">
-              <a:defRPr/>
-            </a:pPr>
-            <a:r>
-              <a:rPr lang="hu-HU" sz="2400" b="0">
-                <a:latin typeface="Times New Roman"/>
-                <a:ea typeface="Times New Roman"/>
-                <a:cs typeface="Times New Roman"/>
-              </a:rPr>
-              <a:t>Frontend</a:t>
-            </a:r>
-            <a:endParaRPr sz="2400" b="0">
-              <a:latin typeface="Times New Roman"/>
-              <a:cs typeface="Times New Roman"/>
-            </a:endParaRPr>
-          </a:p>
-          <a:p>
-            <a:pPr lvl="1">
-              <a:defRPr/>
-            </a:pPr>
-            <a:r>
-              <a:rPr lang="hu-HU" sz="2400" b="0">
-                <a:latin typeface="Times New Roman"/>
-                <a:ea typeface="Times New Roman"/>
-                <a:cs typeface="Times New Roman"/>
-              </a:rPr>
-              <a:t>Backend</a:t>
-            </a:r>
-            <a:endParaRPr sz="2400" b="0">
-              <a:latin typeface="Times New Roman"/>
-              <a:cs typeface="Times New Roman"/>
-            </a:endParaRPr>
-          </a:p>
-          <a:p>
-            <a:pPr lvl="1">
-              <a:defRPr/>
-            </a:pPr>
-            <a:r>
-              <a:rPr lang="hu-HU" sz="2400" b="0">
-                <a:latin typeface="Times New Roman"/>
-                <a:ea typeface="Times New Roman"/>
-                <a:cs typeface="Times New Roman"/>
-              </a:rPr>
-              <a:t>Database</a:t>
-            </a:r>
-            <a:endParaRPr lang="hu-HU" sz="2400" b="0">
-              <a:latin typeface="Times New Roman"/>
-              <a:ea typeface="Times New Roman"/>
-              <a:cs typeface="Times New Roman"/>
-            </a:endParaRPr>
-          </a:p>
-          <a:p>
-            <a:pPr lvl="1">
-              <a:defRPr/>
-            </a:pPr>
-            <a:endParaRPr lang="hu-HU" sz="2600" b="1">
-              <a:latin typeface="Times New Roman"/>
-              <a:cs typeface="Times New Roman"/>
-            </a:endParaRPr>
-          </a:p>
-          <a:p>
-            <a:pPr lvl="0">
-              <a:defRPr/>
-            </a:pPr>
-            <a:r>
-              <a:rPr lang="hu-HU" sz="2600" b="1">
-                <a:latin typeface="Times New Roman"/>
-                <a:ea typeface="Times New Roman"/>
-                <a:cs typeface="Times New Roman"/>
-              </a:rPr>
-              <a:t>Ezzel a feloszlással párhuzamosan tudunk effektíven haladni</a:t>
-            </a:r>
-            <a:endParaRPr lang="hu-HU" sz="2600" b="1">
-              <a:latin typeface="Times New Roman"/>
-              <a:ea typeface="Times New Roman"/>
-              <a:cs typeface="Times New Roman"/>
-            </a:endParaRPr>
-          </a:p>
-          <a:p>
-            <a:pPr lvl="0">
-              <a:defRPr/>
-            </a:pPr>
-            <a:endParaRPr lang="hu-HU" sz="2600" b="1">
-              <a:latin typeface="Times New Roman"/>
-              <a:cs typeface="Times New Roman"/>
-            </a:endParaRPr>
-          </a:p>
-          <a:p>
-            <a:pPr lvl="0">
-              <a:defRPr/>
-            </a:pPr>
-            <a:r>
-              <a:rPr lang="hu-HU" sz="2600" b="1">
-                <a:latin typeface="Times New Roman"/>
-                <a:ea typeface="Times New Roman"/>
-                <a:cs typeface="Times New Roman"/>
-              </a:rPr>
-              <a:t>Ezek mellett folyamatos tesztelések zajlanak</a:t>
-            </a:r>
-            <a:endParaRPr lang="hu-HU" sz="2600" b="1">
-              <a:latin typeface="Times New Roman"/>
-              <a:ea typeface="Times New Roman"/>
-              <a:cs typeface="Times New Roman"/>
-            </a:endParaRPr>
-          </a:p>
-          <a:p>
-            <a:pPr lvl="0">
-              <a:defRPr/>
-            </a:pPr>
-            <a:endParaRPr lang="hu-HU"/>
-          </a:p>
-          <a:p>
-            <a:pPr lvl="1">
-              <a:buFont typeface="Arial"/>
-              <a:buChar char="•"/>
-              <a:defRPr/>
-            </a:pPr>
-            <a:endParaRPr lang="hu-HU"/>
-          </a:p>
-        </p:txBody>
-      </p:sp>
-    </p:spTree>
-  </p:cSld>
-  <p:clrMapOvr>
-    <a:masterClrMapping/>
-  </p:clrMapOvr>
-  <mc:AlternateContent xmlns:mc="http://schemas.openxmlformats.org/markup-compatibility/2006">
-    <mc:Choice xmlns:p14="http://schemas.microsoft.com/office/powerpoint/2010/main" Requires="p14">
-      <p:transition p14:dur="2000" advClick="1"/>
-    </mc:Choice>
-    <mc:Fallback>
-      <p:transition advClick="1"/>
-    </mc:Fallback>
-  </mc:AlternateContent>
-</p:sld>
-</file>
-
-<file path=ppt/slides/slide8.xml><?xml version="1.0" encoding="utf-8"?>
-<p:sld xmlns:a="http://schemas.openxmlformats.org/drawingml/2006/main" xmlns:r="http://schemas.openxmlformats.org/officeDocument/2006/relationships" xmlns:p="http://schemas.openxmlformats.org/presentationml/2006/main" xmlns:m="http://schemas.openxmlformats.org/officeDocument/2006/math" xmlns:w="http://schemas.openxmlformats.org/wordprocessingml/2006/main" showMasterPhAnim="0" show="1">
-  <p:cSld name="">
-    <p:spTree>
-      <p:nvGrpSpPr>
-        <p:cNvPr id="1" name=""/>
-        <p:cNvGrpSpPr/>
-        <p:nvPr/>
-      </p:nvGrpSpPr>
-      <p:grpSpPr bwMode="auto">
-        <a:xfrm>
-          <a:off x="0" y="0"/>
-          <a:ext cx="0" cy="0"/>
-          <a:chOff x="0" y="0"/>
-          <a:chExt cx="0" cy="0"/>
-        </a:xfrm>
-      </p:grpSpPr>
-      <p:sp>
-        <p:nvSpPr>
-          <p:cNvPr id="226733519" name="Заголовок 1"/>
-          <p:cNvSpPr>
-            <a:spLocks noGrp="1"/>
-          </p:cNvSpPr>
-          <p:nvPr>
-            <p:ph type="title"/>
-          </p:nvPr>
-        </p:nvSpPr>
-        <p:spPr bwMode="auto"/>
-        <p:txBody>
-          <a:bodyPr/>
-          <a:lstStyle/>
-          <a:p>
-            <a:pPr>
-              <a:defRPr/>
-            </a:pPr>
-            <a:r>
-              <a:rPr lang="hu-HU">
-                <a:latin typeface="Times New Roman"/>
-                <a:ea typeface="Times New Roman"/>
-                <a:cs typeface="Times New Roman"/>
-              </a:rPr>
-              <a:t>Funkciók</a:t>
-            </a:r>
-            <a:endParaRPr>
-              <a:latin typeface="Times New Roman"/>
-              <a:cs typeface="Times New Roman"/>
-            </a:endParaRPr>
-          </a:p>
-        </p:txBody>
-      </p:sp>
-      <p:sp>
-        <p:nvSpPr>
-          <p:cNvPr id="541469064" name="Объект 2"/>
-          <p:cNvSpPr>
-            <a:spLocks noGrp="1"/>
-          </p:cNvSpPr>
-          <p:nvPr>
-            <p:ph idx="1"/>
-          </p:nvPr>
-        </p:nvSpPr>
-        <p:spPr bwMode="auto">
-          <a:xfrm flipH="0" flipV="0">
-            <a:off x="1583498" y="1646067"/>
-            <a:ext cx="9998901" cy="4480095"/>
-          </a:xfrm>
-        </p:spPr>
-        <p:txBody>
-          <a:bodyPr vertOverflow="overflow" horzOverflow="overflow" vert="horz" wrap="square" lIns="91440" tIns="45720" rIns="91440" bIns="45720" numCol="1" spcCol="0" rtlCol="0" fromWordArt="0" anchor="t" anchorCtr="0" forceAA="0" upright="0" compatLnSpc="0">
-            <a:normAutofit fontScale="85000" lnSpcReduction="3000"/>
-          </a:bodyPr>
-          <a:lstStyle/>
-          <a:p>
-            <a:pPr>
-              <a:lnSpc>
-                <a:spcPct val="150000"/>
-              </a:lnSpc>
-              <a:defRPr/>
-            </a:pPr>
-            <a:r>
-              <a:rPr sz="2400" b="1" i="0" u="none">
-                <a:solidFill>
-                  <a:srgbClr val="000000"/>
-                </a:solidFill>
-                <a:latin typeface="Times New Roman"/>
-                <a:ea typeface="Times New Roman"/>
-                <a:cs typeface="Times New Roman"/>
-              </a:rPr>
-              <a:t>Felhasználók kezelése (admin, vevő, kosár, személyes adatok) (CRUD)</a:t>
-            </a:r>
-            <a:endParaRPr sz="2400" b="1">
-              <a:latin typeface="Times New Roman"/>
-              <a:cs typeface="Times New Roman"/>
-            </a:endParaRPr>
-          </a:p>
-          <a:p>
-            <a:pPr>
-              <a:lnSpc>
-                <a:spcPct val="150000"/>
-              </a:lnSpc>
-              <a:defRPr/>
-            </a:pPr>
-            <a:r>
-              <a:rPr sz="2400" b="1" i="0" u="none">
-                <a:solidFill>
-                  <a:srgbClr val="000000"/>
-                </a:solidFill>
-                <a:latin typeface="Times New Roman"/>
-                <a:ea typeface="Times New Roman"/>
-                <a:cs typeface="Times New Roman"/>
-              </a:rPr>
-              <a:t>Felhasználói munkamenet megvalósítása több jogosultsági szinttel </a:t>
-            </a:r>
-            <a:endParaRPr sz="2400" b="1">
-              <a:latin typeface="Times New Roman"/>
-              <a:cs typeface="Times New Roman"/>
-            </a:endParaRPr>
-          </a:p>
-          <a:p>
-            <a:pPr>
-              <a:lnSpc>
-                <a:spcPct val="150000"/>
-              </a:lnSpc>
-              <a:defRPr/>
-            </a:pPr>
-            <a:r>
-              <a:rPr sz="2400" b="1" i="0" u="none">
-                <a:solidFill>
-                  <a:srgbClr val="000000"/>
-                </a:solidFill>
-                <a:latin typeface="Times New Roman"/>
-                <a:ea typeface="Times New Roman"/>
-                <a:cs typeface="Times New Roman"/>
-              </a:rPr>
-              <a:t>A termékek csoportosítása (CRUD)</a:t>
-            </a:r>
-            <a:endParaRPr sz="2400" b="1">
-              <a:latin typeface="Times New Roman"/>
-              <a:cs typeface="Times New Roman"/>
-            </a:endParaRPr>
-          </a:p>
-          <a:p>
-            <a:pPr>
-              <a:lnSpc>
-                <a:spcPct val="150000"/>
-              </a:lnSpc>
-              <a:defRPr/>
-            </a:pPr>
-            <a:r>
-              <a:rPr sz="2400" b="1" i="0" u="none">
-                <a:solidFill>
-                  <a:srgbClr val="000000"/>
-                </a:solidFill>
-                <a:latin typeface="Times New Roman"/>
-                <a:ea typeface="Times New Roman"/>
-                <a:cs typeface="Times New Roman"/>
-              </a:rPr>
-              <a:t>Árukészletek kezelése (CRUD)</a:t>
-            </a:r>
-            <a:endParaRPr sz="2400" b="1">
-              <a:latin typeface="Times New Roman"/>
-              <a:cs typeface="Times New Roman"/>
-            </a:endParaRPr>
-          </a:p>
-          <a:p>
-            <a:pPr>
-              <a:lnSpc>
-                <a:spcPct val="150000"/>
-              </a:lnSpc>
-              <a:defRPr/>
-            </a:pPr>
-            <a:r>
-              <a:rPr sz="2400" b="1" i="0" u="none">
-                <a:solidFill>
-                  <a:srgbClr val="000000"/>
-                </a:solidFill>
-                <a:latin typeface="Times New Roman"/>
-                <a:ea typeface="Times New Roman"/>
-                <a:cs typeface="Times New Roman"/>
-              </a:rPr>
-              <a:t>Szállítási és fizetési funkciók. (CRUD)</a:t>
-            </a:r>
-            <a:endParaRPr sz="2400" b="1">
-              <a:latin typeface="Times New Roman"/>
-              <a:cs typeface="Times New Roman"/>
-            </a:endParaRPr>
-          </a:p>
-          <a:p>
-            <a:pPr>
-              <a:lnSpc>
-                <a:spcPct val="150000"/>
-              </a:lnSpc>
-              <a:defRPr/>
-            </a:pPr>
-            <a:r>
-              <a:rPr sz="2400" b="1" i="0" u="none">
-                <a:solidFill>
-                  <a:srgbClr val="000000"/>
-                </a:solidFill>
-                <a:latin typeface="Times New Roman"/>
-                <a:ea typeface="Times New Roman"/>
-                <a:cs typeface="Times New Roman"/>
-              </a:rPr>
-              <a:t>Előző vásárlások megtekintése</a:t>
-            </a:r>
-            <a:endParaRPr sz="2400" b="1">
-              <a:latin typeface="Times New Roman"/>
-              <a:cs typeface="Times New Roman"/>
-            </a:endParaRPr>
-          </a:p>
-          <a:p>
-            <a:pPr>
-              <a:lnSpc>
-                <a:spcPct val="150000"/>
-              </a:lnSpc>
-              <a:defRPr/>
-            </a:pPr>
-            <a:r>
-              <a:rPr sz="2400" b="1" i="0" u="none">
-                <a:solidFill>
-                  <a:srgbClr val="000000"/>
-                </a:solidFill>
-                <a:latin typeface="Times New Roman"/>
-                <a:ea typeface="Times New Roman"/>
-                <a:cs typeface="Times New Roman"/>
-              </a:rPr>
-              <a:t>Termékek értékelésének kezelése (CRUD)</a:t>
-            </a:r>
-            <a:endParaRPr sz="2400" b="1">
-              <a:latin typeface="Times New Roman"/>
-              <a:cs typeface="Times New Roman"/>
-            </a:endParaRPr>
-          </a:p>
-          <a:p>
-            <a:pPr>
-              <a:lnSpc>
-                <a:spcPct val="150000"/>
-              </a:lnSpc>
-              <a:defRPr/>
-            </a:pPr>
-            <a:r>
-              <a:rPr sz="2400" b="1" i="0" u="none">
-                <a:solidFill>
-                  <a:srgbClr val="000000"/>
-                </a:solidFill>
-                <a:latin typeface="Times New Roman"/>
-                <a:ea typeface="Times New Roman"/>
-                <a:cs typeface="Times New Roman"/>
-              </a:rPr>
-              <a:t>Tagek alapú keresés</a:t>
-            </a:r>
-            <a:endParaRPr sz="2400" b="1">
-              <a:latin typeface="Times New Roman"/>
-              <a:cs typeface="Times New Roman"/>
-            </a:endParaRPr>
-          </a:p>
-          <a:p>
-            <a:pPr>
-              <a:lnSpc>
-                <a:spcPct val="150000"/>
-              </a:lnSpc>
-              <a:defRPr/>
-            </a:pPr>
-            <a:r>
-              <a:rPr sz="2400" b="1" i="0" u="none">
-                <a:solidFill>
-                  <a:srgbClr val="000000"/>
-                </a:solidFill>
-                <a:latin typeface="Times New Roman"/>
-                <a:ea typeface="Times New Roman"/>
-                <a:cs typeface="Times New Roman"/>
-              </a:rPr>
-              <a:t>Eladó termékeinek kezelése (CRUD)</a:t>
-            </a:r>
-            <a:endParaRPr/>
-          </a:p>
-        </p:txBody>
-      </p:sp>
-    </p:spTree>
-  </p:cSld>
-  <p:clrMapOvr>
-    <a:masterClrMapping/>
-  </p:clrMapOvr>
-  <mc:AlternateContent xmlns:mc="http://schemas.openxmlformats.org/markup-compatibility/2006">
-    <mc:Choice xmlns:p14="http://schemas.microsoft.com/office/powerpoint/2010/main" Requires="p14">
-      <p:transition p14:dur="2000" advClick="1"/>
-    </mc:Choice>
-    <mc:Fallback>
-      <p:transition advClick="1"/>
-    </mc:Fallback>
-  </mc:AlternateContent>
-</p:sld>
-</file>
-
-<file path=ppt/slides/slide9.xml><?xml version="1.0" encoding="utf-8"?>
-<p:sld xmlns:a="http://schemas.openxmlformats.org/drawingml/2006/main" xmlns:r="http://schemas.openxmlformats.org/officeDocument/2006/relationships" xmlns:p="http://schemas.openxmlformats.org/presentationml/2006/main" xmlns:m="http://schemas.openxmlformats.org/officeDocument/2006/math" xmlns:w="http://schemas.openxmlformats.org/wordprocessingml/2006/main" showMasterPhAnim="0" show="1">
-  <p:cSld name="">
-    <p:spTree>
-      <p:nvGrpSpPr>
-        <p:cNvPr id="1" name=""/>
-        <p:cNvGrpSpPr/>
-        <p:nvPr/>
-      </p:nvGrpSpPr>
-      <p:grpSpPr bwMode="auto">
-        <a:xfrm>
-          <a:off x="0" y="0"/>
-          <a:ext cx="0" cy="0"/>
-          <a:chOff x="0" y="0"/>
-          <a:chExt cx="0" cy="0"/>
-        </a:xfrm>
-      </p:grpSpPr>
-      <p:sp>
-        <p:nvSpPr>
-          <p:cNvPr id="781687360" name="Заголовок 1"/>
-          <p:cNvSpPr>
-            <a:spLocks noGrp="1"/>
-          </p:cNvSpPr>
-          <p:nvPr>
-            <p:ph type="title"/>
-          </p:nvPr>
-        </p:nvSpPr>
-        <p:spPr bwMode="auto"/>
-        <p:txBody>
-          <a:bodyPr/>
-          <a:lstStyle/>
-          <a:p>
-            <a:pPr>
-              <a:defRPr/>
-            </a:pPr>
-            <a:r>
-              <a:rPr lang="hu-HU">
-                <a:latin typeface="Times New Roman"/>
-                <a:ea typeface="Times New Roman"/>
-                <a:cs typeface="Times New Roman"/>
-              </a:rPr>
-              <a:t>Költségek</a:t>
-            </a:r>
-            <a:endParaRPr>
-              <a:latin typeface="Times New Roman"/>
-              <a:cs typeface="Times New Roman"/>
-            </a:endParaRPr>
-          </a:p>
-        </p:txBody>
-      </p:sp>
-      <p:sp>
-        <p:nvSpPr>
-          <p:cNvPr id="1127325395" name="Текст 2"/>
-          <p:cNvSpPr>
-            <a:spLocks noGrp="1"/>
-          </p:cNvSpPr>
-          <p:nvPr>
-            <p:ph type="body" idx="1"/>
-          </p:nvPr>
-        </p:nvSpPr>
-        <p:spPr bwMode="auto">
-          <a:xfrm flipH="0" flipV="0">
-            <a:off x="1391477" y="1535113"/>
-            <a:ext cx="3994951" cy="639762"/>
-          </a:xfrm>
-        </p:spPr>
-        <p:txBody>
-          <a:bodyPr vertOverflow="overflow" horzOverflow="overflow" vert="horz" wrap="square" lIns="91440" tIns="45720" rIns="91440" bIns="45720" numCol="1" spcCol="0" rtlCol="0" fromWordArt="0" anchor="ctr" anchorCtr="0" forceAA="0" upright="0" compatLnSpc="0">
-            <a:normAutofit fontScale="75000" lnSpcReduction="5000"/>
-          </a:bodyPr>
-          <a:lstStyle>
-            <a:lvl1pPr marL="0" indent="0">
-              <a:buNone/>
-              <a:defRPr sz="2400" b="1"/>
-            </a:lvl1pPr>
-            <a:lvl2pPr marL="457200" indent="0">
-              <a:buNone/>
-              <a:defRPr sz="2000" b="1"/>
-            </a:lvl2pPr>
-            <a:lvl3pPr marL="914400" indent="0">
-              <a:buNone/>
-              <a:defRPr sz="1800" b="1"/>
-            </a:lvl3pPr>
-            <a:lvl4pPr marL="1371600" indent="0">
-              <a:buNone/>
-              <a:defRPr sz="1600" b="1"/>
-            </a:lvl4pPr>
-            <a:lvl5pPr marL="1828800" indent="0">
-              <a:buNone/>
-              <a:defRPr sz="1600" b="1"/>
-            </a:lvl5pPr>
-            <a:lvl6pPr marL="2286000" indent="0">
-              <a:buNone/>
-              <a:defRPr sz="1600" b="1"/>
-            </a:lvl6pPr>
-            <a:lvl7pPr marL="2743200" indent="0">
-              <a:buNone/>
-              <a:defRPr sz="1600" b="1"/>
-            </a:lvl7pPr>
-            <a:lvl8pPr marL="3200400" indent="0">
-              <a:buNone/>
-              <a:defRPr sz="1600" b="1"/>
-            </a:lvl8pPr>
-            <a:lvl9pPr marL="3657600" indent="0">
-              <a:buNone/>
-              <a:defRPr sz="1600" b="1"/>
-            </a:lvl9pPr>
-          </a:lstStyle>
-          <a:p>
-            <a:pPr algn="ctr">
-              <a:defRPr/>
-            </a:pPr>
-            <a:r>
-              <a:rPr sz="2600" b="1" i="0" u="none">
-                <a:solidFill>
-                  <a:srgbClr val="000000"/>
-                </a:solidFill>
-                <a:latin typeface="Times New Roman"/>
-                <a:ea typeface="Times New Roman"/>
-                <a:cs typeface="Times New Roman"/>
-              </a:rPr>
-              <a:t>Részletes erőforrásigény (személynap)</a:t>
-            </a:r>
-            <a:endParaRPr sz="2600"/>
-          </a:p>
-        </p:txBody>
-      </p:sp>
-      <p:pic>
-        <p:nvPicPr>
-          <p:cNvPr id="45533364" name=""/>
-          <p:cNvPicPr>
-            <a:picLocks noChangeAspect="1"/>
-          </p:cNvPicPr>
-          <p:nvPr>
-            <p:ph sz="half" idx="2"/>
-          </p:nvPr>
-        </p:nvPicPr>
-        <p:blipFill>
-          <a:blip r:embed="rId2"/>
-          <a:stretch/>
-        </p:blipFill>
-        <p:spPr bwMode="auto">
-          <a:xfrm rot="0">
-            <a:off x="1036691" y="2369343"/>
-            <a:ext cx="4704522" cy="3452438"/>
-          </a:xfrm>
-          <a:prstGeom prst="rect">
-            <a:avLst/>
-          </a:prstGeom>
-        </p:spPr>
-      </p:pic>
-      <p:sp>
-        <p:nvSpPr>
-          <p:cNvPr id="1981013679" name="Текст 4"/>
-          <p:cNvSpPr>
-            <a:spLocks noGrp="1"/>
-          </p:cNvSpPr>
-          <p:nvPr>
-            <p:ph type="body" sz="quarter" idx="3"/>
-          </p:nvPr>
-        </p:nvSpPr>
-        <p:spPr bwMode="auto">
-          <a:xfrm flipH="0" flipV="0">
-            <a:off x="7389757" y="1535113"/>
-            <a:ext cx="3532572" cy="639762"/>
-          </a:xfrm>
-        </p:spPr>
-        <p:txBody>
-          <a:bodyPr vertOverflow="overflow" horzOverflow="overflow" vert="horz" wrap="square" lIns="91440" tIns="45720" rIns="91440" bIns="45720" numCol="1" spcCol="0" rtlCol="0" fromWordArt="0" anchor="ctr" anchorCtr="0" forceAA="0" upright="0" compatLnSpc="0">
-            <a:normAutofit/>
-          </a:bodyPr>
-          <a:lstStyle>
-            <a:lvl1pPr marL="0" indent="0">
-              <a:buNone/>
-              <a:defRPr sz="2400" b="1"/>
-            </a:lvl1pPr>
-            <a:lvl2pPr marL="457200" indent="0">
-              <a:buNone/>
-              <a:defRPr sz="2000" b="1"/>
-            </a:lvl2pPr>
-            <a:lvl3pPr marL="914400" indent="0">
-              <a:buNone/>
-              <a:defRPr sz="1800" b="1"/>
-            </a:lvl3pPr>
-            <a:lvl4pPr marL="1371600" indent="0">
-              <a:buNone/>
-              <a:defRPr sz="1600" b="1"/>
-            </a:lvl4pPr>
-            <a:lvl5pPr marL="1828800" indent="0">
-              <a:buNone/>
-              <a:defRPr sz="1600" b="1"/>
-            </a:lvl5pPr>
-            <a:lvl6pPr marL="2286000" indent="0">
-              <a:buNone/>
-              <a:defRPr sz="1600" b="1"/>
-            </a:lvl6pPr>
-            <a:lvl7pPr marL="2743200" indent="0">
-              <a:buNone/>
-              <a:defRPr sz="1600" b="1"/>
-            </a:lvl7pPr>
-            <a:lvl8pPr marL="3200400" indent="0">
-              <a:buNone/>
-              <a:defRPr sz="1600" b="1"/>
-            </a:lvl8pPr>
-            <a:lvl9pPr marL="3657600" indent="0">
-              <a:buNone/>
-              <a:defRPr sz="1600" b="1"/>
-            </a:lvl9pPr>
-          </a:lstStyle>
-          <a:p>
-            <a:pPr algn="ctr">
-              <a:defRPr/>
-            </a:pPr>
-            <a:r>
-              <a:rPr sz="2000" b="1" i="0" u="none">
-                <a:solidFill>
-                  <a:srgbClr val="000000"/>
-                </a:solidFill>
-                <a:latin typeface="Times New Roman"/>
-                <a:ea typeface="Times New Roman"/>
-                <a:cs typeface="Times New Roman"/>
-              </a:rPr>
-              <a:t>Részletes feladatszámok</a:t>
-            </a:r>
-            <a:endParaRPr/>
-          </a:p>
-        </p:txBody>
-      </p:sp>
-      <p:pic>
-        <p:nvPicPr>
-          <p:cNvPr id="1986072325" name=""/>
-          <p:cNvPicPr>
-            <a:picLocks noChangeAspect="1"/>
-          </p:cNvPicPr>
-          <p:nvPr>
-            <p:ph sz="quarter" idx="4"/>
-          </p:nvPr>
-        </p:nvPicPr>
-        <p:blipFill>
-          <a:blip r:embed="rId3"/>
-          <a:stretch/>
-        </p:blipFill>
-        <p:spPr bwMode="auto">
-          <a:xfrm rot="0" flipH="0" flipV="0">
-            <a:off x="6733179" y="2369343"/>
-            <a:ext cx="4726569" cy="3452611"/>
-          </a:xfrm>
-          <a:prstGeom prst="rect">
-            <a:avLst/>
-          </a:prstGeom>
-        </p:spPr>
-      </p:pic>
-    </p:spTree>
-  </p:cSld>
-  <p:clrMapOvr>
-    <a:masterClrMapping/>
-  </p:clrMapOvr>
-  <mc:AlternateContent xmlns:mc="http://schemas.openxmlformats.org/markup-compatibility/2006">
-    <mc:Choice xmlns:p14="http://schemas.microsoft.com/office/powerpoint/2010/main" Requires="p14">
-      <p:transition p14:dur="2000" advClick="1"/>
-    </mc:Choice>
-    <mc:Fallback>
-      <p:transition advClick="1"/>
-    </mc:Fallback>
-  </mc:AlternateContent>
+  <p:timing>
+    <p:tnLst>
+      <p:par>
+        <p:cTn id="1" dur="indefinite" restart="never" nodeType="tmRoot"/>
+      </p:par>
+    </p:tnLst>
+  </p:timing>
 </p:sld>
 </file>
 
 <file path=ppt/theme/theme1.xml><?xml version="1.0" encoding="utf-8"?>
-<a:theme xmlns:a="http://schemas.openxmlformats.org/drawingml/2006/main" xmlns:r="http://schemas.openxmlformats.org/officeDocument/2006/relationships" xmlns:p="http://schemas.openxmlformats.org/presentationml/2006/main" name="Corner">
+<a:theme xmlns:a="http://schemas.openxmlformats.org/drawingml/2006/main" name="Corner">
   <a:themeElements>
     <a:clrScheme name="Office">
       <a:dk1>
@@ -7305,5 +7404,6 @@
     </a:fmtScheme>
   </a:themeElements>
   <a:objectDefaults/>
+  <a:extraClrSchemeLst/>
 </a:theme>
 </file>